--- a/paper/raw_data/mempod_figures.pptx
+++ b/paper/raw_data/mempod_figures.pptx
@@ -6,10 +6,12 @@
   </p:sldMasterIdLst>
   <p:sldIdLst>
     <p:sldId id="256" r:id="rId2"/>
-    <p:sldId id="257" r:id="rId3"/>
-    <p:sldId id="258" r:id="rId4"/>
-    <p:sldId id="259" r:id="rId5"/>
-    <p:sldId id="260" r:id="rId6"/>
+    <p:sldId id="261" r:id="rId3"/>
+    <p:sldId id="257" r:id="rId4"/>
+    <p:sldId id="262" r:id="rId5"/>
+    <p:sldId id="258" r:id="rId6"/>
+    <p:sldId id="259" r:id="rId7"/>
+    <p:sldId id="260" r:id="rId8"/>
   </p:sldIdLst>
   <p:sldSz cx="12192000" cy="6858000"/>
   <p:notesSz cx="7315200" cy="9601200"/>
@@ -263,7 +265,7 @@
           <a:p>
             <a:fld id="{9AABD8A3-0D1A-42E1-BC2B-F49C43CA28F4}" type="datetimeFigureOut">
               <a:rPr lang="en-US" smtClean="0"/>
-              <a:t>3/25/2016</a:t>
+              <a:t>4/8/2016</a:t>
             </a:fld>
             <a:endParaRPr lang="en-US"/>
           </a:p>
@@ -433,7 +435,7 @@
           <a:p>
             <a:fld id="{9AABD8A3-0D1A-42E1-BC2B-F49C43CA28F4}" type="datetimeFigureOut">
               <a:rPr lang="en-US" smtClean="0"/>
-              <a:t>3/25/2016</a:t>
+              <a:t>4/8/2016</a:t>
             </a:fld>
             <a:endParaRPr lang="en-US"/>
           </a:p>
@@ -613,7 +615,7 @@
           <a:p>
             <a:fld id="{9AABD8A3-0D1A-42E1-BC2B-F49C43CA28F4}" type="datetimeFigureOut">
               <a:rPr lang="en-US" smtClean="0"/>
-              <a:t>3/25/2016</a:t>
+              <a:t>4/8/2016</a:t>
             </a:fld>
             <a:endParaRPr lang="en-US"/>
           </a:p>
@@ -783,7 +785,7 @@
           <a:p>
             <a:fld id="{9AABD8A3-0D1A-42E1-BC2B-F49C43CA28F4}" type="datetimeFigureOut">
               <a:rPr lang="en-US" smtClean="0"/>
-              <a:t>3/25/2016</a:t>
+              <a:t>4/8/2016</a:t>
             </a:fld>
             <a:endParaRPr lang="en-US"/>
           </a:p>
@@ -1029,7 +1031,7 @@
           <a:p>
             <a:fld id="{9AABD8A3-0D1A-42E1-BC2B-F49C43CA28F4}" type="datetimeFigureOut">
               <a:rPr lang="en-US" smtClean="0"/>
-              <a:t>3/25/2016</a:t>
+              <a:t>4/8/2016</a:t>
             </a:fld>
             <a:endParaRPr lang="en-US"/>
           </a:p>
@@ -1261,7 +1263,7 @@
           <a:p>
             <a:fld id="{9AABD8A3-0D1A-42E1-BC2B-F49C43CA28F4}" type="datetimeFigureOut">
               <a:rPr lang="en-US" smtClean="0"/>
-              <a:t>3/25/2016</a:t>
+              <a:t>4/8/2016</a:t>
             </a:fld>
             <a:endParaRPr lang="en-US"/>
           </a:p>
@@ -1628,7 +1630,7 @@
           <a:p>
             <a:fld id="{9AABD8A3-0D1A-42E1-BC2B-F49C43CA28F4}" type="datetimeFigureOut">
               <a:rPr lang="en-US" smtClean="0"/>
-              <a:t>3/25/2016</a:t>
+              <a:t>4/8/2016</a:t>
             </a:fld>
             <a:endParaRPr lang="en-US"/>
           </a:p>
@@ -1746,7 +1748,7 @@
           <a:p>
             <a:fld id="{9AABD8A3-0D1A-42E1-BC2B-F49C43CA28F4}" type="datetimeFigureOut">
               <a:rPr lang="en-US" smtClean="0"/>
-              <a:t>3/25/2016</a:t>
+              <a:t>4/8/2016</a:t>
             </a:fld>
             <a:endParaRPr lang="en-US"/>
           </a:p>
@@ -1841,7 +1843,7 @@
           <a:p>
             <a:fld id="{9AABD8A3-0D1A-42E1-BC2B-F49C43CA28F4}" type="datetimeFigureOut">
               <a:rPr lang="en-US" smtClean="0"/>
-              <a:t>3/25/2016</a:t>
+              <a:t>4/8/2016</a:t>
             </a:fld>
             <a:endParaRPr lang="en-US"/>
           </a:p>
@@ -2118,7 +2120,7 @@
           <a:p>
             <a:fld id="{9AABD8A3-0D1A-42E1-BC2B-F49C43CA28F4}" type="datetimeFigureOut">
               <a:rPr lang="en-US" smtClean="0"/>
-              <a:t>3/25/2016</a:t>
+              <a:t>4/8/2016</a:t>
             </a:fld>
             <a:endParaRPr lang="en-US"/>
           </a:p>
@@ -2371,7 +2373,7 @@
           <a:p>
             <a:fld id="{9AABD8A3-0D1A-42E1-BC2B-F49C43CA28F4}" type="datetimeFigureOut">
               <a:rPr lang="en-US" smtClean="0"/>
-              <a:t>3/25/2016</a:t>
+              <a:t>4/8/2016</a:t>
             </a:fld>
             <a:endParaRPr lang="en-US"/>
           </a:p>
@@ -2584,7 +2586,7 @@
           <a:p>
             <a:fld id="{9AABD8A3-0D1A-42E1-BC2B-F49C43CA28F4}" type="datetimeFigureOut">
               <a:rPr lang="en-US" smtClean="0"/>
-              <a:t>3/25/2016</a:t>
+              <a:t>4/8/2016</a:t>
             </a:fld>
             <a:endParaRPr lang="en-US"/>
           </a:p>
@@ -6893,6 +6895,3420 @@
       </p:grpSpPr>
       <p:sp>
         <p:nvSpPr>
+          <p:cNvPr id="185" name="Title 184"/>
+          <p:cNvSpPr>
+            <a:spLocks noGrp="1"/>
+          </p:cNvSpPr>
+          <p:nvPr>
+            <p:ph type="title"/>
+          </p:nvPr>
+        </p:nvSpPr>
+        <p:spPr/>
+        <p:txBody>
+          <a:bodyPr/>
+          <a:lstStyle/>
+          <a:p>
+            <a:r>
+              <a:rPr lang="en-US" dirty="0" err="1" smtClean="0"/>
+              <a:t>MemPod</a:t>
+            </a:r>
+            <a:r>
+              <a:rPr lang="en-US" dirty="0" smtClean="0"/>
+              <a:t> Organization v2</a:t>
+            </a:r>
+            <a:endParaRPr lang="en-US" dirty="0"/>
+          </a:p>
+        </p:txBody>
+      </p:sp>
+      <p:grpSp>
+        <p:nvGrpSpPr>
+          <p:cNvPr id="3" name="Group 2"/>
+          <p:cNvGrpSpPr/>
+          <p:nvPr/>
+        </p:nvGrpSpPr>
+        <p:grpSpPr>
+          <a:xfrm>
+            <a:off x="1315246" y="2516766"/>
+            <a:ext cx="4665543" cy="2759285"/>
+            <a:chOff x="1315246" y="2516766"/>
+            <a:chExt cx="4665543" cy="2759285"/>
+          </a:xfrm>
+        </p:grpSpPr>
+        <p:sp>
+          <p:nvSpPr>
+            <p:cNvPr id="4" name="Rounded Rectangle 3"/>
+            <p:cNvSpPr/>
+            <p:nvPr/>
+          </p:nvSpPr>
+          <p:spPr>
+            <a:xfrm>
+              <a:off x="1491049" y="4909752"/>
+              <a:ext cx="494270" cy="296562"/>
+            </a:xfrm>
+            <a:prstGeom prst="roundRect">
+              <a:avLst/>
+            </a:prstGeom>
+            <a:solidFill>
+              <a:schemeClr val="tx2">
+                <a:lumMod val="40000"/>
+                <a:lumOff val="60000"/>
+              </a:schemeClr>
+            </a:solidFill>
+            <a:ln>
+              <a:noFill/>
+            </a:ln>
+          </p:spPr>
+          <p:style>
+            <a:lnRef idx="2">
+              <a:schemeClr val="accent1">
+                <a:shade val="50000"/>
+              </a:schemeClr>
+            </a:lnRef>
+            <a:fillRef idx="1">
+              <a:schemeClr val="accent1"/>
+            </a:fillRef>
+            <a:effectRef idx="0">
+              <a:schemeClr val="accent1"/>
+            </a:effectRef>
+            <a:fontRef idx="minor">
+              <a:schemeClr val="lt1"/>
+            </a:fontRef>
+          </p:style>
+          <p:txBody>
+            <a:bodyPr rtlCol="0" anchor="ctr"/>
+            <a:lstStyle/>
+            <a:p>
+              <a:pPr algn="ctr"/>
+              <a:r>
+                <a:rPr lang="en-US" sz="1200" dirty="0" smtClean="0">
+                  <a:solidFill>
+                    <a:schemeClr val="tx1"/>
+                  </a:solidFill>
+                </a:rPr>
+                <a:t>CPU</a:t>
+              </a:r>
+              <a:endParaRPr lang="en-US" sz="1200" dirty="0">
+                <a:solidFill>
+                  <a:schemeClr val="tx1"/>
+                </a:solidFill>
+              </a:endParaRPr>
+            </a:p>
+          </p:txBody>
+        </p:sp>
+        <p:sp>
+          <p:nvSpPr>
+            <p:cNvPr id="5" name="Rounded Rectangle 4"/>
+            <p:cNvSpPr/>
+            <p:nvPr/>
+          </p:nvSpPr>
+          <p:spPr>
+            <a:xfrm>
+              <a:off x="2375213" y="4909752"/>
+              <a:ext cx="494270" cy="296562"/>
+            </a:xfrm>
+            <a:prstGeom prst="roundRect">
+              <a:avLst/>
+            </a:prstGeom>
+            <a:solidFill>
+              <a:schemeClr val="tx2">
+                <a:lumMod val="40000"/>
+                <a:lumOff val="60000"/>
+              </a:schemeClr>
+            </a:solidFill>
+            <a:ln>
+              <a:noFill/>
+            </a:ln>
+          </p:spPr>
+          <p:style>
+            <a:lnRef idx="2">
+              <a:schemeClr val="accent1">
+                <a:shade val="50000"/>
+              </a:schemeClr>
+            </a:lnRef>
+            <a:fillRef idx="1">
+              <a:schemeClr val="accent1"/>
+            </a:fillRef>
+            <a:effectRef idx="0">
+              <a:schemeClr val="accent1"/>
+            </a:effectRef>
+            <a:fontRef idx="minor">
+              <a:schemeClr val="lt1"/>
+            </a:fontRef>
+          </p:style>
+          <p:txBody>
+            <a:bodyPr rtlCol="0" anchor="ctr"/>
+            <a:lstStyle/>
+            <a:p>
+              <a:pPr algn="ctr"/>
+              <a:r>
+                <a:rPr lang="en-US" sz="1200" dirty="0" smtClean="0">
+                  <a:solidFill>
+                    <a:schemeClr val="tx1"/>
+                  </a:solidFill>
+                </a:rPr>
+                <a:t>CPU</a:t>
+              </a:r>
+              <a:endParaRPr lang="en-US" sz="1200" dirty="0">
+                <a:solidFill>
+                  <a:schemeClr val="tx1"/>
+                </a:solidFill>
+              </a:endParaRPr>
+            </a:p>
+          </p:txBody>
+        </p:sp>
+        <p:sp>
+          <p:nvSpPr>
+            <p:cNvPr id="6" name="TextBox 5"/>
+            <p:cNvSpPr txBox="1"/>
+            <p:nvPr/>
+          </p:nvSpPr>
+          <p:spPr>
+            <a:xfrm>
+              <a:off x="1916611" y="4555809"/>
+              <a:ext cx="917205" cy="707886"/>
+            </a:xfrm>
+            <a:prstGeom prst="rect">
+              <a:avLst/>
+            </a:prstGeom>
+            <a:noFill/>
+          </p:spPr>
+          <p:txBody>
+            <a:bodyPr wrap="square" rtlCol="0">
+              <a:spAutoFit/>
+            </a:bodyPr>
+            <a:lstStyle/>
+            <a:p>
+              <a:r>
+                <a:rPr lang="en-US" sz="4000" dirty="0" smtClean="0"/>
+                <a:t>…</a:t>
+              </a:r>
+              <a:endParaRPr lang="en-US" sz="4000" dirty="0"/>
+            </a:p>
+          </p:txBody>
+        </p:sp>
+        <p:sp>
+          <p:nvSpPr>
+            <p:cNvPr id="7" name="TextBox 6"/>
+            <p:cNvSpPr txBox="1"/>
+            <p:nvPr/>
+          </p:nvSpPr>
+          <p:spPr>
+            <a:xfrm>
+              <a:off x="1340318" y="4694308"/>
+              <a:ext cx="397866" cy="215444"/>
+            </a:xfrm>
+            <a:prstGeom prst="rect">
+              <a:avLst/>
+            </a:prstGeom>
+            <a:noFill/>
+          </p:spPr>
+          <p:txBody>
+            <a:bodyPr wrap="none" rtlCol="0">
+              <a:spAutoFit/>
+            </a:bodyPr>
+            <a:lstStyle/>
+            <a:p>
+              <a:r>
+                <a:rPr lang="en-US" sz="800" dirty="0" smtClean="0"/>
+                <a:t>CPUs</a:t>
+              </a:r>
+              <a:endParaRPr lang="en-US" sz="800" dirty="0"/>
+            </a:p>
+          </p:txBody>
+        </p:sp>
+        <p:sp>
+          <p:nvSpPr>
+            <p:cNvPr id="8" name="Rectangle 7"/>
+            <p:cNvSpPr/>
+            <p:nvPr/>
+          </p:nvSpPr>
+          <p:spPr>
+            <a:xfrm>
+              <a:off x="1389745" y="4677831"/>
+              <a:ext cx="1551163" cy="569387"/>
+            </a:xfrm>
+            <a:prstGeom prst="rect">
+              <a:avLst/>
+            </a:prstGeom>
+            <a:noFill/>
+            <a:ln>
+              <a:solidFill>
+                <a:schemeClr val="tx1"/>
+              </a:solidFill>
+              <a:prstDash val="sysDash"/>
+            </a:ln>
+          </p:spPr>
+          <p:style>
+            <a:lnRef idx="2">
+              <a:schemeClr val="accent1">
+                <a:shade val="50000"/>
+              </a:schemeClr>
+            </a:lnRef>
+            <a:fillRef idx="1">
+              <a:schemeClr val="accent1"/>
+            </a:fillRef>
+            <a:effectRef idx="0">
+              <a:schemeClr val="accent1"/>
+            </a:effectRef>
+            <a:fontRef idx="minor">
+              <a:schemeClr val="lt1"/>
+            </a:fontRef>
+          </p:style>
+          <p:txBody>
+            <a:bodyPr rtlCol="0" anchor="ctr"/>
+            <a:lstStyle/>
+            <a:p>
+              <a:pPr algn="ctr"/>
+              <a:endParaRPr lang="en-US"/>
+            </a:p>
+          </p:txBody>
+        </p:sp>
+        <p:sp>
+          <p:nvSpPr>
+            <p:cNvPr id="9" name="Rounded Rectangle 8"/>
+            <p:cNvSpPr/>
+            <p:nvPr/>
+          </p:nvSpPr>
+          <p:spPr>
+            <a:xfrm>
+              <a:off x="3220639" y="4909752"/>
+              <a:ext cx="494270" cy="296562"/>
+            </a:xfrm>
+            <a:prstGeom prst="roundRect">
+              <a:avLst/>
+            </a:prstGeom>
+            <a:solidFill>
+              <a:schemeClr val="tx2">
+                <a:lumMod val="40000"/>
+                <a:lumOff val="60000"/>
+              </a:schemeClr>
+            </a:solidFill>
+            <a:ln>
+              <a:noFill/>
+            </a:ln>
+          </p:spPr>
+          <p:style>
+            <a:lnRef idx="2">
+              <a:schemeClr val="accent1">
+                <a:shade val="50000"/>
+              </a:schemeClr>
+            </a:lnRef>
+            <a:fillRef idx="1">
+              <a:schemeClr val="accent1"/>
+            </a:fillRef>
+            <a:effectRef idx="0">
+              <a:schemeClr val="accent1"/>
+            </a:effectRef>
+            <a:fontRef idx="minor">
+              <a:schemeClr val="lt1"/>
+            </a:fontRef>
+          </p:style>
+          <p:txBody>
+            <a:bodyPr rtlCol="0" anchor="ctr"/>
+            <a:lstStyle/>
+            <a:p>
+              <a:pPr algn="ctr"/>
+              <a:r>
+                <a:rPr lang="en-US" sz="1200" dirty="0" smtClean="0">
+                  <a:solidFill>
+                    <a:schemeClr val="tx1"/>
+                  </a:solidFill>
+                </a:rPr>
+                <a:t>CU</a:t>
+              </a:r>
+              <a:endParaRPr lang="en-US" sz="1200" dirty="0">
+                <a:solidFill>
+                  <a:schemeClr val="tx1"/>
+                </a:solidFill>
+              </a:endParaRPr>
+            </a:p>
+          </p:txBody>
+        </p:sp>
+        <p:sp>
+          <p:nvSpPr>
+            <p:cNvPr id="10" name="Rounded Rectangle 9"/>
+            <p:cNvSpPr/>
+            <p:nvPr/>
+          </p:nvSpPr>
+          <p:spPr>
+            <a:xfrm>
+              <a:off x="3805526" y="4909752"/>
+              <a:ext cx="494270" cy="296562"/>
+            </a:xfrm>
+            <a:prstGeom prst="roundRect">
+              <a:avLst/>
+            </a:prstGeom>
+            <a:solidFill>
+              <a:schemeClr val="tx2">
+                <a:lumMod val="40000"/>
+                <a:lumOff val="60000"/>
+              </a:schemeClr>
+            </a:solidFill>
+            <a:ln>
+              <a:noFill/>
+            </a:ln>
+          </p:spPr>
+          <p:style>
+            <a:lnRef idx="2">
+              <a:schemeClr val="accent1">
+                <a:shade val="50000"/>
+              </a:schemeClr>
+            </a:lnRef>
+            <a:fillRef idx="1">
+              <a:schemeClr val="accent1"/>
+            </a:fillRef>
+            <a:effectRef idx="0">
+              <a:schemeClr val="accent1"/>
+            </a:effectRef>
+            <a:fontRef idx="minor">
+              <a:schemeClr val="lt1"/>
+            </a:fontRef>
+          </p:style>
+          <p:txBody>
+            <a:bodyPr rtlCol="0" anchor="ctr"/>
+            <a:lstStyle/>
+            <a:p>
+              <a:pPr algn="ctr"/>
+              <a:r>
+                <a:rPr lang="en-US" sz="1200" dirty="0" smtClean="0">
+                  <a:solidFill>
+                    <a:schemeClr val="tx1"/>
+                  </a:solidFill>
+                </a:rPr>
+                <a:t>CU</a:t>
+              </a:r>
+              <a:endParaRPr lang="en-US" sz="1200" dirty="0">
+                <a:solidFill>
+                  <a:schemeClr val="tx1"/>
+                </a:solidFill>
+              </a:endParaRPr>
+            </a:p>
+          </p:txBody>
+        </p:sp>
+        <p:sp>
+          <p:nvSpPr>
+            <p:cNvPr id="11" name="TextBox 10"/>
+            <p:cNvSpPr txBox="1"/>
+            <p:nvPr/>
+          </p:nvSpPr>
+          <p:spPr>
+            <a:xfrm>
+              <a:off x="4293227" y="4568165"/>
+              <a:ext cx="917205" cy="707886"/>
+            </a:xfrm>
+            <a:prstGeom prst="rect">
+              <a:avLst/>
+            </a:prstGeom>
+            <a:noFill/>
+          </p:spPr>
+          <p:txBody>
+            <a:bodyPr wrap="square" rtlCol="0">
+              <a:spAutoFit/>
+            </a:bodyPr>
+            <a:lstStyle/>
+            <a:p>
+              <a:r>
+                <a:rPr lang="en-US" sz="4000" dirty="0" smtClean="0"/>
+                <a:t>…</a:t>
+              </a:r>
+              <a:endParaRPr lang="en-US" sz="4000" dirty="0"/>
+            </a:p>
+          </p:txBody>
+        </p:sp>
+        <p:sp>
+          <p:nvSpPr>
+            <p:cNvPr id="12" name="Rounded Rectangle 11"/>
+            <p:cNvSpPr/>
+            <p:nvPr/>
+          </p:nvSpPr>
+          <p:spPr>
+            <a:xfrm>
+              <a:off x="4787142" y="4909752"/>
+              <a:ext cx="494270" cy="296562"/>
+            </a:xfrm>
+            <a:prstGeom prst="roundRect">
+              <a:avLst/>
+            </a:prstGeom>
+            <a:solidFill>
+              <a:schemeClr val="tx2">
+                <a:lumMod val="40000"/>
+                <a:lumOff val="60000"/>
+              </a:schemeClr>
+            </a:solidFill>
+            <a:ln>
+              <a:noFill/>
+            </a:ln>
+          </p:spPr>
+          <p:style>
+            <a:lnRef idx="2">
+              <a:schemeClr val="accent1">
+                <a:shade val="50000"/>
+              </a:schemeClr>
+            </a:lnRef>
+            <a:fillRef idx="1">
+              <a:schemeClr val="accent1"/>
+            </a:fillRef>
+            <a:effectRef idx="0">
+              <a:schemeClr val="accent1"/>
+            </a:effectRef>
+            <a:fontRef idx="minor">
+              <a:schemeClr val="lt1"/>
+            </a:fontRef>
+          </p:style>
+          <p:txBody>
+            <a:bodyPr rtlCol="0" anchor="ctr"/>
+            <a:lstStyle/>
+            <a:p>
+              <a:pPr algn="ctr"/>
+              <a:r>
+                <a:rPr lang="en-US" sz="1200" dirty="0" smtClean="0">
+                  <a:solidFill>
+                    <a:schemeClr val="tx1"/>
+                  </a:solidFill>
+                </a:rPr>
+                <a:t>CU</a:t>
+              </a:r>
+              <a:endParaRPr lang="en-US" sz="1200" dirty="0">
+                <a:solidFill>
+                  <a:schemeClr val="tx1"/>
+                </a:solidFill>
+              </a:endParaRPr>
+            </a:p>
+          </p:txBody>
+        </p:sp>
+        <p:sp>
+          <p:nvSpPr>
+            <p:cNvPr id="13" name="Rounded Rectangle 12"/>
+            <p:cNvSpPr/>
+            <p:nvPr/>
+          </p:nvSpPr>
+          <p:spPr>
+            <a:xfrm>
+              <a:off x="5372029" y="4909752"/>
+              <a:ext cx="494270" cy="296562"/>
+            </a:xfrm>
+            <a:prstGeom prst="roundRect">
+              <a:avLst/>
+            </a:prstGeom>
+            <a:solidFill>
+              <a:schemeClr val="tx2">
+                <a:lumMod val="40000"/>
+                <a:lumOff val="60000"/>
+              </a:schemeClr>
+            </a:solidFill>
+            <a:ln>
+              <a:noFill/>
+            </a:ln>
+          </p:spPr>
+          <p:style>
+            <a:lnRef idx="2">
+              <a:schemeClr val="accent1">
+                <a:shade val="50000"/>
+              </a:schemeClr>
+            </a:lnRef>
+            <a:fillRef idx="1">
+              <a:schemeClr val="accent1"/>
+            </a:fillRef>
+            <a:effectRef idx="0">
+              <a:schemeClr val="accent1"/>
+            </a:effectRef>
+            <a:fontRef idx="minor">
+              <a:schemeClr val="lt1"/>
+            </a:fontRef>
+          </p:style>
+          <p:txBody>
+            <a:bodyPr rtlCol="0" anchor="ctr"/>
+            <a:lstStyle/>
+            <a:p>
+              <a:pPr algn="ctr"/>
+              <a:r>
+                <a:rPr lang="en-US" sz="1200" dirty="0" smtClean="0">
+                  <a:solidFill>
+                    <a:schemeClr val="tx1"/>
+                  </a:solidFill>
+                </a:rPr>
+                <a:t>CU</a:t>
+              </a:r>
+              <a:endParaRPr lang="en-US" sz="1200" dirty="0">
+                <a:solidFill>
+                  <a:schemeClr val="tx1"/>
+                </a:solidFill>
+              </a:endParaRPr>
+            </a:p>
+          </p:txBody>
+        </p:sp>
+        <p:sp>
+          <p:nvSpPr>
+            <p:cNvPr id="14" name="TextBox 13"/>
+            <p:cNvSpPr txBox="1"/>
+            <p:nvPr/>
+          </p:nvSpPr>
+          <p:spPr>
+            <a:xfrm>
+              <a:off x="3094756" y="4701773"/>
+              <a:ext cx="367408" cy="215444"/>
+            </a:xfrm>
+            <a:prstGeom prst="rect">
+              <a:avLst/>
+            </a:prstGeom>
+            <a:noFill/>
+          </p:spPr>
+          <p:txBody>
+            <a:bodyPr wrap="none" rtlCol="0">
+              <a:spAutoFit/>
+            </a:bodyPr>
+            <a:lstStyle/>
+            <a:p>
+              <a:r>
+                <a:rPr lang="en-US" sz="800" dirty="0" smtClean="0"/>
+                <a:t>GPU</a:t>
+              </a:r>
+              <a:endParaRPr lang="en-US" sz="800" dirty="0"/>
+            </a:p>
+          </p:txBody>
+        </p:sp>
+        <p:sp>
+          <p:nvSpPr>
+            <p:cNvPr id="15" name="Rectangle 14"/>
+            <p:cNvSpPr/>
+            <p:nvPr/>
+          </p:nvSpPr>
+          <p:spPr>
+            <a:xfrm>
+              <a:off x="3145362" y="4677831"/>
+              <a:ext cx="2785881" cy="569387"/>
+            </a:xfrm>
+            <a:prstGeom prst="rect">
+              <a:avLst/>
+            </a:prstGeom>
+            <a:noFill/>
+            <a:ln>
+              <a:solidFill>
+                <a:schemeClr val="tx1"/>
+              </a:solidFill>
+              <a:prstDash val="sysDash"/>
+            </a:ln>
+          </p:spPr>
+          <p:style>
+            <a:lnRef idx="2">
+              <a:schemeClr val="accent1">
+                <a:shade val="50000"/>
+              </a:schemeClr>
+            </a:lnRef>
+            <a:fillRef idx="1">
+              <a:schemeClr val="accent1"/>
+            </a:fillRef>
+            <a:effectRef idx="0">
+              <a:schemeClr val="accent1"/>
+            </a:effectRef>
+            <a:fontRef idx="minor">
+              <a:schemeClr val="lt1"/>
+            </a:fontRef>
+          </p:style>
+          <p:txBody>
+            <a:bodyPr rtlCol="0" anchor="ctr"/>
+            <a:lstStyle/>
+            <a:p>
+              <a:pPr algn="ctr"/>
+              <a:endParaRPr lang="en-US"/>
+            </a:p>
+          </p:txBody>
+        </p:sp>
+        <p:sp>
+          <p:nvSpPr>
+            <p:cNvPr id="16" name="Rounded Rectangle 15"/>
+            <p:cNvSpPr/>
+            <p:nvPr/>
+          </p:nvSpPr>
+          <p:spPr>
+            <a:xfrm>
+              <a:off x="1357929" y="4265309"/>
+              <a:ext cx="4573313" cy="296562"/>
+            </a:xfrm>
+            <a:prstGeom prst="roundRect">
+              <a:avLst/>
+            </a:prstGeom>
+            <a:solidFill>
+              <a:schemeClr val="tx2">
+                <a:lumMod val="40000"/>
+                <a:lumOff val="60000"/>
+              </a:schemeClr>
+            </a:solidFill>
+            <a:ln>
+              <a:noFill/>
+            </a:ln>
+          </p:spPr>
+          <p:style>
+            <a:lnRef idx="2">
+              <a:schemeClr val="accent1">
+                <a:shade val="50000"/>
+              </a:schemeClr>
+            </a:lnRef>
+            <a:fillRef idx="1">
+              <a:schemeClr val="accent1"/>
+            </a:fillRef>
+            <a:effectRef idx="0">
+              <a:schemeClr val="accent1"/>
+            </a:effectRef>
+            <a:fontRef idx="minor">
+              <a:schemeClr val="lt1"/>
+            </a:fontRef>
+          </p:style>
+          <p:txBody>
+            <a:bodyPr rtlCol="0" anchor="ctr"/>
+            <a:lstStyle/>
+            <a:p>
+              <a:pPr algn="ctr"/>
+              <a:r>
+                <a:rPr lang="en-US" sz="1200" dirty="0" smtClean="0">
+                  <a:solidFill>
+                    <a:schemeClr val="tx1"/>
+                  </a:solidFill>
+                </a:rPr>
+                <a:t>Crossbar</a:t>
+              </a:r>
+              <a:endParaRPr lang="en-US" sz="1200" dirty="0">
+                <a:solidFill>
+                  <a:schemeClr val="tx1"/>
+                </a:solidFill>
+              </a:endParaRPr>
+            </a:p>
+          </p:txBody>
+        </p:sp>
+        <p:sp>
+          <p:nvSpPr>
+            <p:cNvPr id="17" name="Rounded Rectangle 16"/>
+            <p:cNvSpPr/>
+            <p:nvPr/>
+          </p:nvSpPr>
+          <p:spPr>
+            <a:xfrm>
+              <a:off x="1357929" y="3808495"/>
+              <a:ext cx="4573313" cy="296562"/>
+            </a:xfrm>
+            <a:prstGeom prst="roundRect">
+              <a:avLst/>
+            </a:prstGeom>
+            <a:solidFill>
+              <a:schemeClr val="tx2">
+                <a:lumMod val="40000"/>
+                <a:lumOff val="60000"/>
+              </a:schemeClr>
+            </a:solidFill>
+            <a:ln>
+              <a:noFill/>
+            </a:ln>
+          </p:spPr>
+          <p:style>
+            <a:lnRef idx="2">
+              <a:schemeClr val="accent1">
+                <a:shade val="50000"/>
+              </a:schemeClr>
+            </a:lnRef>
+            <a:fillRef idx="1">
+              <a:schemeClr val="accent1"/>
+            </a:fillRef>
+            <a:effectRef idx="0">
+              <a:schemeClr val="accent1"/>
+            </a:effectRef>
+            <a:fontRef idx="minor">
+              <a:schemeClr val="lt1"/>
+            </a:fontRef>
+          </p:style>
+          <p:txBody>
+            <a:bodyPr rtlCol="0" anchor="ctr"/>
+            <a:lstStyle/>
+            <a:p>
+              <a:pPr algn="ctr"/>
+              <a:r>
+                <a:rPr lang="en-US" sz="1200" dirty="0" smtClean="0">
+                  <a:solidFill>
+                    <a:schemeClr val="tx1"/>
+                  </a:solidFill>
+                </a:rPr>
+                <a:t>LLC</a:t>
+              </a:r>
+              <a:endParaRPr lang="en-US" sz="1200" dirty="0">
+                <a:solidFill>
+                  <a:schemeClr val="tx1"/>
+                </a:solidFill>
+              </a:endParaRPr>
+            </a:p>
+          </p:txBody>
+        </p:sp>
+        <p:cxnSp>
+          <p:nvCxnSpPr>
+            <p:cNvPr id="19" name="Straight Arrow Connector 18"/>
+            <p:cNvCxnSpPr>
+              <a:stCxn id="4" idx="0"/>
+            </p:cNvCxnSpPr>
+            <p:nvPr/>
+          </p:nvCxnSpPr>
+          <p:spPr>
+            <a:xfrm flipV="1">
+              <a:off x="1738184" y="4555809"/>
+              <a:ext cx="0" cy="353943"/>
+            </a:xfrm>
+            <a:prstGeom prst="straightConnector1">
+              <a:avLst/>
+            </a:prstGeom>
+            <a:ln>
+              <a:solidFill>
+                <a:schemeClr val="tx1"/>
+              </a:solidFill>
+              <a:headEnd type="stealth" w="sm" len="med"/>
+              <a:tailEnd type="stealth" w="sm" len="med"/>
+            </a:ln>
+          </p:spPr>
+          <p:style>
+            <a:lnRef idx="1">
+              <a:schemeClr val="accent1"/>
+            </a:lnRef>
+            <a:fillRef idx="0">
+              <a:schemeClr val="accent1"/>
+            </a:fillRef>
+            <a:effectRef idx="0">
+              <a:schemeClr val="accent1"/>
+            </a:effectRef>
+            <a:fontRef idx="minor">
+              <a:schemeClr val="tx1"/>
+            </a:fontRef>
+          </p:style>
+        </p:cxnSp>
+        <p:cxnSp>
+          <p:nvCxnSpPr>
+            <p:cNvPr id="21" name="Straight Arrow Connector 20"/>
+            <p:cNvCxnSpPr/>
+            <p:nvPr/>
+          </p:nvCxnSpPr>
+          <p:spPr>
+            <a:xfrm flipV="1">
+              <a:off x="2614108" y="4551689"/>
+              <a:ext cx="2" cy="358063"/>
+            </a:xfrm>
+            <a:prstGeom prst="straightConnector1">
+              <a:avLst/>
+            </a:prstGeom>
+            <a:ln>
+              <a:solidFill>
+                <a:schemeClr val="tx1"/>
+              </a:solidFill>
+              <a:headEnd type="stealth" w="sm" len="med"/>
+              <a:tailEnd type="stealth" w="sm" len="med"/>
+            </a:ln>
+          </p:spPr>
+          <p:style>
+            <a:lnRef idx="1">
+              <a:schemeClr val="accent1"/>
+            </a:lnRef>
+            <a:fillRef idx="0">
+              <a:schemeClr val="accent1"/>
+            </a:fillRef>
+            <a:effectRef idx="0">
+              <a:schemeClr val="accent1"/>
+            </a:effectRef>
+            <a:fontRef idx="minor">
+              <a:schemeClr val="tx1"/>
+            </a:fontRef>
+          </p:style>
+        </p:cxnSp>
+        <p:cxnSp>
+          <p:nvCxnSpPr>
+            <p:cNvPr id="23" name="Straight Arrow Connector 22"/>
+            <p:cNvCxnSpPr>
+              <a:stCxn id="9" idx="0"/>
+            </p:cNvCxnSpPr>
+            <p:nvPr/>
+          </p:nvCxnSpPr>
+          <p:spPr>
+            <a:xfrm flipH="1" flipV="1">
+              <a:off x="3462164" y="4551689"/>
+              <a:ext cx="5610" cy="358063"/>
+            </a:xfrm>
+            <a:prstGeom prst="straightConnector1">
+              <a:avLst/>
+            </a:prstGeom>
+            <a:ln>
+              <a:solidFill>
+                <a:schemeClr val="tx1"/>
+              </a:solidFill>
+              <a:headEnd type="stealth" w="sm" len="med"/>
+              <a:tailEnd type="stealth" w="sm" len="med"/>
+            </a:ln>
+          </p:spPr>
+          <p:style>
+            <a:lnRef idx="1">
+              <a:schemeClr val="accent1"/>
+            </a:lnRef>
+            <a:fillRef idx="0">
+              <a:schemeClr val="accent1"/>
+            </a:fillRef>
+            <a:effectRef idx="0">
+              <a:schemeClr val="accent1"/>
+            </a:effectRef>
+            <a:fontRef idx="minor">
+              <a:schemeClr val="tx1"/>
+            </a:fontRef>
+          </p:style>
+        </p:cxnSp>
+        <p:cxnSp>
+          <p:nvCxnSpPr>
+            <p:cNvPr id="31" name="Straight Arrow Connector 30"/>
+            <p:cNvCxnSpPr>
+              <a:stCxn id="10" idx="0"/>
+            </p:cNvCxnSpPr>
+            <p:nvPr/>
+          </p:nvCxnSpPr>
+          <p:spPr>
+            <a:xfrm flipV="1">
+              <a:off x="4052661" y="4561871"/>
+              <a:ext cx="0" cy="347881"/>
+            </a:xfrm>
+            <a:prstGeom prst="straightConnector1">
+              <a:avLst/>
+            </a:prstGeom>
+            <a:ln>
+              <a:solidFill>
+                <a:schemeClr val="tx1"/>
+              </a:solidFill>
+              <a:headEnd type="stealth" w="sm" len="med"/>
+              <a:tailEnd type="stealth" w="sm" len="med"/>
+            </a:ln>
+          </p:spPr>
+          <p:style>
+            <a:lnRef idx="1">
+              <a:schemeClr val="accent1"/>
+            </a:lnRef>
+            <a:fillRef idx="0">
+              <a:schemeClr val="accent1"/>
+            </a:fillRef>
+            <a:effectRef idx="0">
+              <a:schemeClr val="accent1"/>
+            </a:effectRef>
+            <a:fontRef idx="minor">
+              <a:schemeClr val="tx1"/>
+            </a:fontRef>
+          </p:style>
+        </p:cxnSp>
+        <p:cxnSp>
+          <p:nvCxnSpPr>
+            <p:cNvPr id="34" name="Straight Arrow Connector 33"/>
+            <p:cNvCxnSpPr>
+              <a:stCxn id="12" idx="0"/>
+            </p:cNvCxnSpPr>
+            <p:nvPr/>
+          </p:nvCxnSpPr>
+          <p:spPr>
+            <a:xfrm flipV="1">
+              <a:off x="5034277" y="4558552"/>
+              <a:ext cx="0" cy="351200"/>
+            </a:xfrm>
+            <a:prstGeom prst="straightConnector1">
+              <a:avLst/>
+            </a:prstGeom>
+            <a:ln>
+              <a:solidFill>
+                <a:schemeClr val="tx1"/>
+              </a:solidFill>
+              <a:headEnd type="stealth" w="sm" len="med"/>
+              <a:tailEnd type="stealth" w="sm" len="med"/>
+            </a:ln>
+          </p:spPr>
+          <p:style>
+            <a:lnRef idx="1">
+              <a:schemeClr val="accent1"/>
+            </a:lnRef>
+            <a:fillRef idx="0">
+              <a:schemeClr val="accent1"/>
+            </a:fillRef>
+            <a:effectRef idx="0">
+              <a:schemeClr val="accent1"/>
+            </a:effectRef>
+            <a:fontRef idx="minor">
+              <a:schemeClr val="tx1"/>
+            </a:fontRef>
+          </p:style>
+        </p:cxnSp>
+        <p:cxnSp>
+          <p:nvCxnSpPr>
+            <p:cNvPr id="37" name="Straight Arrow Connector 36"/>
+            <p:cNvCxnSpPr>
+              <a:stCxn id="13" idx="0"/>
+            </p:cNvCxnSpPr>
+            <p:nvPr/>
+          </p:nvCxnSpPr>
+          <p:spPr>
+            <a:xfrm flipV="1">
+              <a:off x="5619164" y="4558552"/>
+              <a:ext cx="0" cy="351200"/>
+            </a:xfrm>
+            <a:prstGeom prst="straightConnector1">
+              <a:avLst/>
+            </a:prstGeom>
+            <a:ln>
+              <a:solidFill>
+                <a:schemeClr val="tx1"/>
+              </a:solidFill>
+              <a:headEnd type="stealth" w="sm" len="med"/>
+              <a:tailEnd type="stealth" w="sm" len="med"/>
+            </a:ln>
+          </p:spPr>
+          <p:style>
+            <a:lnRef idx="1">
+              <a:schemeClr val="accent1"/>
+            </a:lnRef>
+            <a:fillRef idx="0">
+              <a:schemeClr val="accent1"/>
+            </a:fillRef>
+            <a:effectRef idx="0">
+              <a:schemeClr val="accent1"/>
+            </a:effectRef>
+            <a:fontRef idx="minor">
+              <a:schemeClr val="tx1"/>
+            </a:fontRef>
+          </p:style>
+        </p:cxnSp>
+        <p:cxnSp>
+          <p:nvCxnSpPr>
+            <p:cNvPr id="40" name="Straight Arrow Connector 39"/>
+            <p:cNvCxnSpPr/>
+            <p:nvPr/>
+          </p:nvCxnSpPr>
+          <p:spPr>
+            <a:xfrm flipV="1">
+              <a:off x="1589927" y="4105057"/>
+              <a:ext cx="0" cy="160253"/>
+            </a:xfrm>
+            <a:prstGeom prst="straightConnector1">
+              <a:avLst/>
+            </a:prstGeom>
+            <a:ln w="15875">
+              <a:solidFill>
+                <a:schemeClr val="tx1"/>
+              </a:solidFill>
+              <a:headEnd type="stealth" w="sm" len="sm"/>
+              <a:tailEnd type="stealth" w="sm" len="sm"/>
+            </a:ln>
+          </p:spPr>
+          <p:style>
+            <a:lnRef idx="1">
+              <a:schemeClr val="accent1"/>
+            </a:lnRef>
+            <a:fillRef idx="0">
+              <a:schemeClr val="accent1"/>
+            </a:fillRef>
+            <a:effectRef idx="0">
+              <a:schemeClr val="accent1"/>
+            </a:effectRef>
+            <a:fontRef idx="minor">
+              <a:schemeClr val="tx1"/>
+            </a:fontRef>
+          </p:style>
+        </p:cxnSp>
+        <p:cxnSp>
+          <p:nvCxnSpPr>
+            <p:cNvPr id="44" name="Straight Arrow Connector 43"/>
+            <p:cNvCxnSpPr/>
+            <p:nvPr/>
+          </p:nvCxnSpPr>
+          <p:spPr>
+            <a:xfrm flipV="1">
+              <a:off x="2230368" y="4103526"/>
+              <a:ext cx="0" cy="160253"/>
+            </a:xfrm>
+            <a:prstGeom prst="straightConnector1">
+              <a:avLst/>
+            </a:prstGeom>
+            <a:ln w="15875">
+              <a:solidFill>
+                <a:schemeClr val="tx1"/>
+              </a:solidFill>
+              <a:headEnd type="stealth" w="sm" len="sm"/>
+              <a:tailEnd type="stealth" w="sm" len="sm"/>
+            </a:ln>
+          </p:spPr>
+          <p:style>
+            <a:lnRef idx="1">
+              <a:schemeClr val="accent1"/>
+            </a:lnRef>
+            <a:fillRef idx="0">
+              <a:schemeClr val="accent1"/>
+            </a:fillRef>
+            <a:effectRef idx="0">
+              <a:schemeClr val="accent1"/>
+            </a:effectRef>
+            <a:fontRef idx="minor">
+              <a:schemeClr val="tx1"/>
+            </a:fontRef>
+          </p:style>
+        </p:cxnSp>
+        <p:cxnSp>
+          <p:nvCxnSpPr>
+            <p:cNvPr id="46" name="Straight Arrow Connector 45"/>
+            <p:cNvCxnSpPr/>
+            <p:nvPr/>
+          </p:nvCxnSpPr>
+          <p:spPr>
+            <a:xfrm flipV="1">
+              <a:off x="2940908" y="4103527"/>
+              <a:ext cx="0" cy="160253"/>
+            </a:xfrm>
+            <a:prstGeom prst="straightConnector1">
+              <a:avLst/>
+            </a:prstGeom>
+            <a:ln w="15875">
+              <a:solidFill>
+                <a:schemeClr val="tx1"/>
+              </a:solidFill>
+              <a:headEnd type="stealth" w="sm" len="sm"/>
+              <a:tailEnd type="stealth" w="sm" len="sm"/>
+            </a:ln>
+          </p:spPr>
+          <p:style>
+            <a:lnRef idx="1">
+              <a:schemeClr val="accent1"/>
+            </a:lnRef>
+            <a:fillRef idx="0">
+              <a:schemeClr val="accent1"/>
+            </a:fillRef>
+            <a:effectRef idx="0">
+              <a:schemeClr val="accent1"/>
+            </a:effectRef>
+            <a:fontRef idx="minor">
+              <a:schemeClr val="tx1"/>
+            </a:fontRef>
+          </p:style>
+        </p:cxnSp>
+        <p:cxnSp>
+          <p:nvCxnSpPr>
+            <p:cNvPr id="51" name="Straight Arrow Connector 50"/>
+            <p:cNvCxnSpPr/>
+            <p:nvPr/>
+          </p:nvCxnSpPr>
+          <p:spPr>
+            <a:xfrm flipV="1">
+              <a:off x="4289943" y="4105053"/>
+              <a:ext cx="0" cy="160253"/>
+            </a:xfrm>
+            <a:prstGeom prst="straightConnector1">
+              <a:avLst/>
+            </a:prstGeom>
+            <a:ln w="15875">
+              <a:solidFill>
+                <a:schemeClr val="tx1"/>
+              </a:solidFill>
+              <a:headEnd type="stealth" w="sm" len="sm"/>
+              <a:tailEnd type="stealth" w="sm" len="sm"/>
+            </a:ln>
+          </p:spPr>
+          <p:style>
+            <a:lnRef idx="1">
+              <a:schemeClr val="accent1"/>
+            </a:lnRef>
+            <a:fillRef idx="0">
+              <a:schemeClr val="accent1"/>
+            </a:fillRef>
+            <a:effectRef idx="0">
+              <a:schemeClr val="accent1"/>
+            </a:effectRef>
+            <a:fontRef idx="minor">
+              <a:schemeClr val="tx1"/>
+            </a:fontRef>
+          </p:style>
+        </p:cxnSp>
+        <p:cxnSp>
+          <p:nvCxnSpPr>
+            <p:cNvPr id="52" name="Straight Arrow Connector 51"/>
+            <p:cNvCxnSpPr/>
+            <p:nvPr/>
+          </p:nvCxnSpPr>
+          <p:spPr>
+            <a:xfrm flipV="1">
+              <a:off x="4892459" y="4103525"/>
+              <a:ext cx="0" cy="160253"/>
+            </a:xfrm>
+            <a:prstGeom prst="straightConnector1">
+              <a:avLst/>
+            </a:prstGeom>
+            <a:ln w="15875">
+              <a:solidFill>
+                <a:schemeClr val="tx1"/>
+              </a:solidFill>
+              <a:headEnd type="stealth" w="sm" len="sm"/>
+              <a:tailEnd type="stealth" w="sm" len="sm"/>
+            </a:ln>
+          </p:spPr>
+          <p:style>
+            <a:lnRef idx="1">
+              <a:schemeClr val="accent1"/>
+            </a:lnRef>
+            <a:fillRef idx="0">
+              <a:schemeClr val="accent1"/>
+            </a:fillRef>
+            <a:effectRef idx="0">
+              <a:schemeClr val="accent1"/>
+            </a:effectRef>
+            <a:fontRef idx="minor">
+              <a:schemeClr val="tx1"/>
+            </a:fontRef>
+          </p:style>
+        </p:cxnSp>
+        <p:cxnSp>
+          <p:nvCxnSpPr>
+            <p:cNvPr id="53" name="Straight Arrow Connector 52"/>
+            <p:cNvCxnSpPr/>
+            <p:nvPr/>
+          </p:nvCxnSpPr>
+          <p:spPr>
+            <a:xfrm flipV="1">
+              <a:off x="5774570" y="4111403"/>
+              <a:ext cx="0" cy="160253"/>
+            </a:xfrm>
+            <a:prstGeom prst="straightConnector1">
+              <a:avLst/>
+            </a:prstGeom>
+            <a:ln w="15875">
+              <a:solidFill>
+                <a:schemeClr val="tx1"/>
+              </a:solidFill>
+              <a:headEnd type="stealth" w="sm" len="sm"/>
+              <a:tailEnd type="stealth" w="sm" len="sm"/>
+            </a:ln>
+          </p:spPr>
+          <p:style>
+            <a:lnRef idx="1">
+              <a:schemeClr val="accent1"/>
+            </a:lnRef>
+            <a:fillRef idx="0">
+              <a:schemeClr val="accent1"/>
+            </a:fillRef>
+            <a:effectRef idx="0">
+              <a:schemeClr val="accent1"/>
+            </a:effectRef>
+            <a:fontRef idx="minor">
+              <a:schemeClr val="tx1"/>
+            </a:fontRef>
+          </p:style>
+        </p:cxnSp>
+        <p:sp>
+          <p:nvSpPr>
+            <p:cNvPr id="54" name="Rounded Rectangle 53"/>
+            <p:cNvSpPr/>
+            <p:nvPr/>
+          </p:nvSpPr>
+          <p:spPr>
+            <a:xfrm>
+              <a:off x="1466744" y="3233535"/>
+              <a:ext cx="985468" cy="289560"/>
+            </a:xfrm>
+            <a:prstGeom prst="roundRect">
+              <a:avLst/>
+            </a:prstGeom>
+            <a:solidFill>
+              <a:schemeClr val="accent2">
+                <a:lumMod val="60000"/>
+                <a:lumOff val="40000"/>
+              </a:schemeClr>
+            </a:solidFill>
+            <a:ln w="9525">
+              <a:solidFill>
+                <a:schemeClr val="accent2">
+                  <a:lumMod val="40000"/>
+                  <a:lumOff val="60000"/>
+                </a:schemeClr>
+              </a:solidFill>
+            </a:ln>
+            <a:effectLst/>
+          </p:spPr>
+          <p:style>
+            <a:lnRef idx="2">
+              <a:schemeClr val="accent1">
+                <a:shade val="50000"/>
+              </a:schemeClr>
+            </a:lnRef>
+            <a:fillRef idx="1">
+              <a:schemeClr val="accent1"/>
+            </a:fillRef>
+            <a:effectRef idx="0">
+              <a:schemeClr val="accent1"/>
+            </a:effectRef>
+            <a:fontRef idx="minor">
+              <a:schemeClr val="lt1"/>
+            </a:fontRef>
+          </p:style>
+          <p:txBody>
+            <a:bodyPr rtlCol="0" anchor="ctr"/>
+            <a:lstStyle/>
+            <a:p>
+              <a:pPr algn="ctr"/>
+              <a:r>
+                <a:rPr lang="en-US" sz="1400" dirty="0" smtClean="0">
+                  <a:solidFill>
+                    <a:schemeClr val="tx1">
+                      <a:lumMod val="85000"/>
+                      <a:lumOff val="15000"/>
+                    </a:schemeClr>
+                  </a:solidFill>
+                  <a:latin typeface="Bodoni MT" panose="02070603080606020203" pitchFamily="18" charset="0"/>
+                </a:rPr>
+                <a:t>POD</a:t>
+              </a:r>
+              <a:endParaRPr lang="en-US" sz="1400" dirty="0">
+                <a:solidFill>
+                  <a:schemeClr val="tx1">
+                    <a:lumMod val="85000"/>
+                    <a:lumOff val="15000"/>
+                  </a:schemeClr>
+                </a:solidFill>
+                <a:latin typeface="Bodoni MT" panose="02070603080606020203" pitchFamily="18" charset="0"/>
+              </a:endParaRPr>
+            </a:p>
+          </p:txBody>
+        </p:sp>
+        <p:cxnSp>
+          <p:nvCxnSpPr>
+            <p:cNvPr id="60" name="Straight Arrow Connector 59"/>
+            <p:cNvCxnSpPr>
+              <a:endCxn id="54" idx="2"/>
+            </p:cNvCxnSpPr>
+            <p:nvPr/>
+          </p:nvCxnSpPr>
+          <p:spPr>
+            <a:xfrm flipV="1">
+              <a:off x="1959478" y="3523095"/>
+              <a:ext cx="0" cy="285401"/>
+            </a:xfrm>
+            <a:prstGeom prst="straightConnector1">
+              <a:avLst/>
+            </a:prstGeom>
+            <a:ln w="15875">
+              <a:solidFill>
+                <a:schemeClr val="accent2"/>
+              </a:solidFill>
+              <a:headEnd type="stealth" w="sm" len="sm"/>
+              <a:tailEnd type="stealth" w="sm" len="sm"/>
+            </a:ln>
+          </p:spPr>
+          <p:style>
+            <a:lnRef idx="1">
+              <a:schemeClr val="accent1"/>
+            </a:lnRef>
+            <a:fillRef idx="0">
+              <a:schemeClr val="accent1"/>
+            </a:fillRef>
+            <a:effectRef idx="0">
+              <a:schemeClr val="accent1"/>
+            </a:effectRef>
+            <a:fontRef idx="minor">
+              <a:schemeClr val="tx1"/>
+            </a:fontRef>
+          </p:style>
+        </p:cxnSp>
+        <p:sp>
+          <p:nvSpPr>
+            <p:cNvPr id="87" name="Rounded Rectangle 86"/>
+            <p:cNvSpPr/>
+            <p:nvPr/>
+          </p:nvSpPr>
+          <p:spPr>
+            <a:xfrm>
+              <a:off x="1464072" y="2732234"/>
+              <a:ext cx="274112" cy="201465"/>
+            </a:xfrm>
+            <a:prstGeom prst="roundRect">
+              <a:avLst/>
+            </a:prstGeom>
+            <a:solidFill>
+              <a:schemeClr val="tx2">
+                <a:lumMod val="40000"/>
+                <a:lumOff val="60000"/>
+              </a:schemeClr>
+            </a:solidFill>
+            <a:ln>
+              <a:noFill/>
+            </a:ln>
+          </p:spPr>
+          <p:style>
+            <a:lnRef idx="2">
+              <a:schemeClr val="accent1">
+                <a:shade val="50000"/>
+              </a:schemeClr>
+            </a:lnRef>
+            <a:fillRef idx="1">
+              <a:schemeClr val="accent1"/>
+            </a:fillRef>
+            <a:effectRef idx="0">
+              <a:schemeClr val="accent1"/>
+            </a:effectRef>
+            <a:fontRef idx="minor">
+              <a:schemeClr val="lt1"/>
+            </a:fontRef>
+          </p:style>
+          <p:txBody>
+            <a:bodyPr rtlCol="0" anchor="ctr"/>
+            <a:lstStyle/>
+            <a:p>
+              <a:pPr algn="ctr"/>
+              <a:endParaRPr lang="en-US" sz="400" dirty="0"/>
+            </a:p>
+          </p:txBody>
+        </p:sp>
+        <p:sp>
+          <p:nvSpPr>
+            <p:cNvPr id="104" name="Rounded Rectangle 103"/>
+            <p:cNvSpPr/>
+            <p:nvPr/>
+          </p:nvSpPr>
+          <p:spPr>
+            <a:xfrm>
+              <a:off x="2223258" y="2732234"/>
+              <a:ext cx="274112" cy="201465"/>
+            </a:xfrm>
+            <a:prstGeom prst="roundRect">
+              <a:avLst/>
+            </a:prstGeom>
+            <a:solidFill>
+              <a:schemeClr val="tx2">
+                <a:lumMod val="60000"/>
+                <a:lumOff val="40000"/>
+              </a:schemeClr>
+            </a:solidFill>
+            <a:ln>
+              <a:noFill/>
+            </a:ln>
+          </p:spPr>
+          <p:style>
+            <a:lnRef idx="2">
+              <a:schemeClr val="accent1">
+                <a:shade val="50000"/>
+              </a:schemeClr>
+            </a:lnRef>
+            <a:fillRef idx="1">
+              <a:schemeClr val="accent1"/>
+            </a:fillRef>
+            <a:effectRef idx="0">
+              <a:schemeClr val="accent1"/>
+            </a:effectRef>
+            <a:fontRef idx="minor">
+              <a:schemeClr val="lt1"/>
+            </a:fontRef>
+          </p:style>
+          <p:txBody>
+            <a:bodyPr rtlCol="0" anchor="ctr"/>
+            <a:lstStyle/>
+            <a:p>
+              <a:pPr algn="ctr"/>
+              <a:endParaRPr lang="en-US" sz="400" dirty="0"/>
+            </a:p>
+          </p:txBody>
+        </p:sp>
+        <p:sp>
+          <p:nvSpPr>
+            <p:cNvPr id="107" name="Rounded Rectangle 106"/>
+            <p:cNvSpPr/>
+            <p:nvPr/>
+          </p:nvSpPr>
+          <p:spPr>
+            <a:xfrm>
+              <a:off x="1822826" y="2740179"/>
+              <a:ext cx="274112" cy="201465"/>
+            </a:xfrm>
+            <a:prstGeom prst="roundRect">
+              <a:avLst/>
+            </a:prstGeom>
+            <a:solidFill>
+              <a:schemeClr val="tx2">
+                <a:lumMod val="40000"/>
+                <a:lumOff val="60000"/>
+              </a:schemeClr>
+            </a:solidFill>
+            <a:ln>
+              <a:noFill/>
+            </a:ln>
+          </p:spPr>
+          <p:style>
+            <a:lnRef idx="2">
+              <a:schemeClr val="accent1">
+                <a:shade val="50000"/>
+              </a:schemeClr>
+            </a:lnRef>
+            <a:fillRef idx="1">
+              <a:schemeClr val="accent1"/>
+            </a:fillRef>
+            <a:effectRef idx="0">
+              <a:schemeClr val="accent1"/>
+            </a:effectRef>
+            <a:fontRef idx="minor">
+              <a:schemeClr val="lt1"/>
+            </a:fontRef>
+          </p:style>
+          <p:txBody>
+            <a:bodyPr rtlCol="0" anchor="ctr"/>
+            <a:lstStyle/>
+            <a:p>
+              <a:pPr algn="ctr"/>
+              <a:endParaRPr lang="en-US" sz="400" dirty="0"/>
+            </a:p>
+          </p:txBody>
+        </p:sp>
+        <p:sp>
+          <p:nvSpPr>
+            <p:cNvPr id="111" name="Rounded Rectangle 110"/>
+            <p:cNvSpPr/>
+            <p:nvPr/>
+          </p:nvSpPr>
+          <p:spPr>
+            <a:xfrm>
+              <a:off x="2604376" y="3233590"/>
+              <a:ext cx="985468" cy="289560"/>
+            </a:xfrm>
+            <a:prstGeom prst="roundRect">
+              <a:avLst/>
+            </a:prstGeom>
+            <a:solidFill>
+              <a:schemeClr val="accent2">
+                <a:lumMod val="60000"/>
+                <a:lumOff val="40000"/>
+              </a:schemeClr>
+            </a:solidFill>
+            <a:ln w="9525">
+              <a:solidFill>
+                <a:schemeClr val="accent2">
+                  <a:lumMod val="40000"/>
+                  <a:lumOff val="60000"/>
+                </a:schemeClr>
+              </a:solidFill>
+            </a:ln>
+            <a:effectLst/>
+          </p:spPr>
+          <p:style>
+            <a:lnRef idx="2">
+              <a:schemeClr val="accent1">
+                <a:shade val="50000"/>
+              </a:schemeClr>
+            </a:lnRef>
+            <a:fillRef idx="1">
+              <a:schemeClr val="accent1"/>
+            </a:fillRef>
+            <a:effectRef idx="0">
+              <a:schemeClr val="accent1"/>
+            </a:effectRef>
+            <a:fontRef idx="minor">
+              <a:schemeClr val="lt1"/>
+            </a:fontRef>
+          </p:style>
+          <p:txBody>
+            <a:bodyPr rtlCol="0" anchor="ctr"/>
+            <a:lstStyle/>
+            <a:p>
+              <a:pPr algn="ctr"/>
+              <a:r>
+                <a:rPr lang="en-US" sz="1400" dirty="0" smtClean="0">
+                  <a:solidFill>
+                    <a:schemeClr val="tx1">
+                      <a:lumMod val="85000"/>
+                      <a:lumOff val="15000"/>
+                    </a:schemeClr>
+                  </a:solidFill>
+                  <a:latin typeface="Bodoni MT" panose="02070603080606020203" pitchFamily="18" charset="0"/>
+                </a:rPr>
+                <a:t>POD</a:t>
+              </a:r>
+              <a:endParaRPr lang="en-US" sz="1400" dirty="0">
+                <a:solidFill>
+                  <a:schemeClr val="tx1">
+                    <a:lumMod val="85000"/>
+                    <a:lumOff val="15000"/>
+                  </a:schemeClr>
+                </a:solidFill>
+                <a:latin typeface="Bodoni MT" panose="02070603080606020203" pitchFamily="18" charset="0"/>
+              </a:endParaRPr>
+            </a:p>
+          </p:txBody>
+        </p:sp>
+        <p:cxnSp>
+          <p:nvCxnSpPr>
+            <p:cNvPr id="113" name="Straight Arrow Connector 112"/>
+            <p:cNvCxnSpPr>
+              <a:endCxn id="111" idx="2"/>
+            </p:cNvCxnSpPr>
+            <p:nvPr/>
+          </p:nvCxnSpPr>
+          <p:spPr>
+            <a:xfrm flipV="1">
+              <a:off x="3097110" y="3523150"/>
+              <a:ext cx="0" cy="285401"/>
+            </a:xfrm>
+            <a:prstGeom prst="straightConnector1">
+              <a:avLst/>
+            </a:prstGeom>
+            <a:ln w="15875">
+              <a:solidFill>
+                <a:schemeClr val="accent2"/>
+              </a:solidFill>
+              <a:headEnd type="stealth" w="sm" len="sm"/>
+              <a:tailEnd type="stealth" w="sm" len="sm"/>
+            </a:ln>
+          </p:spPr>
+          <p:style>
+            <a:lnRef idx="1">
+              <a:schemeClr val="accent1"/>
+            </a:lnRef>
+            <a:fillRef idx="0">
+              <a:schemeClr val="accent1"/>
+            </a:fillRef>
+            <a:effectRef idx="0">
+              <a:schemeClr val="accent1"/>
+            </a:effectRef>
+            <a:fontRef idx="minor">
+              <a:schemeClr val="tx1"/>
+            </a:fontRef>
+          </p:style>
+        </p:cxnSp>
+        <p:sp>
+          <p:nvSpPr>
+            <p:cNvPr id="122" name="Rounded Rectangle 121"/>
+            <p:cNvSpPr/>
+            <p:nvPr/>
+          </p:nvSpPr>
+          <p:spPr>
+            <a:xfrm>
+              <a:off x="2601704" y="2732289"/>
+              <a:ext cx="274112" cy="201465"/>
+            </a:xfrm>
+            <a:prstGeom prst="roundRect">
+              <a:avLst/>
+            </a:prstGeom>
+            <a:solidFill>
+              <a:schemeClr val="tx2">
+                <a:lumMod val="40000"/>
+                <a:lumOff val="60000"/>
+              </a:schemeClr>
+            </a:solidFill>
+            <a:ln>
+              <a:noFill/>
+            </a:ln>
+          </p:spPr>
+          <p:style>
+            <a:lnRef idx="2">
+              <a:schemeClr val="accent1">
+                <a:shade val="50000"/>
+              </a:schemeClr>
+            </a:lnRef>
+            <a:fillRef idx="1">
+              <a:schemeClr val="accent1"/>
+            </a:fillRef>
+            <a:effectRef idx="0">
+              <a:schemeClr val="accent1"/>
+            </a:effectRef>
+            <a:fontRef idx="minor">
+              <a:schemeClr val="lt1"/>
+            </a:fontRef>
+          </p:style>
+          <p:txBody>
+            <a:bodyPr rtlCol="0" anchor="ctr"/>
+            <a:lstStyle/>
+            <a:p>
+              <a:pPr algn="ctr"/>
+              <a:endParaRPr lang="en-US" sz="400" dirty="0"/>
+            </a:p>
+          </p:txBody>
+        </p:sp>
+        <p:sp>
+          <p:nvSpPr>
+            <p:cNvPr id="120" name="Rounded Rectangle 119"/>
+            <p:cNvSpPr/>
+            <p:nvPr/>
+          </p:nvSpPr>
+          <p:spPr>
+            <a:xfrm>
+              <a:off x="3367240" y="2732289"/>
+              <a:ext cx="274112" cy="201465"/>
+            </a:xfrm>
+            <a:prstGeom prst="roundRect">
+              <a:avLst/>
+            </a:prstGeom>
+            <a:solidFill>
+              <a:schemeClr val="tx2">
+                <a:lumMod val="60000"/>
+                <a:lumOff val="40000"/>
+              </a:schemeClr>
+            </a:solidFill>
+            <a:ln>
+              <a:noFill/>
+            </a:ln>
+          </p:spPr>
+          <p:style>
+            <a:lnRef idx="2">
+              <a:schemeClr val="accent1">
+                <a:shade val="50000"/>
+              </a:schemeClr>
+            </a:lnRef>
+            <a:fillRef idx="1">
+              <a:schemeClr val="accent1"/>
+            </a:fillRef>
+            <a:effectRef idx="0">
+              <a:schemeClr val="accent1"/>
+            </a:effectRef>
+            <a:fontRef idx="minor">
+              <a:schemeClr val="lt1"/>
+            </a:fontRef>
+          </p:style>
+          <p:txBody>
+            <a:bodyPr rtlCol="0" anchor="ctr"/>
+            <a:lstStyle/>
+            <a:p>
+              <a:pPr algn="ctr"/>
+              <a:endParaRPr lang="en-US" sz="400" dirty="0"/>
+            </a:p>
+          </p:txBody>
+        </p:sp>
+        <p:sp>
+          <p:nvSpPr>
+            <p:cNvPr id="118" name="Rounded Rectangle 117"/>
+            <p:cNvSpPr/>
+            <p:nvPr/>
+          </p:nvSpPr>
+          <p:spPr>
+            <a:xfrm>
+              <a:off x="2960458" y="2740234"/>
+              <a:ext cx="274112" cy="201465"/>
+            </a:xfrm>
+            <a:prstGeom prst="roundRect">
+              <a:avLst/>
+            </a:prstGeom>
+            <a:solidFill>
+              <a:schemeClr val="tx2">
+                <a:lumMod val="40000"/>
+                <a:lumOff val="60000"/>
+              </a:schemeClr>
+            </a:solidFill>
+            <a:ln>
+              <a:noFill/>
+            </a:ln>
+          </p:spPr>
+          <p:style>
+            <a:lnRef idx="2">
+              <a:schemeClr val="accent1">
+                <a:shade val="50000"/>
+              </a:schemeClr>
+            </a:lnRef>
+            <a:fillRef idx="1">
+              <a:schemeClr val="accent1"/>
+            </a:fillRef>
+            <a:effectRef idx="0">
+              <a:schemeClr val="accent1"/>
+            </a:effectRef>
+            <a:fontRef idx="minor">
+              <a:schemeClr val="lt1"/>
+            </a:fontRef>
+          </p:style>
+          <p:txBody>
+            <a:bodyPr rtlCol="0" anchor="ctr"/>
+            <a:lstStyle/>
+            <a:p>
+              <a:pPr algn="ctr"/>
+              <a:endParaRPr lang="en-US" sz="400" dirty="0"/>
+            </a:p>
+          </p:txBody>
+        </p:sp>
+        <p:sp>
+          <p:nvSpPr>
+            <p:cNvPr id="125" name="Rounded Rectangle 124"/>
+            <p:cNvSpPr/>
+            <p:nvPr/>
+          </p:nvSpPr>
+          <p:spPr>
+            <a:xfrm>
+              <a:off x="3754413" y="3235130"/>
+              <a:ext cx="985468" cy="289560"/>
+            </a:xfrm>
+            <a:prstGeom prst="roundRect">
+              <a:avLst/>
+            </a:prstGeom>
+            <a:solidFill>
+              <a:schemeClr val="accent2">
+                <a:lumMod val="60000"/>
+                <a:lumOff val="40000"/>
+              </a:schemeClr>
+            </a:solidFill>
+            <a:ln w="9525">
+              <a:solidFill>
+                <a:schemeClr val="accent2">
+                  <a:lumMod val="40000"/>
+                  <a:lumOff val="60000"/>
+                </a:schemeClr>
+              </a:solidFill>
+            </a:ln>
+            <a:effectLst/>
+          </p:spPr>
+          <p:style>
+            <a:lnRef idx="2">
+              <a:schemeClr val="accent1">
+                <a:shade val="50000"/>
+              </a:schemeClr>
+            </a:lnRef>
+            <a:fillRef idx="1">
+              <a:schemeClr val="accent1"/>
+            </a:fillRef>
+            <a:effectRef idx="0">
+              <a:schemeClr val="accent1"/>
+            </a:effectRef>
+            <a:fontRef idx="minor">
+              <a:schemeClr val="lt1"/>
+            </a:fontRef>
+          </p:style>
+          <p:txBody>
+            <a:bodyPr rtlCol="0" anchor="ctr"/>
+            <a:lstStyle/>
+            <a:p>
+              <a:pPr algn="ctr"/>
+              <a:r>
+                <a:rPr lang="en-US" sz="1400" dirty="0" smtClean="0">
+                  <a:solidFill>
+                    <a:schemeClr val="tx1">
+                      <a:lumMod val="85000"/>
+                      <a:lumOff val="15000"/>
+                    </a:schemeClr>
+                  </a:solidFill>
+                  <a:latin typeface="Bodoni MT" panose="02070603080606020203" pitchFamily="18" charset="0"/>
+                </a:rPr>
+                <a:t>POD</a:t>
+              </a:r>
+              <a:endParaRPr lang="en-US" sz="1400" dirty="0">
+                <a:solidFill>
+                  <a:schemeClr val="tx1">
+                    <a:lumMod val="85000"/>
+                    <a:lumOff val="15000"/>
+                  </a:schemeClr>
+                </a:solidFill>
+                <a:latin typeface="Bodoni MT" panose="02070603080606020203" pitchFamily="18" charset="0"/>
+              </a:endParaRPr>
+            </a:p>
+          </p:txBody>
+        </p:sp>
+        <p:cxnSp>
+          <p:nvCxnSpPr>
+            <p:cNvPr id="127" name="Straight Arrow Connector 126"/>
+            <p:cNvCxnSpPr>
+              <a:endCxn id="125" idx="2"/>
+            </p:cNvCxnSpPr>
+            <p:nvPr/>
+          </p:nvCxnSpPr>
+          <p:spPr>
+            <a:xfrm flipV="1">
+              <a:off x="4247147" y="3524690"/>
+              <a:ext cx="0" cy="285401"/>
+            </a:xfrm>
+            <a:prstGeom prst="straightConnector1">
+              <a:avLst/>
+            </a:prstGeom>
+            <a:ln w="15875">
+              <a:solidFill>
+                <a:schemeClr val="accent2"/>
+              </a:solidFill>
+              <a:headEnd type="stealth" w="sm" len="sm"/>
+              <a:tailEnd type="stealth" w="sm" len="sm"/>
+            </a:ln>
+          </p:spPr>
+          <p:style>
+            <a:lnRef idx="1">
+              <a:schemeClr val="accent1"/>
+            </a:lnRef>
+            <a:fillRef idx="0">
+              <a:schemeClr val="accent1"/>
+            </a:fillRef>
+            <a:effectRef idx="0">
+              <a:schemeClr val="accent1"/>
+            </a:effectRef>
+            <a:fontRef idx="minor">
+              <a:schemeClr val="tx1"/>
+            </a:fontRef>
+          </p:style>
+        </p:cxnSp>
+        <p:sp>
+          <p:nvSpPr>
+            <p:cNvPr id="136" name="Rounded Rectangle 135"/>
+            <p:cNvSpPr/>
+            <p:nvPr/>
+          </p:nvSpPr>
+          <p:spPr>
+            <a:xfrm>
+              <a:off x="3751741" y="2733829"/>
+              <a:ext cx="274112" cy="201465"/>
+            </a:xfrm>
+            <a:prstGeom prst="roundRect">
+              <a:avLst/>
+            </a:prstGeom>
+            <a:solidFill>
+              <a:schemeClr val="tx2">
+                <a:lumMod val="40000"/>
+                <a:lumOff val="60000"/>
+              </a:schemeClr>
+            </a:solidFill>
+            <a:ln>
+              <a:noFill/>
+            </a:ln>
+          </p:spPr>
+          <p:style>
+            <a:lnRef idx="2">
+              <a:schemeClr val="accent1">
+                <a:shade val="50000"/>
+              </a:schemeClr>
+            </a:lnRef>
+            <a:fillRef idx="1">
+              <a:schemeClr val="accent1"/>
+            </a:fillRef>
+            <a:effectRef idx="0">
+              <a:schemeClr val="accent1"/>
+            </a:effectRef>
+            <a:fontRef idx="minor">
+              <a:schemeClr val="lt1"/>
+            </a:fontRef>
+          </p:style>
+          <p:txBody>
+            <a:bodyPr rtlCol="0" anchor="ctr"/>
+            <a:lstStyle/>
+            <a:p>
+              <a:pPr algn="ctr"/>
+              <a:endParaRPr lang="en-US" sz="400" dirty="0"/>
+            </a:p>
+          </p:txBody>
+        </p:sp>
+        <p:sp>
+          <p:nvSpPr>
+            <p:cNvPr id="134" name="Rounded Rectangle 133"/>
+            <p:cNvSpPr/>
+            <p:nvPr/>
+          </p:nvSpPr>
+          <p:spPr>
+            <a:xfrm>
+              <a:off x="4510927" y="2733829"/>
+              <a:ext cx="274112" cy="201465"/>
+            </a:xfrm>
+            <a:prstGeom prst="roundRect">
+              <a:avLst/>
+            </a:prstGeom>
+            <a:solidFill>
+              <a:schemeClr val="tx2">
+                <a:lumMod val="60000"/>
+                <a:lumOff val="40000"/>
+              </a:schemeClr>
+            </a:solidFill>
+            <a:ln>
+              <a:noFill/>
+            </a:ln>
+          </p:spPr>
+          <p:style>
+            <a:lnRef idx="2">
+              <a:schemeClr val="accent1">
+                <a:shade val="50000"/>
+              </a:schemeClr>
+            </a:lnRef>
+            <a:fillRef idx="1">
+              <a:schemeClr val="accent1"/>
+            </a:fillRef>
+            <a:effectRef idx="0">
+              <a:schemeClr val="accent1"/>
+            </a:effectRef>
+            <a:fontRef idx="minor">
+              <a:schemeClr val="lt1"/>
+            </a:fontRef>
+          </p:style>
+          <p:txBody>
+            <a:bodyPr rtlCol="0" anchor="ctr"/>
+            <a:lstStyle/>
+            <a:p>
+              <a:pPr algn="ctr"/>
+              <a:endParaRPr lang="en-US" sz="400" dirty="0"/>
+            </a:p>
+          </p:txBody>
+        </p:sp>
+        <p:sp>
+          <p:nvSpPr>
+            <p:cNvPr id="132" name="Rounded Rectangle 131"/>
+            <p:cNvSpPr/>
+            <p:nvPr/>
+          </p:nvSpPr>
+          <p:spPr>
+            <a:xfrm>
+              <a:off x="4110495" y="2741774"/>
+              <a:ext cx="274112" cy="201465"/>
+            </a:xfrm>
+            <a:prstGeom prst="roundRect">
+              <a:avLst/>
+            </a:prstGeom>
+            <a:solidFill>
+              <a:schemeClr val="tx2">
+                <a:lumMod val="40000"/>
+                <a:lumOff val="60000"/>
+              </a:schemeClr>
+            </a:solidFill>
+            <a:ln>
+              <a:noFill/>
+            </a:ln>
+          </p:spPr>
+          <p:style>
+            <a:lnRef idx="2">
+              <a:schemeClr val="accent1">
+                <a:shade val="50000"/>
+              </a:schemeClr>
+            </a:lnRef>
+            <a:fillRef idx="1">
+              <a:schemeClr val="accent1"/>
+            </a:fillRef>
+            <a:effectRef idx="0">
+              <a:schemeClr val="accent1"/>
+            </a:effectRef>
+            <a:fontRef idx="minor">
+              <a:schemeClr val="lt1"/>
+            </a:fontRef>
+          </p:style>
+          <p:txBody>
+            <a:bodyPr rtlCol="0" anchor="ctr"/>
+            <a:lstStyle/>
+            <a:p>
+              <a:pPr algn="ctr"/>
+              <a:endParaRPr lang="en-US" sz="400" dirty="0"/>
+            </a:p>
+          </p:txBody>
+        </p:sp>
+        <p:sp>
+          <p:nvSpPr>
+            <p:cNvPr id="139" name="Rounded Rectangle 138"/>
+            <p:cNvSpPr/>
+            <p:nvPr/>
+          </p:nvSpPr>
+          <p:spPr>
+            <a:xfrm>
+              <a:off x="4892045" y="3235185"/>
+              <a:ext cx="985468" cy="289560"/>
+            </a:xfrm>
+            <a:prstGeom prst="roundRect">
+              <a:avLst/>
+            </a:prstGeom>
+            <a:solidFill>
+              <a:schemeClr val="accent2">
+                <a:lumMod val="60000"/>
+                <a:lumOff val="40000"/>
+              </a:schemeClr>
+            </a:solidFill>
+            <a:ln w="9525">
+              <a:solidFill>
+                <a:schemeClr val="accent2">
+                  <a:lumMod val="40000"/>
+                  <a:lumOff val="60000"/>
+                </a:schemeClr>
+              </a:solidFill>
+            </a:ln>
+            <a:effectLst/>
+          </p:spPr>
+          <p:style>
+            <a:lnRef idx="2">
+              <a:schemeClr val="accent1">
+                <a:shade val="50000"/>
+              </a:schemeClr>
+            </a:lnRef>
+            <a:fillRef idx="1">
+              <a:schemeClr val="accent1"/>
+            </a:fillRef>
+            <a:effectRef idx="0">
+              <a:schemeClr val="accent1"/>
+            </a:effectRef>
+            <a:fontRef idx="minor">
+              <a:schemeClr val="lt1"/>
+            </a:fontRef>
+          </p:style>
+          <p:txBody>
+            <a:bodyPr rtlCol="0" anchor="ctr"/>
+            <a:lstStyle/>
+            <a:p>
+              <a:pPr algn="ctr"/>
+              <a:r>
+                <a:rPr lang="en-US" sz="1400" dirty="0" smtClean="0">
+                  <a:solidFill>
+                    <a:schemeClr val="tx1">
+                      <a:lumMod val="85000"/>
+                      <a:lumOff val="15000"/>
+                    </a:schemeClr>
+                  </a:solidFill>
+                  <a:latin typeface="Bodoni MT" panose="02070603080606020203" pitchFamily="18" charset="0"/>
+                </a:rPr>
+                <a:t>POD</a:t>
+              </a:r>
+              <a:endParaRPr lang="en-US" sz="1400" dirty="0">
+                <a:solidFill>
+                  <a:schemeClr val="tx1">
+                    <a:lumMod val="85000"/>
+                    <a:lumOff val="15000"/>
+                  </a:schemeClr>
+                </a:solidFill>
+                <a:latin typeface="Bodoni MT" panose="02070603080606020203" pitchFamily="18" charset="0"/>
+              </a:endParaRPr>
+            </a:p>
+          </p:txBody>
+        </p:sp>
+        <p:cxnSp>
+          <p:nvCxnSpPr>
+            <p:cNvPr id="141" name="Straight Arrow Connector 140"/>
+            <p:cNvCxnSpPr>
+              <a:endCxn id="139" idx="2"/>
+            </p:cNvCxnSpPr>
+            <p:nvPr/>
+          </p:nvCxnSpPr>
+          <p:spPr>
+            <a:xfrm flipV="1">
+              <a:off x="5384779" y="3524745"/>
+              <a:ext cx="0" cy="285401"/>
+            </a:xfrm>
+            <a:prstGeom prst="straightConnector1">
+              <a:avLst/>
+            </a:prstGeom>
+            <a:ln w="15875">
+              <a:solidFill>
+                <a:schemeClr val="accent2"/>
+              </a:solidFill>
+              <a:headEnd type="stealth" w="sm" len="sm"/>
+              <a:tailEnd type="stealth" w="sm" len="sm"/>
+            </a:ln>
+          </p:spPr>
+          <p:style>
+            <a:lnRef idx="1">
+              <a:schemeClr val="accent1"/>
+            </a:lnRef>
+            <a:fillRef idx="0">
+              <a:schemeClr val="accent1"/>
+            </a:fillRef>
+            <a:effectRef idx="0">
+              <a:schemeClr val="accent1"/>
+            </a:effectRef>
+            <a:fontRef idx="minor">
+              <a:schemeClr val="tx1"/>
+            </a:fontRef>
+          </p:style>
+        </p:cxnSp>
+        <p:sp>
+          <p:nvSpPr>
+            <p:cNvPr id="150" name="Rounded Rectangle 149"/>
+            <p:cNvSpPr/>
+            <p:nvPr/>
+          </p:nvSpPr>
+          <p:spPr>
+            <a:xfrm>
+              <a:off x="4889373" y="2733884"/>
+              <a:ext cx="274112" cy="201465"/>
+            </a:xfrm>
+            <a:prstGeom prst="roundRect">
+              <a:avLst/>
+            </a:prstGeom>
+            <a:solidFill>
+              <a:schemeClr val="tx2">
+                <a:lumMod val="40000"/>
+                <a:lumOff val="60000"/>
+              </a:schemeClr>
+            </a:solidFill>
+            <a:ln>
+              <a:noFill/>
+            </a:ln>
+          </p:spPr>
+          <p:style>
+            <a:lnRef idx="2">
+              <a:schemeClr val="accent1">
+                <a:shade val="50000"/>
+              </a:schemeClr>
+            </a:lnRef>
+            <a:fillRef idx="1">
+              <a:schemeClr val="accent1"/>
+            </a:fillRef>
+            <a:effectRef idx="0">
+              <a:schemeClr val="accent1"/>
+            </a:effectRef>
+            <a:fontRef idx="minor">
+              <a:schemeClr val="lt1"/>
+            </a:fontRef>
+          </p:style>
+          <p:txBody>
+            <a:bodyPr rtlCol="0" anchor="ctr"/>
+            <a:lstStyle/>
+            <a:p>
+              <a:pPr algn="ctr"/>
+              <a:endParaRPr lang="en-US" sz="400" dirty="0"/>
+            </a:p>
+          </p:txBody>
+        </p:sp>
+        <p:sp>
+          <p:nvSpPr>
+            <p:cNvPr id="148" name="Rounded Rectangle 147"/>
+            <p:cNvSpPr/>
+            <p:nvPr/>
+          </p:nvSpPr>
+          <p:spPr>
+            <a:xfrm>
+              <a:off x="5648559" y="2733884"/>
+              <a:ext cx="274112" cy="201465"/>
+            </a:xfrm>
+            <a:prstGeom prst="roundRect">
+              <a:avLst/>
+            </a:prstGeom>
+            <a:solidFill>
+              <a:schemeClr val="tx2">
+                <a:lumMod val="60000"/>
+                <a:lumOff val="40000"/>
+              </a:schemeClr>
+            </a:solidFill>
+            <a:ln>
+              <a:noFill/>
+            </a:ln>
+          </p:spPr>
+          <p:style>
+            <a:lnRef idx="2">
+              <a:schemeClr val="accent1">
+                <a:shade val="50000"/>
+              </a:schemeClr>
+            </a:lnRef>
+            <a:fillRef idx="1">
+              <a:schemeClr val="accent1"/>
+            </a:fillRef>
+            <a:effectRef idx="0">
+              <a:schemeClr val="accent1"/>
+            </a:effectRef>
+            <a:fontRef idx="minor">
+              <a:schemeClr val="lt1"/>
+            </a:fontRef>
+          </p:style>
+          <p:txBody>
+            <a:bodyPr rtlCol="0" anchor="ctr"/>
+            <a:lstStyle/>
+            <a:p>
+              <a:pPr algn="ctr"/>
+              <a:endParaRPr lang="en-US" sz="400" dirty="0"/>
+            </a:p>
+          </p:txBody>
+        </p:sp>
+        <p:sp>
+          <p:nvSpPr>
+            <p:cNvPr id="146" name="Rounded Rectangle 145"/>
+            <p:cNvSpPr/>
+            <p:nvPr/>
+          </p:nvSpPr>
+          <p:spPr>
+            <a:xfrm>
+              <a:off x="5248127" y="2741829"/>
+              <a:ext cx="274112" cy="201465"/>
+            </a:xfrm>
+            <a:prstGeom prst="roundRect">
+              <a:avLst/>
+            </a:prstGeom>
+            <a:solidFill>
+              <a:schemeClr val="tx2">
+                <a:lumMod val="40000"/>
+                <a:lumOff val="60000"/>
+              </a:schemeClr>
+            </a:solidFill>
+            <a:ln>
+              <a:noFill/>
+            </a:ln>
+          </p:spPr>
+          <p:style>
+            <a:lnRef idx="2">
+              <a:schemeClr val="accent1">
+                <a:shade val="50000"/>
+              </a:schemeClr>
+            </a:lnRef>
+            <a:fillRef idx="1">
+              <a:schemeClr val="accent1"/>
+            </a:fillRef>
+            <a:effectRef idx="0">
+              <a:schemeClr val="accent1"/>
+            </a:effectRef>
+            <a:fontRef idx="minor">
+              <a:schemeClr val="lt1"/>
+            </a:fontRef>
+          </p:style>
+          <p:txBody>
+            <a:bodyPr rtlCol="0" anchor="ctr"/>
+            <a:lstStyle/>
+            <a:p>
+              <a:pPr algn="ctr"/>
+              <a:endParaRPr lang="en-US" sz="400" dirty="0"/>
+            </a:p>
+          </p:txBody>
+        </p:sp>
+        <p:cxnSp>
+          <p:nvCxnSpPr>
+            <p:cNvPr id="152" name="Straight Arrow Connector 151"/>
+            <p:cNvCxnSpPr/>
+            <p:nvPr/>
+          </p:nvCxnSpPr>
+          <p:spPr>
+            <a:xfrm flipV="1">
+              <a:off x="1589927" y="2937740"/>
+              <a:ext cx="0" cy="285401"/>
+            </a:xfrm>
+            <a:prstGeom prst="straightConnector1">
+              <a:avLst/>
+            </a:prstGeom>
+            <a:ln w="15875">
+              <a:solidFill>
+                <a:schemeClr val="accent2"/>
+              </a:solidFill>
+              <a:headEnd type="stealth" w="sm" len="sm"/>
+              <a:tailEnd type="stealth" w="sm" len="sm"/>
+            </a:ln>
+          </p:spPr>
+          <p:style>
+            <a:lnRef idx="1">
+              <a:schemeClr val="accent1"/>
+            </a:lnRef>
+            <a:fillRef idx="0">
+              <a:schemeClr val="accent1"/>
+            </a:fillRef>
+            <a:effectRef idx="0">
+              <a:schemeClr val="accent1"/>
+            </a:effectRef>
+            <a:fontRef idx="minor">
+              <a:schemeClr val="tx1"/>
+            </a:fontRef>
+          </p:style>
+        </p:cxnSp>
+        <p:cxnSp>
+          <p:nvCxnSpPr>
+            <p:cNvPr id="153" name="Straight Arrow Connector 152"/>
+            <p:cNvCxnSpPr/>
+            <p:nvPr/>
+          </p:nvCxnSpPr>
+          <p:spPr>
+            <a:xfrm flipV="1">
+              <a:off x="1959478" y="2937740"/>
+              <a:ext cx="0" cy="285401"/>
+            </a:xfrm>
+            <a:prstGeom prst="straightConnector1">
+              <a:avLst/>
+            </a:prstGeom>
+            <a:ln w="15875">
+              <a:solidFill>
+                <a:schemeClr val="accent2"/>
+              </a:solidFill>
+              <a:headEnd type="stealth" w="sm" len="sm"/>
+              <a:tailEnd type="stealth" w="sm" len="sm"/>
+            </a:ln>
+          </p:spPr>
+          <p:style>
+            <a:lnRef idx="1">
+              <a:schemeClr val="accent1"/>
+            </a:lnRef>
+            <a:fillRef idx="0">
+              <a:schemeClr val="accent1"/>
+            </a:fillRef>
+            <a:effectRef idx="0">
+              <a:schemeClr val="accent1"/>
+            </a:effectRef>
+            <a:fontRef idx="minor">
+              <a:schemeClr val="tx1"/>
+            </a:fontRef>
+          </p:style>
+        </p:cxnSp>
+        <p:cxnSp>
+          <p:nvCxnSpPr>
+            <p:cNvPr id="154" name="Straight Arrow Connector 153"/>
+            <p:cNvCxnSpPr/>
+            <p:nvPr/>
+          </p:nvCxnSpPr>
+          <p:spPr>
+            <a:xfrm flipV="1">
+              <a:off x="2349269" y="2937740"/>
+              <a:ext cx="0" cy="285401"/>
+            </a:xfrm>
+            <a:prstGeom prst="straightConnector1">
+              <a:avLst/>
+            </a:prstGeom>
+            <a:ln w="15875">
+              <a:solidFill>
+                <a:schemeClr val="accent2"/>
+              </a:solidFill>
+              <a:headEnd type="stealth" w="sm" len="sm"/>
+              <a:tailEnd type="stealth" w="sm" len="sm"/>
+            </a:ln>
+          </p:spPr>
+          <p:style>
+            <a:lnRef idx="1">
+              <a:schemeClr val="accent1"/>
+            </a:lnRef>
+            <a:fillRef idx="0">
+              <a:schemeClr val="accent1"/>
+            </a:fillRef>
+            <a:effectRef idx="0">
+              <a:schemeClr val="accent1"/>
+            </a:effectRef>
+            <a:fontRef idx="minor">
+              <a:schemeClr val="tx1"/>
+            </a:fontRef>
+          </p:style>
+        </p:cxnSp>
+        <p:cxnSp>
+          <p:nvCxnSpPr>
+            <p:cNvPr id="155" name="Straight Arrow Connector 154"/>
+            <p:cNvCxnSpPr/>
+            <p:nvPr/>
+          </p:nvCxnSpPr>
+          <p:spPr>
+            <a:xfrm flipV="1">
+              <a:off x="2727559" y="2937795"/>
+              <a:ext cx="0" cy="285401"/>
+            </a:xfrm>
+            <a:prstGeom prst="straightConnector1">
+              <a:avLst/>
+            </a:prstGeom>
+            <a:ln w="15875">
+              <a:solidFill>
+                <a:schemeClr val="accent2"/>
+              </a:solidFill>
+              <a:headEnd type="stealth" w="sm" len="sm"/>
+              <a:tailEnd type="stealth" w="sm" len="sm"/>
+            </a:ln>
+          </p:spPr>
+          <p:style>
+            <a:lnRef idx="1">
+              <a:schemeClr val="accent1"/>
+            </a:lnRef>
+            <a:fillRef idx="0">
+              <a:schemeClr val="accent1"/>
+            </a:fillRef>
+            <a:effectRef idx="0">
+              <a:schemeClr val="accent1"/>
+            </a:effectRef>
+            <a:fontRef idx="minor">
+              <a:schemeClr val="tx1"/>
+            </a:fontRef>
+          </p:style>
+        </p:cxnSp>
+        <p:cxnSp>
+          <p:nvCxnSpPr>
+            <p:cNvPr id="156" name="Straight Arrow Connector 155"/>
+            <p:cNvCxnSpPr/>
+            <p:nvPr/>
+          </p:nvCxnSpPr>
+          <p:spPr>
+            <a:xfrm flipV="1">
+              <a:off x="3097110" y="2937795"/>
+              <a:ext cx="0" cy="285401"/>
+            </a:xfrm>
+            <a:prstGeom prst="straightConnector1">
+              <a:avLst/>
+            </a:prstGeom>
+            <a:ln w="15875">
+              <a:solidFill>
+                <a:schemeClr val="accent2"/>
+              </a:solidFill>
+              <a:headEnd type="stealth" w="sm" len="sm"/>
+              <a:tailEnd type="stealth" w="sm" len="sm"/>
+            </a:ln>
+          </p:spPr>
+          <p:style>
+            <a:lnRef idx="1">
+              <a:schemeClr val="accent1"/>
+            </a:lnRef>
+            <a:fillRef idx="0">
+              <a:schemeClr val="accent1"/>
+            </a:fillRef>
+            <a:effectRef idx="0">
+              <a:schemeClr val="accent1"/>
+            </a:effectRef>
+            <a:fontRef idx="minor">
+              <a:schemeClr val="tx1"/>
+            </a:fontRef>
+          </p:style>
+        </p:cxnSp>
+        <p:cxnSp>
+          <p:nvCxnSpPr>
+            <p:cNvPr id="157" name="Straight Arrow Connector 156"/>
+            <p:cNvCxnSpPr/>
+            <p:nvPr/>
+          </p:nvCxnSpPr>
+          <p:spPr>
+            <a:xfrm flipV="1">
+              <a:off x="3486901" y="2937795"/>
+              <a:ext cx="0" cy="285401"/>
+            </a:xfrm>
+            <a:prstGeom prst="straightConnector1">
+              <a:avLst/>
+            </a:prstGeom>
+            <a:ln w="15875">
+              <a:solidFill>
+                <a:schemeClr val="accent2"/>
+              </a:solidFill>
+              <a:headEnd type="stealth" w="sm" len="sm"/>
+              <a:tailEnd type="stealth" w="sm" len="sm"/>
+            </a:ln>
+          </p:spPr>
+          <p:style>
+            <a:lnRef idx="1">
+              <a:schemeClr val="accent1"/>
+            </a:lnRef>
+            <a:fillRef idx="0">
+              <a:schemeClr val="accent1"/>
+            </a:fillRef>
+            <a:effectRef idx="0">
+              <a:schemeClr val="accent1"/>
+            </a:effectRef>
+            <a:fontRef idx="minor">
+              <a:schemeClr val="tx1"/>
+            </a:fontRef>
+          </p:style>
+        </p:cxnSp>
+        <p:cxnSp>
+          <p:nvCxnSpPr>
+            <p:cNvPr id="158" name="Straight Arrow Connector 157"/>
+            <p:cNvCxnSpPr/>
+            <p:nvPr/>
+          </p:nvCxnSpPr>
+          <p:spPr>
+            <a:xfrm flipV="1">
+              <a:off x="3877596" y="2939335"/>
+              <a:ext cx="0" cy="285401"/>
+            </a:xfrm>
+            <a:prstGeom prst="straightConnector1">
+              <a:avLst/>
+            </a:prstGeom>
+            <a:ln w="15875">
+              <a:solidFill>
+                <a:schemeClr val="accent2"/>
+              </a:solidFill>
+              <a:headEnd type="stealth" w="sm" len="sm"/>
+              <a:tailEnd type="stealth" w="sm" len="sm"/>
+            </a:ln>
+          </p:spPr>
+          <p:style>
+            <a:lnRef idx="1">
+              <a:schemeClr val="accent1"/>
+            </a:lnRef>
+            <a:fillRef idx="0">
+              <a:schemeClr val="accent1"/>
+            </a:fillRef>
+            <a:effectRef idx="0">
+              <a:schemeClr val="accent1"/>
+            </a:effectRef>
+            <a:fontRef idx="minor">
+              <a:schemeClr val="tx1"/>
+            </a:fontRef>
+          </p:style>
+        </p:cxnSp>
+        <p:cxnSp>
+          <p:nvCxnSpPr>
+            <p:cNvPr id="159" name="Straight Arrow Connector 158"/>
+            <p:cNvCxnSpPr/>
+            <p:nvPr/>
+          </p:nvCxnSpPr>
+          <p:spPr>
+            <a:xfrm flipV="1">
+              <a:off x="4247147" y="2939335"/>
+              <a:ext cx="0" cy="285401"/>
+            </a:xfrm>
+            <a:prstGeom prst="straightConnector1">
+              <a:avLst/>
+            </a:prstGeom>
+            <a:ln w="15875">
+              <a:solidFill>
+                <a:schemeClr val="accent2"/>
+              </a:solidFill>
+              <a:headEnd type="stealth" w="sm" len="sm"/>
+              <a:tailEnd type="stealth" w="sm" len="sm"/>
+            </a:ln>
+          </p:spPr>
+          <p:style>
+            <a:lnRef idx="1">
+              <a:schemeClr val="accent1"/>
+            </a:lnRef>
+            <a:fillRef idx="0">
+              <a:schemeClr val="accent1"/>
+            </a:fillRef>
+            <a:effectRef idx="0">
+              <a:schemeClr val="accent1"/>
+            </a:effectRef>
+            <a:fontRef idx="minor">
+              <a:schemeClr val="tx1"/>
+            </a:fontRef>
+          </p:style>
+        </p:cxnSp>
+        <p:cxnSp>
+          <p:nvCxnSpPr>
+            <p:cNvPr id="160" name="Straight Arrow Connector 159"/>
+            <p:cNvCxnSpPr/>
+            <p:nvPr/>
+          </p:nvCxnSpPr>
+          <p:spPr>
+            <a:xfrm flipV="1">
+              <a:off x="4636938" y="2939335"/>
+              <a:ext cx="0" cy="285401"/>
+            </a:xfrm>
+            <a:prstGeom prst="straightConnector1">
+              <a:avLst/>
+            </a:prstGeom>
+            <a:ln w="15875">
+              <a:solidFill>
+                <a:schemeClr val="accent2"/>
+              </a:solidFill>
+              <a:headEnd type="stealth" w="sm" len="sm"/>
+              <a:tailEnd type="stealth" w="sm" len="sm"/>
+            </a:ln>
+          </p:spPr>
+          <p:style>
+            <a:lnRef idx="1">
+              <a:schemeClr val="accent1"/>
+            </a:lnRef>
+            <a:fillRef idx="0">
+              <a:schemeClr val="accent1"/>
+            </a:fillRef>
+            <a:effectRef idx="0">
+              <a:schemeClr val="accent1"/>
+            </a:effectRef>
+            <a:fontRef idx="minor">
+              <a:schemeClr val="tx1"/>
+            </a:fontRef>
+          </p:style>
+        </p:cxnSp>
+        <p:cxnSp>
+          <p:nvCxnSpPr>
+            <p:cNvPr id="161" name="Straight Arrow Connector 160"/>
+            <p:cNvCxnSpPr/>
+            <p:nvPr/>
+          </p:nvCxnSpPr>
+          <p:spPr>
+            <a:xfrm flipV="1">
+              <a:off x="5015228" y="2939390"/>
+              <a:ext cx="0" cy="285401"/>
+            </a:xfrm>
+            <a:prstGeom prst="straightConnector1">
+              <a:avLst/>
+            </a:prstGeom>
+            <a:ln w="15875">
+              <a:solidFill>
+                <a:schemeClr val="accent2"/>
+              </a:solidFill>
+              <a:headEnd type="stealth" w="sm" len="sm"/>
+              <a:tailEnd type="stealth" w="sm" len="sm"/>
+            </a:ln>
+          </p:spPr>
+          <p:style>
+            <a:lnRef idx="1">
+              <a:schemeClr val="accent1"/>
+            </a:lnRef>
+            <a:fillRef idx="0">
+              <a:schemeClr val="accent1"/>
+            </a:fillRef>
+            <a:effectRef idx="0">
+              <a:schemeClr val="accent1"/>
+            </a:effectRef>
+            <a:fontRef idx="minor">
+              <a:schemeClr val="tx1"/>
+            </a:fontRef>
+          </p:style>
+        </p:cxnSp>
+        <p:cxnSp>
+          <p:nvCxnSpPr>
+            <p:cNvPr id="162" name="Straight Arrow Connector 161"/>
+            <p:cNvCxnSpPr/>
+            <p:nvPr/>
+          </p:nvCxnSpPr>
+          <p:spPr>
+            <a:xfrm flipV="1">
+              <a:off x="5384779" y="2939390"/>
+              <a:ext cx="0" cy="285401"/>
+            </a:xfrm>
+            <a:prstGeom prst="straightConnector1">
+              <a:avLst/>
+            </a:prstGeom>
+            <a:ln w="15875">
+              <a:solidFill>
+                <a:schemeClr val="accent2"/>
+              </a:solidFill>
+              <a:headEnd type="stealth" w="sm" len="sm"/>
+              <a:tailEnd type="stealth" w="sm" len="sm"/>
+            </a:ln>
+          </p:spPr>
+          <p:style>
+            <a:lnRef idx="1">
+              <a:schemeClr val="accent1"/>
+            </a:lnRef>
+            <a:fillRef idx="0">
+              <a:schemeClr val="accent1"/>
+            </a:fillRef>
+            <a:effectRef idx="0">
+              <a:schemeClr val="accent1"/>
+            </a:effectRef>
+            <a:fontRef idx="minor">
+              <a:schemeClr val="tx1"/>
+            </a:fontRef>
+          </p:style>
+        </p:cxnSp>
+        <p:cxnSp>
+          <p:nvCxnSpPr>
+            <p:cNvPr id="163" name="Straight Arrow Connector 162"/>
+            <p:cNvCxnSpPr/>
+            <p:nvPr/>
+          </p:nvCxnSpPr>
+          <p:spPr>
+            <a:xfrm flipV="1">
+              <a:off x="5774570" y="2939390"/>
+              <a:ext cx="0" cy="285401"/>
+            </a:xfrm>
+            <a:prstGeom prst="straightConnector1">
+              <a:avLst/>
+            </a:prstGeom>
+            <a:ln w="15875">
+              <a:solidFill>
+                <a:schemeClr val="accent2"/>
+              </a:solidFill>
+              <a:headEnd type="stealth" w="sm" len="sm"/>
+              <a:tailEnd type="stealth" w="sm" len="sm"/>
+            </a:ln>
+          </p:spPr>
+          <p:style>
+            <a:lnRef idx="1">
+              <a:schemeClr val="accent1"/>
+            </a:lnRef>
+            <a:fillRef idx="0">
+              <a:schemeClr val="accent1"/>
+            </a:fillRef>
+            <a:effectRef idx="0">
+              <a:schemeClr val="accent1"/>
+            </a:effectRef>
+            <a:fontRef idx="minor">
+              <a:schemeClr val="tx1"/>
+            </a:fontRef>
+          </p:style>
+        </p:cxnSp>
+        <p:sp>
+          <p:nvSpPr>
+            <p:cNvPr id="164" name="TextBox 163"/>
+            <p:cNvSpPr txBox="1"/>
+            <p:nvPr/>
+          </p:nvSpPr>
+          <p:spPr>
+            <a:xfrm>
+              <a:off x="1315246" y="2520719"/>
+              <a:ext cx="478016" cy="215444"/>
+            </a:xfrm>
+            <a:prstGeom prst="rect">
+              <a:avLst/>
+            </a:prstGeom>
+            <a:noFill/>
+          </p:spPr>
+          <p:txBody>
+            <a:bodyPr wrap="none" rtlCol="0">
+              <a:spAutoFit/>
+            </a:bodyPr>
+            <a:lstStyle/>
+            <a:p>
+              <a:r>
+                <a:rPr lang="en-US" sz="800" dirty="0" smtClean="0"/>
+                <a:t>Cluster</a:t>
+              </a:r>
+              <a:endParaRPr lang="en-US" sz="800" dirty="0"/>
+            </a:p>
+          </p:txBody>
+        </p:sp>
+        <p:sp>
+          <p:nvSpPr>
+            <p:cNvPr id="165" name="Rectangle 164"/>
+            <p:cNvSpPr/>
+            <p:nvPr/>
+          </p:nvSpPr>
+          <p:spPr>
+            <a:xfrm>
+              <a:off x="1381897" y="2561216"/>
+              <a:ext cx="1143983" cy="442563"/>
+            </a:xfrm>
+            <a:prstGeom prst="rect">
+              <a:avLst/>
+            </a:prstGeom>
+            <a:noFill/>
+            <a:ln>
+              <a:solidFill>
+                <a:schemeClr val="tx1"/>
+              </a:solidFill>
+              <a:prstDash val="sysDash"/>
+            </a:ln>
+          </p:spPr>
+          <p:style>
+            <a:lnRef idx="2">
+              <a:schemeClr val="accent1">
+                <a:shade val="50000"/>
+              </a:schemeClr>
+            </a:lnRef>
+            <a:fillRef idx="1">
+              <a:schemeClr val="accent1"/>
+            </a:fillRef>
+            <a:effectRef idx="0">
+              <a:schemeClr val="accent1"/>
+            </a:effectRef>
+            <a:fontRef idx="minor">
+              <a:schemeClr val="lt1"/>
+            </a:fontRef>
+          </p:style>
+          <p:txBody>
+            <a:bodyPr rtlCol="0" anchor="ctr"/>
+            <a:lstStyle/>
+            <a:p>
+              <a:pPr algn="ctr"/>
+              <a:endParaRPr lang="en-US"/>
+            </a:p>
+          </p:txBody>
+        </p:sp>
+        <p:sp>
+          <p:nvSpPr>
+            <p:cNvPr id="166" name="TextBox 165"/>
+            <p:cNvSpPr txBox="1"/>
+            <p:nvPr/>
+          </p:nvSpPr>
+          <p:spPr>
+            <a:xfrm>
+              <a:off x="2495538" y="2520719"/>
+              <a:ext cx="478016" cy="215444"/>
+            </a:xfrm>
+            <a:prstGeom prst="rect">
+              <a:avLst/>
+            </a:prstGeom>
+            <a:noFill/>
+          </p:spPr>
+          <p:txBody>
+            <a:bodyPr wrap="none" rtlCol="0">
+              <a:spAutoFit/>
+            </a:bodyPr>
+            <a:lstStyle/>
+            <a:p>
+              <a:r>
+                <a:rPr lang="en-US" sz="800" dirty="0" smtClean="0"/>
+                <a:t>Cluster</a:t>
+              </a:r>
+              <a:endParaRPr lang="en-US" sz="800" dirty="0"/>
+            </a:p>
+          </p:txBody>
+        </p:sp>
+        <p:sp>
+          <p:nvSpPr>
+            <p:cNvPr id="167" name="Rectangle 166"/>
+            <p:cNvSpPr/>
+            <p:nvPr/>
+          </p:nvSpPr>
+          <p:spPr>
+            <a:xfrm>
+              <a:off x="2562190" y="2561216"/>
+              <a:ext cx="1109626" cy="442563"/>
+            </a:xfrm>
+            <a:prstGeom prst="rect">
+              <a:avLst/>
+            </a:prstGeom>
+            <a:noFill/>
+            <a:ln>
+              <a:solidFill>
+                <a:schemeClr val="tx1"/>
+              </a:solidFill>
+              <a:prstDash val="sysDash"/>
+            </a:ln>
+          </p:spPr>
+          <p:style>
+            <a:lnRef idx="2">
+              <a:schemeClr val="accent1">
+                <a:shade val="50000"/>
+              </a:schemeClr>
+            </a:lnRef>
+            <a:fillRef idx="1">
+              <a:schemeClr val="accent1"/>
+            </a:fillRef>
+            <a:effectRef idx="0">
+              <a:schemeClr val="accent1"/>
+            </a:effectRef>
+            <a:fontRef idx="minor">
+              <a:schemeClr val="lt1"/>
+            </a:fontRef>
+          </p:style>
+          <p:txBody>
+            <a:bodyPr rtlCol="0" anchor="ctr"/>
+            <a:lstStyle/>
+            <a:p>
+              <a:pPr algn="ctr"/>
+              <a:endParaRPr lang="en-US"/>
+            </a:p>
+          </p:txBody>
+        </p:sp>
+        <p:sp>
+          <p:nvSpPr>
+            <p:cNvPr id="169" name="TextBox 168"/>
+            <p:cNvSpPr txBox="1"/>
+            <p:nvPr/>
+          </p:nvSpPr>
+          <p:spPr>
+            <a:xfrm>
+              <a:off x="3644234" y="2522221"/>
+              <a:ext cx="478016" cy="215444"/>
+            </a:xfrm>
+            <a:prstGeom prst="rect">
+              <a:avLst/>
+            </a:prstGeom>
+            <a:noFill/>
+          </p:spPr>
+          <p:txBody>
+            <a:bodyPr wrap="none" rtlCol="0">
+              <a:spAutoFit/>
+            </a:bodyPr>
+            <a:lstStyle/>
+            <a:p>
+              <a:r>
+                <a:rPr lang="en-US" sz="800" dirty="0" smtClean="0"/>
+                <a:t>Cluster</a:t>
+              </a:r>
+              <a:endParaRPr lang="en-US" sz="800" dirty="0"/>
+            </a:p>
+          </p:txBody>
+        </p:sp>
+        <p:sp>
+          <p:nvSpPr>
+            <p:cNvPr id="170" name="Rectangle 169"/>
+            <p:cNvSpPr/>
+            <p:nvPr/>
+          </p:nvSpPr>
+          <p:spPr>
+            <a:xfrm>
+              <a:off x="3710886" y="2561216"/>
+              <a:ext cx="1109626" cy="444065"/>
+            </a:xfrm>
+            <a:prstGeom prst="rect">
+              <a:avLst/>
+            </a:prstGeom>
+            <a:noFill/>
+            <a:ln>
+              <a:solidFill>
+                <a:schemeClr val="tx1"/>
+              </a:solidFill>
+              <a:prstDash val="sysDash"/>
+            </a:ln>
+          </p:spPr>
+          <p:style>
+            <a:lnRef idx="2">
+              <a:schemeClr val="accent1">
+                <a:shade val="50000"/>
+              </a:schemeClr>
+            </a:lnRef>
+            <a:fillRef idx="1">
+              <a:schemeClr val="accent1"/>
+            </a:fillRef>
+            <a:effectRef idx="0">
+              <a:schemeClr val="accent1"/>
+            </a:effectRef>
+            <a:fontRef idx="minor">
+              <a:schemeClr val="lt1"/>
+            </a:fontRef>
+          </p:style>
+          <p:txBody>
+            <a:bodyPr rtlCol="0" anchor="ctr"/>
+            <a:lstStyle/>
+            <a:p>
+              <a:pPr algn="ctr"/>
+              <a:endParaRPr lang="en-US"/>
+            </a:p>
+          </p:txBody>
+        </p:sp>
+        <p:sp>
+          <p:nvSpPr>
+            <p:cNvPr id="171" name="TextBox 170"/>
+            <p:cNvSpPr txBox="1"/>
+            <p:nvPr/>
+          </p:nvSpPr>
+          <p:spPr>
+            <a:xfrm>
+              <a:off x="4794995" y="2516766"/>
+              <a:ext cx="478016" cy="215444"/>
+            </a:xfrm>
+            <a:prstGeom prst="rect">
+              <a:avLst/>
+            </a:prstGeom>
+            <a:noFill/>
+          </p:spPr>
+          <p:txBody>
+            <a:bodyPr wrap="none" rtlCol="0">
+              <a:spAutoFit/>
+            </a:bodyPr>
+            <a:lstStyle/>
+            <a:p>
+              <a:r>
+                <a:rPr lang="en-US" sz="800" dirty="0" smtClean="0"/>
+                <a:t>Cluster</a:t>
+              </a:r>
+              <a:endParaRPr lang="en-US" sz="800" dirty="0"/>
+            </a:p>
+          </p:txBody>
+        </p:sp>
+        <p:sp>
+          <p:nvSpPr>
+            <p:cNvPr id="172" name="Rectangle 171"/>
+            <p:cNvSpPr/>
+            <p:nvPr/>
+          </p:nvSpPr>
+          <p:spPr>
+            <a:xfrm>
+              <a:off x="4861647" y="2561217"/>
+              <a:ext cx="1109626" cy="438610"/>
+            </a:xfrm>
+            <a:prstGeom prst="rect">
+              <a:avLst/>
+            </a:prstGeom>
+            <a:noFill/>
+            <a:ln>
+              <a:solidFill>
+                <a:schemeClr val="tx1"/>
+              </a:solidFill>
+              <a:prstDash val="sysDash"/>
+            </a:ln>
+          </p:spPr>
+          <p:style>
+            <a:lnRef idx="2">
+              <a:schemeClr val="accent1">
+                <a:shade val="50000"/>
+              </a:schemeClr>
+            </a:lnRef>
+            <a:fillRef idx="1">
+              <a:schemeClr val="accent1"/>
+            </a:fillRef>
+            <a:effectRef idx="0">
+              <a:schemeClr val="accent1"/>
+            </a:effectRef>
+            <a:fontRef idx="minor">
+              <a:schemeClr val="lt1"/>
+            </a:fontRef>
+          </p:style>
+          <p:txBody>
+            <a:bodyPr rtlCol="0" anchor="ctr"/>
+            <a:lstStyle/>
+            <a:p>
+              <a:pPr algn="ctr"/>
+              <a:endParaRPr lang="en-US"/>
+            </a:p>
+          </p:txBody>
+        </p:sp>
+        <p:sp>
+          <p:nvSpPr>
+            <p:cNvPr id="173" name="TextBox 172"/>
+            <p:cNvSpPr txBox="1"/>
+            <p:nvPr/>
+          </p:nvSpPr>
+          <p:spPr>
+            <a:xfrm>
+              <a:off x="1402571" y="2711318"/>
+              <a:ext cx="418704" cy="230832"/>
+            </a:xfrm>
+            <a:prstGeom prst="rect">
+              <a:avLst/>
+            </a:prstGeom>
+            <a:noFill/>
+          </p:spPr>
+          <p:txBody>
+            <a:bodyPr wrap="none" rtlCol="0">
+              <a:spAutoFit/>
+            </a:bodyPr>
+            <a:lstStyle/>
+            <a:p>
+              <a:r>
+                <a:rPr lang="en-US" sz="900" dirty="0" smtClean="0"/>
+                <a:t>HBM</a:t>
+              </a:r>
+              <a:endParaRPr lang="en-US" sz="900" dirty="0"/>
+            </a:p>
+          </p:txBody>
+        </p:sp>
+        <p:sp>
+          <p:nvSpPr>
+            <p:cNvPr id="174" name="TextBox 173"/>
+            <p:cNvSpPr txBox="1"/>
+            <p:nvPr/>
+          </p:nvSpPr>
+          <p:spPr>
+            <a:xfrm>
+              <a:off x="1750449" y="2711089"/>
+              <a:ext cx="418704" cy="230832"/>
+            </a:xfrm>
+            <a:prstGeom prst="rect">
+              <a:avLst/>
+            </a:prstGeom>
+            <a:noFill/>
+          </p:spPr>
+          <p:txBody>
+            <a:bodyPr wrap="none" rtlCol="0">
+              <a:spAutoFit/>
+            </a:bodyPr>
+            <a:lstStyle/>
+            <a:p>
+              <a:r>
+                <a:rPr lang="en-US" sz="900" dirty="0" smtClean="0"/>
+                <a:t>HBM</a:t>
+              </a:r>
+              <a:endParaRPr lang="en-US" sz="900" dirty="0"/>
+            </a:p>
+          </p:txBody>
+        </p:sp>
+        <p:sp>
+          <p:nvSpPr>
+            <p:cNvPr id="175" name="TextBox 174"/>
+            <p:cNvSpPr txBox="1"/>
+            <p:nvPr/>
+          </p:nvSpPr>
+          <p:spPr>
+            <a:xfrm>
+              <a:off x="2169891" y="2712025"/>
+              <a:ext cx="388248" cy="230832"/>
+            </a:xfrm>
+            <a:prstGeom prst="rect">
+              <a:avLst/>
+            </a:prstGeom>
+            <a:noFill/>
+          </p:spPr>
+          <p:txBody>
+            <a:bodyPr wrap="none" rtlCol="0">
+              <a:spAutoFit/>
+            </a:bodyPr>
+            <a:lstStyle/>
+            <a:p>
+              <a:r>
+                <a:rPr lang="en-US" sz="900" dirty="0" smtClean="0"/>
+                <a:t>DDR</a:t>
+              </a:r>
+              <a:endParaRPr lang="en-US" sz="900" dirty="0"/>
+            </a:p>
+          </p:txBody>
+        </p:sp>
+        <p:sp>
+          <p:nvSpPr>
+            <p:cNvPr id="176" name="TextBox 175"/>
+            <p:cNvSpPr txBox="1"/>
+            <p:nvPr/>
+          </p:nvSpPr>
+          <p:spPr>
+            <a:xfrm>
+              <a:off x="2539221" y="2711318"/>
+              <a:ext cx="418704" cy="230832"/>
+            </a:xfrm>
+            <a:prstGeom prst="rect">
+              <a:avLst/>
+            </a:prstGeom>
+            <a:noFill/>
+          </p:spPr>
+          <p:txBody>
+            <a:bodyPr wrap="none" rtlCol="0">
+              <a:spAutoFit/>
+            </a:bodyPr>
+            <a:lstStyle/>
+            <a:p>
+              <a:r>
+                <a:rPr lang="en-US" sz="900" dirty="0" smtClean="0"/>
+                <a:t>HBM</a:t>
+              </a:r>
+              <a:endParaRPr lang="en-US" sz="900" dirty="0"/>
+            </a:p>
+          </p:txBody>
+        </p:sp>
+        <p:sp>
+          <p:nvSpPr>
+            <p:cNvPr id="177" name="TextBox 176"/>
+            <p:cNvSpPr txBox="1"/>
+            <p:nvPr/>
+          </p:nvSpPr>
+          <p:spPr>
+            <a:xfrm>
+              <a:off x="2887099" y="2711089"/>
+              <a:ext cx="418704" cy="230832"/>
+            </a:xfrm>
+            <a:prstGeom prst="rect">
+              <a:avLst/>
+            </a:prstGeom>
+            <a:noFill/>
+          </p:spPr>
+          <p:txBody>
+            <a:bodyPr wrap="none" rtlCol="0">
+              <a:spAutoFit/>
+            </a:bodyPr>
+            <a:lstStyle/>
+            <a:p>
+              <a:r>
+                <a:rPr lang="en-US" sz="900" dirty="0" smtClean="0"/>
+                <a:t>HBM</a:t>
+              </a:r>
+              <a:endParaRPr lang="en-US" sz="900" dirty="0"/>
+            </a:p>
+          </p:txBody>
+        </p:sp>
+        <p:sp>
+          <p:nvSpPr>
+            <p:cNvPr id="178" name="TextBox 177"/>
+            <p:cNvSpPr txBox="1"/>
+            <p:nvPr/>
+          </p:nvSpPr>
+          <p:spPr>
+            <a:xfrm>
+              <a:off x="3306541" y="2712025"/>
+              <a:ext cx="388248" cy="230832"/>
+            </a:xfrm>
+            <a:prstGeom prst="rect">
+              <a:avLst/>
+            </a:prstGeom>
+            <a:noFill/>
+          </p:spPr>
+          <p:txBody>
+            <a:bodyPr wrap="none" rtlCol="0">
+              <a:spAutoFit/>
+            </a:bodyPr>
+            <a:lstStyle/>
+            <a:p>
+              <a:r>
+                <a:rPr lang="en-US" sz="900" dirty="0" smtClean="0"/>
+                <a:t>DDR</a:t>
+              </a:r>
+              <a:endParaRPr lang="en-US" sz="900" dirty="0"/>
+            </a:p>
+          </p:txBody>
+        </p:sp>
+        <p:sp>
+          <p:nvSpPr>
+            <p:cNvPr id="179" name="TextBox 178"/>
+            <p:cNvSpPr txBox="1"/>
+            <p:nvPr/>
+          </p:nvSpPr>
+          <p:spPr>
+            <a:xfrm>
+              <a:off x="3688571" y="2711318"/>
+              <a:ext cx="418704" cy="230832"/>
+            </a:xfrm>
+            <a:prstGeom prst="rect">
+              <a:avLst/>
+            </a:prstGeom>
+            <a:noFill/>
+          </p:spPr>
+          <p:txBody>
+            <a:bodyPr wrap="none" rtlCol="0">
+              <a:spAutoFit/>
+            </a:bodyPr>
+            <a:lstStyle/>
+            <a:p>
+              <a:r>
+                <a:rPr lang="en-US" sz="900" dirty="0" smtClean="0"/>
+                <a:t>HBM</a:t>
+              </a:r>
+              <a:endParaRPr lang="en-US" sz="900" dirty="0"/>
+            </a:p>
+          </p:txBody>
+        </p:sp>
+        <p:sp>
+          <p:nvSpPr>
+            <p:cNvPr id="180" name="TextBox 179"/>
+            <p:cNvSpPr txBox="1"/>
+            <p:nvPr/>
+          </p:nvSpPr>
+          <p:spPr>
+            <a:xfrm>
+              <a:off x="4036449" y="2711089"/>
+              <a:ext cx="418704" cy="230832"/>
+            </a:xfrm>
+            <a:prstGeom prst="rect">
+              <a:avLst/>
+            </a:prstGeom>
+            <a:noFill/>
+          </p:spPr>
+          <p:txBody>
+            <a:bodyPr wrap="none" rtlCol="0">
+              <a:spAutoFit/>
+            </a:bodyPr>
+            <a:lstStyle/>
+            <a:p>
+              <a:r>
+                <a:rPr lang="en-US" sz="900" dirty="0" smtClean="0"/>
+                <a:t>HBM</a:t>
+              </a:r>
+              <a:endParaRPr lang="en-US" sz="900" dirty="0"/>
+            </a:p>
+          </p:txBody>
+        </p:sp>
+        <p:sp>
+          <p:nvSpPr>
+            <p:cNvPr id="181" name="TextBox 180"/>
+            <p:cNvSpPr txBox="1"/>
+            <p:nvPr/>
+          </p:nvSpPr>
+          <p:spPr>
+            <a:xfrm>
+              <a:off x="4455891" y="2712025"/>
+              <a:ext cx="388248" cy="230832"/>
+            </a:xfrm>
+            <a:prstGeom prst="rect">
+              <a:avLst/>
+            </a:prstGeom>
+            <a:noFill/>
+          </p:spPr>
+          <p:txBody>
+            <a:bodyPr wrap="none" rtlCol="0">
+              <a:spAutoFit/>
+            </a:bodyPr>
+            <a:lstStyle/>
+            <a:p>
+              <a:r>
+                <a:rPr lang="en-US" sz="900" dirty="0" smtClean="0"/>
+                <a:t>DDR</a:t>
+              </a:r>
+              <a:endParaRPr lang="en-US" sz="900" dirty="0"/>
+            </a:p>
+          </p:txBody>
+        </p:sp>
+        <p:sp>
+          <p:nvSpPr>
+            <p:cNvPr id="182" name="TextBox 181"/>
+            <p:cNvSpPr txBox="1"/>
+            <p:nvPr/>
+          </p:nvSpPr>
+          <p:spPr>
+            <a:xfrm>
+              <a:off x="4825221" y="2711318"/>
+              <a:ext cx="418704" cy="230832"/>
+            </a:xfrm>
+            <a:prstGeom prst="rect">
+              <a:avLst/>
+            </a:prstGeom>
+            <a:noFill/>
+          </p:spPr>
+          <p:txBody>
+            <a:bodyPr wrap="none" rtlCol="0">
+              <a:spAutoFit/>
+            </a:bodyPr>
+            <a:lstStyle/>
+            <a:p>
+              <a:r>
+                <a:rPr lang="en-US" sz="900" dirty="0" smtClean="0"/>
+                <a:t>HBM</a:t>
+              </a:r>
+              <a:endParaRPr lang="en-US" sz="900" dirty="0"/>
+            </a:p>
+          </p:txBody>
+        </p:sp>
+        <p:sp>
+          <p:nvSpPr>
+            <p:cNvPr id="183" name="TextBox 182"/>
+            <p:cNvSpPr txBox="1"/>
+            <p:nvPr/>
+          </p:nvSpPr>
+          <p:spPr>
+            <a:xfrm>
+              <a:off x="5173099" y="2711089"/>
+              <a:ext cx="418704" cy="230832"/>
+            </a:xfrm>
+            <a:prstGeom prst="rect">
+              <a:avLst/>
+            </a:prstGeom>
+            <a:noFill/>
+          </p:spPr>
+          <p:txBody>
+            <a:bodyPr wrap="none" rtlCol="0">
+              <a:spAutoFit/>
+            </a:bodyPr>
+            <a:lstStyle/>
+            <a:p>
+              <a:r>
+                <a:rPr lang="en-US" sz="900" dirty="0" smtClean="0"/>
+                <a:t>HBM</a:t>
+              </a:r>
+              <a:endParaRPr lang="en-US" sz="900" dirty="0"/>
+            </a:p>
+          </p:txBody>
+        </p:sp>
+        <p:sp>
+          <p:nvSpPr>
+            <p:cNvPr id="184" name="TextBox 183"/>
+            <p:cNvSpPr txBox="1"/>
+            <p:nvPr/>
+          </p:nvSpPr>
+          <p:spPr>
+            <a:xfrm>
+              <a:off x="5592541" y="2712025"/>
+              <a:ext cx="388248" cy="230832"/>
+            </a:xfrm>
+            <a:prstGeom prst="rect">
+              <a:avLst/>
+            </a:prstGeom>
+            <a:noFill/>
+          </p:spPr>
+          <p:txBody>
+            <a:bodyPr wrap="none" rtlCol="0">
+              <a:spAutoFit/>
+            </a:bodyPr>
+            <a:lstStyle/>
+            <a:p>
+              <a:r>
+                <a:rPr lang="en-US" sz="900" dirty="0" smtClean="0"/>
+                <a:t>DDR</a:t>
+              </a:r>
+              <a:endParaRPr lang="en-US" sz="900" dirty="0"/>
+            </a:p>
+          </p:txBody>
+        </p:sp>
+        <p:sp>
+          <p:nvSpPr>
+            <p:cNvPr id="96" name="TextBox 95"/>
+            <p:cNvSpPr txBox="1"/>
+            <p:nvPr/>
+          </p:nvSpPr>
+          <p:spPr>
+            <a:xfrm>
+              <a:off x="3207774" y="3783049"/>
+              <a:ext cx="917205" cy="584775"/>
+            </a:xfrm>
+            <a:prstGeom prst="rect">
+              <a:avLst/>
+            </a:prstGeom>
+            <a:noFill/>
+          </p:spPr>
+          <p:txBody>
+            <a:bodyPr wrap="square" rtlCol="0">
+              <a:spAutoFit/>
+            </a:bodyPr>
+            <a:lstStyle/>
+            <a:p>
+              <a:r>
+                <a:rPr lang="en-US" sz="3200" dirty="0" smtClean="0"/>
+                <a:t>. . . .</a:t>
+              </a:r>
+              <a:endParaRPr lang="en-US" sz="3200" dirty="0"/>
+            </a:p>
+          </p:txBody>
+        </p:sp>
+      </p:grpSp>
+    </p:spTree>
+    <p:extLst>
+      <p:ext uri="{BB962C8B-B14F-4D97-AF65-F5344CB8AC3E}">
+        <p14:creationId xmlns:p14="http://schemas.microsoft.com/office/powerpoint/2010/main" val="3203715065"/>
+      </p:ext>
+    </p:extLst>
+  </p:cSld>
+  <p:clrMapOvr>
+    <a:masterClrMapping/>
+  </p:clrMapOvr>
+</p:sld>
+</file>
+
+<file path=ppt/slides/slide3.xml><?xml version="1.0" encoding="utf-8"?>
+<p:sld xmlns:a="http://schemas.openxmlformats.org/drawingml/2006/main" xmlns:r="http://schemas.openxmlformats.org/officeDocument/2006/relationships" xmlns:p="http://schemas.openxmlformats.org/presentationml/2006/main">
+  <p:cSld>
+    <p:spTree>
+      <p:nvGrpSpPr>
+        <p:cNvPr id="1" name=""/>
+        <p:cNvGrpSpPr/>
+        <p:nvPr/>
+      </p:nvGrpSpPr>
+      <p:grpSpPr>
+        <a:xfrm>
+          <a:off x="0" y="0"/>
+          <a:ext cx="0" cy="0"/>
+          <a:chOff x="0" y="0"/>
+          <a:chExt cx="0" cy="0"/>
+        </a:xfrm>
+      </p:grpSpPr>
+      <p:sp>
+        <p:nvSpPr>
           <p:cNvPr id="2" name="Title 1"/>
           <p:cNvSpPr>
             <a:spLocks noGrp="1"/>
@@ -6913,11 +10329,7 @@
           <a:p>
             <a:r>
               <a:rPr lang="en-US" dirty="0" smtClean="0"/>
-              <a:t>Pod </a:t>
-            </a:r>
-            <a:r>
-              <a:rPr lang="en-US" dirty="0" smtClean="0"/>
-              <a:t>Design &amp; Operation</a:t>
+              <a:t>Pod Design - Request</a:t>
             </a:r>
             <a:endParaRPr lang="en-US" dirty="0"/>
           </a:p>
@@ -8342,7 +11754,7 @@
         <p:spPr>
           <a:xfrm>
             <a:off x="2159061" y="1599219"/>
-            <a:ext cx="960485" cy="261610"/>
+            <a:ext cx="2860614" cy="261610"/>
           </a:xfrm>
           <a:prstGeom prst="rect">
             <a:avLst/>
@@ -8357,7 +11769,7 @@
           <a:p>
             <a:r>
               <a:rPr lang="en-US" sz="1100" b="1" dirty="0" smtClean="0"/>
-              <a:t>Pod</a:t>
+              <a:t>Pod – Incoming Request</a:t>
             </a:r>
             <a:endParaRPr lang="en-US" sz="1100" b="1" dirty="0"/>
           </a:p>
@@ -8376,7 +11788,2050 @@
 </p:sld>
 </file>
 
-<file path=ppt/slides/slide3.xml><?xml version="1.0" encoding="utf-8"?>
+<file path=ppt/slides/slide4.xml><?xml version="1.0" encoding="utf-8"?>
+<p:sld xmlns:a="http://schemas.openxmlformats.org/drawingml/2006/main" xmlns:r="http://schemas.openxmlformats.org/officeDocument/2006/relationships" xmlns:p="http://schemas.openxmlformats.org/presentationml/2006/main">
+  <p:cSld>
+    <p:spTree>
+      <p:nvGrpSpPr>
+        <p:cNvPr id="1" name=""/>
+        <p:cNvGrpSpPr/>
+        <p:nvPr/>
+      </p:nvGrpSpPr>
+      <p:grpSpPr>
+        <a:xfrm>
+          <a:off x="0" y="0"/>
+          <a:ext cx="0" cy="0"/>
+          <a:chOff x="0" y="0"/>
+          <a:chExt cx="0" cy="0"/>
+        </a:xfrm>
+      </p:grpSpPr>
+      <p:sp>
+        <p:nvSpPr>
+          <p:cNvPr id="2" name="Title 1"/>
+          <p:cNvSpPr>
+            <a:spLocks noGrp="1"/>
+          </p:cNvSpPr>
+          <p:nvPr>
+            <p:ph type="title"/>
+          </p:nvPr>
+        </p:nvSpPr>
+        <p:spPr>
+          <a:xfrm>
+            <a:off x="0" y="-285664"/>
+            <a:ext cx="10515600" cy="1325563"/>
+          </a:xfrm>
+        </p:spPr>
+        <p:txBody>
+          <a:bodyPr/>
+          <a:lstStyle/>
+          <a:p>
+            <a:r>
+              <a:rPr lang="en-US" dirty="0" smtClean="0"/>
+              <a:t>Pod Design - Migration</a:t>
+            </a:r>
+            <a:endParaRPr lang="en-US" dirty="0"/>
+          </a:p>
+        </p:txBody>
+      </p:sp>
+      <p:sp>
+        <p:nvSpPr>
+          <p:cNvPr id="30" name="Rectangle 29"/>
+          <p:cNvSpPr/>
+          <p:nvPr/>
+        </p:nvSpPr>
+        <p:spPr>
+          <a:xfrm>
+            <a:off x="2338430" y="2738447"/>
+            <a:ext cx="1233015" cy="576649"/>
+          </a:xfrm>
+          <a:prstGeom prst="rect">
+            <a:avLst/>
+          </a:prstGeom>
+          <a:noFill/>
+          <a:ln>
+            <a:solidFill>
+              <a:schemeClr val="tx1"/>
+            </a:solidFill>
+          </a:ln>
+        </p:spPr>
+        <p:style>
+          <a:lnRef idx="2">
+            <a:schemeClr val="accent1">
+              <a:shade val="50000"/>
+            </a:schemeClr>
+          </a:lnRef>
+          <a:fillRef idx="1">
+            <a:schemeClr val="accent1"/>
+          </a:fillRef>
+          <a:effectRef idx="0">
+            <a:schemeClr val="accent1"/>
+          </a:effectRef>
+          <a:fontRef idx="minor">
+            <a:schemeClr val="lt1"/>
+          </a:fontRef>
+        </p:style>
+        <p:txBody>
+          <a:bodyPr rtlCol="0" anchor="ctr"/>
+          <a:lstStyle/>
+          <a:p>
+            <a:pPr algn="ctr"/>
+            <a:r>
+              <a:rPr lang="en-US" sz="1100" b="1" dirty="0" smtClean="0">
+                <a:solidFill>
+                  <a:schemeClr val="tx1"/>
+                </a:solidFill>
+              </a:rPr>
+              <a:t>Activity Tracking</a:t>
+            </a:r>
+          </a:p>
+          <a:p>
+            <a:pPr algn="ctr"/>
+            <a:r>
+              <a:rPr lang="en-US" sz="1100" b="1" dirty="0" smtClean="0">
+                <a:solidFill>
+                  <a:schemeClr val="tx1"/>
+                </a:solidFill>
+              </a:rPr>
+              <a:t>(MEA)</a:t>
+            </a:r>
+            <a:endParaRPr lang="en-US" sz="1100" b="1" dirty="0">
+              <a:solidFill>
+                <a:schemeClr val="tx1"/>
+              </a:solidFill>
+            </a:endParaRPr>
+          </a:p>
+        </p:txBody>
+      </p:sp>
+      <p:sp>
+        <p:nvSpPr>
+          <p:cNvPr id="31" name="Rectangle 30"/>
+          <p:cNvSpPr/>
+          <p:nvPr/>
+        </p:nvSpPr>
+        <p:spPr>
+          <a:xfrm>
+            <a:off x="4394841" y="2738446"/>
+            <a:ext cx="789450" cy="576649"/>
+          </a:xfrm>
+          <a:prstGeom prst="rect">
+            <a:avLst/>
+          </a:prstGeom>
+          <a:noFill/>
+          <a:ln>
+            <a:solidFill>
+              <a:schemeClr val="tx1"/>
+            </a:solidFill>
+          </a:ln>
+        </p:spPr>
+        <p:style>
+          <a:lnRef idx="2">
+            <a:schemeClr val="accent1">
+              <a:shade val="50000"/>
+            </a:schemeClr>
+          </a:lnRef>
+          <a:fillRef idx="1">
+            <a:schemeClr val="accent1"/>
+          </a:fillRef>
+          <a:effectRef idx="0">
+            <a:schemeClr val="accent1"/>
+          </a:effectRef>
+          <a:fontRef idx="minor">
+            <a:schemeClr val="lt1"/>
+          </a:fontRef>
+        </p:style>
+        <p:txBody>
+          <a:bodyPr rtlCol="0" anchor="ctr"/>
+          <a:lstStyle/>
+          <a:p>
+            <a:pPr algn="ctr"/>
+            <a:r>
+              <a:rPr lang="en-US" sz="1100" b="1" dirty="0" smtClean="0">
+                <a:solidFill>
+                  <a:schemeClr val="tx1"/>
+                </a:solidFill>
+              </a:rPr>
+              <a:t>Migration</a:t>
+            </a:r>
+          </a:p>
+          <a:p>
+            <a:pPr algn="ctr"/>
+            <a:r>
+              <a:rPr lang="en-US" sz="1100" b="1" dirty="0" smtClean="0">
+                <a:solidFill>
+                  <a:schemeClr val="tx1"/>
+                </a:solidFill>
+              </a:rPr>
+              <a:t>Unit</a:t>
+            </a:r>
+            <a:endParaRPr lang="en-US" sz="1100" b="1" dirty="0">
+              <a:solidFill>
+                <a:schemeClr val="tx1"/>
+              </a:solidFill>
+            </a:endParaRPr>
+          </a:p>
+        </p:txBody>
+      </p:sp>
+      <p:sp>
+        <p:nvSpPr>
+          <p:cNvPr id="32" name="Trapezoid 31"/>
+          <p:cNvSpPr/>
+          <p:nvPr/>
+        </p:nvSpPr>
+        <p:spPr>
+          <a:xfrm rot="16200000">
+            <a:off x="5647892" y="2826507"/>
+            <a:ext cx="787039" cy="233951"/>
+          </a:xfrm>
+          <a:prstGeom prst="trapezoid">
+            <a:avLst>
+              <a:gd name="adj" fmla="val 55985"/>
+            </a:avLst>
+          </a:prstGeom>
+          <a:noFill/>
+          <a:ln>
+            <a:solidFill>
+              <a:schemeClr val="tx1"/>
+            </a:solidFill>
+          </a:ln>
+        </p:spPr>
+        <p:style>
+          <a:lnRef idx="2">
+            <a:schemeClr val="accent1">
+              <a:shade val="50000"/>
+            </a:schemeClr>
+          </a:lnRef>
+          <a:fillRef idx="1">
+            <a:schemeClr val="accent1"/>
+          </a:fillRef>
+          <a:effectRef idx="0">
+            <a:schemeClr val="accent1"/>
+          </a:effectRef>
+          <a:fontRef idx="minor">
+            <a:schemeClr val="lt1"/>
+          </a:fontRef>
+        </p:style>
+        <p:txBody>
+          <a:bodyPr rtlCol="0" anchor="ctr"/>
+          <a:lstStyle/>
+          <a:p>
+            <a:pPr algn="ctr"/>
+            <a:endParaRPr lang="en-US"/>
+          </a:p>
+        </p:txBody>
+      </p:sp>
+      <p:sp>
+        <p:nvSpPr>
+          <p:cNvPr id="33" name="Rectangle 32"/>
+          <p:cNvSpPr/>
+          <p:nvPr/>
+        </p:nvSpPr>
+        <p:spPr>
+          <a:xfrm>
+            <a:off x="6417391" y="2530403"/>
+            <a:ext cx="729533" cy="337753"/>
+          </a:xfrm>
+          <a:prstGeom prst="rect">
+            <a:avLst/>
+          </a:prstGeom>
+          <a:noFill/>
+          <a:ln>
+            <a:solidFill>
+              <a:schemeClr val="tx1"/>
+            </a:solidFill>
+          </a:ln>
+        </p:spPr>
+        <p:style>
+          <a:lnRef idx="2">
+            <a:schemeClr val="accent1">
+              <a:shade val="50000"/>
+            </a:schemeClr>
+          </a:lnRef>
+          <a:fillRef idx="1">
+            <a:schemeClr val="accent1"/>
+          </a:fillRef>
+          <a:effectRef idx="0">
+            <a:schemeClr val="accent1"/>
+          </a:effectRef>
+          <a:fontRef idx="minor">
+            <a:schemeClr val="lt1"/>
+          </a:fontRef>
+        </p:style>
+        <p:txBody>
+          <a:bodyPr rtlCol="0" anchor="ctr"/>
+          <a:lstStyle/>
+          <a:p>
+            <a:pPr algn="ctr"/>
+            <a:r>
+              <a:rPr lang="en-US" sz="1100" b="1" dirty="0" smtClean="0">
+                <a:solidFill>
+                  <a:schemeClr val="tx1"/>
+                </a:solidFill>
+              </a:rPr>
+              <a:t>HBM MC</a:t>
+            </a:r>
+            <a:endParaRPr lang="en-US" sz="1100" b="1" dirty="0">
+              <a:solidFill>
+                <a:schemeClr val="tx1"/>
+              </a:solidFill>
+            </a:endParaRPr>
+          </a:p>
+        </p:txBody>
+      </p:sp>
+      <p:sp>
+        <p:nvSpPr>
+          <p:cNvPr id="34" name="Rectangle 33"/>
+          <p:cNvSpPr/>
+          <p:nvPr/>
+        </p:nvSpPr>
+        <p:spPr>
+          <a:xfrm>
+            <a:off x="6417390" y="2987602"/>
+            <a:ext cx="729533" cy="337753"/>
+          </a:xfrm>
+          <a:prstGeom prst="rect">
+            <a:avLst/>
+          </a:prstGeom>
+          <a:noFill/>
+          <a:ln>
+            <a:solidFill>
+              <a:schemeClr val="tx1"/>
+            </a:solidFill>
+          </a:ln>
+        </p:spPr>
+        <p:style>
+          <a:lnRef idx="2">
+            <a:schemeClr val="accent1">
+              <a:shade val="50000"/>
+            </a:schemeClr>
+          </a:lnRef>
+          <a:fillRef idx="1">
+            <a:schemeClr val="accent1"/>
+          </a:fillRef>
+          <a:effectRef idx="0">
+            <a:schemeClr val="accent1"/>
+          </a:effectRef>
+          <a:fontRef idx="minor">
+            <a:schemeClr val="lt1"/>
+          </a:fontRef>
+        </p:style>
+        <p:txBody>
+          <a:bodyPr rtlCol="0" anchor="ctr"/>
+          <a:lstStyle/>
+          <a:p>
+            <a:pPr algn="ctr"/>
+            <a:r>
+              <a:rPr lang="en-US" sz="1100" b="1" dirty="0" smtClean="0">
+                <a:solidFill>
+                  <a:schemeClr val="tx1"/>
+                </a:solidFill>
+              </a:rPr>
+              <a:t>HBM MC</a:t>
+            </a:r>
+            <a:endParaRPr lang="en-US" sz="1100" b="1" dirty="0">
+              <a:solidFill>
+                <a:schemeClr val="tx1"/>
+              </a:solidFill>
+            </a:endParaRPr>
+          </a:p>
+        </p:txBody>
+      </p:sp>
+      <p:sp>
+        <p:nvSpPr>
+          <p:cNvPr id="35" name="Rectangle 34"/>
+          <p:cNvSpPr/>
+          <p:nvPr/>
+        </p:nvSpPr>
+        <p:spPr>
+          <a:xfrm>
+            <a:off x="6417390" y="3406701"/>
+            <a:ext cx="729533" cy="337753"/>
+          </a:xfrm>
+          <a:prstGeom prst="rect">
+            <a:avLst/>
+          </a:prstGeom>
+          <a:noFill/>
+          <a:ln>
+            <a:solidFill>
+              <a:schemeClr val="tx1"/>
+            </a:solidFill>
+          </a:ln>
+        </p:spPr>
+        <p:style>
+          <a:lnRef idx="2">
+            <a:schemeClr val="accent1">
+              <a:shade val="50000"/>
+            </a:schemeClr>
+          </a:lnRef>
+          <a:fillRef idx="1">
+            <a:schemeClr val="accent1"/>
+          </a:fillRef>
+          <a:effectRef idx="0">
+            <a:schemeClr val="accent1"/>
+          </a:effectRef>
+          <a:fontRef idx="minor">
+            <a:schemeClr val="lt1"/>
+          </a:fontRef>
+        </p:style>
+        <p:txBody>
+          <a:bodyPr rtlCol="0" anchor="ctr"/>
+          <a:lstStyle/>
+          <a:p>
+            <a:pPr algn="ctr"/>
+            <a:r>
+              <a:rPr lang="en-US" sz="1100" b="1" dirty="0" smtClean="0">
+                <a:solidFill>
+                  <a:schemeClr val="tx1"/>
+                </a:solidFill>
+              </a:rPr>
+              <a:t>DDR MC</a:t>
+            </a:r>
+            <a:endParaRPr lang="en-US" sz="1100" b="1" dirty="0">
+              <a:solidFill>
+                <a:schemeClr val="tx1"/>
+              </a:solidFill>
+            </a:endParaRPr>
+          </a:p>
+        </p:txBody>
+      </p:sp>
+      <p:cxnSp>
+        <p:nvCxnSpPr>
+          <p:cNvPr id="42" name="Straight Arrow Connector 41"/>
+          <p:cNvCxnSpPr>
+            <a:endCxn id="34" idx="1"/>
+          </p:cNvCxnSpPr>
+          <p:nvPr/>
+        </p:nvCxnSpPr>
+        <p:spPr>
+          <a:xfrm flipV="1">
+            <a:off x="6155277" y="3156479"/>
+            <a:ext cx="262113" cy="1"/>
+          </a:xfrm>
+          <a:prstGeom prst="straightConnector1">
+            <a:avLst/>
+          </a:prstGeom>
+          <a:ln w="25400">
+            <a:solidFill>
+              <a:schemeClr val="tx1"/>
+            </a:solidFill>
+            <a:tailEnd type="triangle"/>
+          </a:ln>
+        </p:spPr>
+        <p:style>
+          <a:lnRef idx="1">
+            <a:schemeClr val="accent1"/>
+          </a:lnRef>
+          <a:fillRef idx="0">
+            <a:schemeClr val="accent1"/>
+          </a:fillRef>
+          <a:effectRef idx="0">
+            <a:schemeClr val="accent1"/>
+          </a:effectRef>
+          <a:fontRef idx="minor">
+            <a:schemeClr val="tx1"/>
+          </a:fontRef>
+        </p:style>
+      </p:cxnSp>
+      <p:cxnSp>
+        <p:nvCxnSpPr>
+          <p:cNvPr id="43" name="Straight Arrow Connector 42"/>
+          <p:cNvCxnSpPr>
+            <a:endCxn id="33" idx="1"/>
+          </p:cNvCxnSpPr>
+          <p:nvPr/>
+        </p:nvCxnSpPr>
+        <p:spPr>
+          <a:xfrm>
+            <a:off x="6155277" y="2699280"/>
+            <a:ext cx="262114" cy="0"/>
+          </a:xfrm>
+          <a:prstGeom prst="straightConnector1">
+            <a:avLst/>
+          </a:prstGeom>
+          <a:ln w="25400">
+            <a:solidFill>
+              <a:schemeClr val="tx1"/>
+            </a:solidFill>
+            <a:tailEnd type="triangle"/>
+          </a:ln>
+        </p:spPr>
+        <p:style>
+          <a:lnRef idx="1">
+            <a:schemeClr val="accent1"/>
+          </a:lnRef>
+          <a:fillRef idx="0">
+            <a:schemeClr val="accent1"/>
+          </a:fillRef>
+          <a:effectRef idx="0">
+            <a:schemeClr val="accent1"/>
+          </a:effectRef>
+          <a:fontRef idx="minor">
+            <a:schemeClr val="tx1"/>
+          </a:fontRef>
+        </p:style>
+      </p:cxnSp>
+      <p:sp>
+        <p:nvSpPr>
+          <p:cNvPr id="61" name="Rectangle 60"/>
+          <p:cNvSpPr/>
+          <p:nvPr/>
+        </p:nvSpPr>
+        <p:spPr>
+          <a:xfrm>
+            <a:off x="2042469" y="1933575"/>
+            <a:ext cx="4234531" cy="1971675"/>
+          </a:xfrm>
+          <a:prstGeom prst="rect">
+            <a:avLst/>
+          </a:prstGeom>
+          <a:noFill/>
+          <a:ln w="19050">
+            <a:solidFill>
+              <a:schemeClr val="tx1"/>
+            </a:solidFill>
+            <a:prstDash val="dash"/>
+          </a:ln>
+        </p:spPr>
+        <p:style>
+          <a:lnRef idx="2">
+            <a:schemeClr val="accent1">
+              <a:shade val="50000"/>
+            </a:schemeClr>
+          </a:lnRef>
+          <a:fillRef idx="1">
+            <a:schemeClr val="accent1"/>
+          </a:fillRef>
+          <a:effectRef idx="0">
+            <a:schemeClr val="accent1"/>
+          </a:effectRef>
+          <a:fontRef idx="minor">
+            <a:schemeClr val="lt1"/>
+          </a:fontRef>
+        </p:style>
+        <p:txBody>
+          <a:bodyPr rtlCol="0" anchor="ctr"/>
+          <a:lstStyle/>
+          <a:p>
+            <a:pPr algn="ctr"/>
+            <a:endParaRPr lang="en-US"/>
+          </a:p>
+        </p:txBody>
+      </p:sp>
+      <p:sp>
+        <p:nvSpPr>
+          <p:cNvPr id="62" name="TextBox 61"/>
+          <p:cNvSpPr txBox="1"/>
+          <p:nvPr/>
+        </p:nvSpPr>
+        <p:spPr>
+          <a:xfrm>
+            <a:off x="1959036" y="1684944"/>
+            <a:ext cx="2525290" cy="261610"/>
+          </a:xfrm>
+          <a:prstGeom prst="rect">
+            <a:avLst/>
+          </a:prstGeom>
+          <a:noFill/>
+        </p:spPr>
+        <p:txBody>
+          <a:bodyPr wrap="square" rtlCol="0">
+            <a:spAutoFit/>
+          </a:bodyPr>
+          <a:lstStyle/>
+          <a:p>
+            <a:r>
+              <a:rPr lang="en-US" sz="1100" b="1" dirty="0" smtClean="0"/>
+              <a:t>Pod – Migration Interval</a:t>
+            </a:r>
+            <a:endParaRPr lang="en-US" sz="1100" b="1" dirty="0"/>
+          </a:p>
+        </p:txBody>
+      </p:sp>
+      <p:cxnSp>
+        <p:nvCxnSpPr>
+          <p:cNvPr id="65" name="Straight Arrow Connector 64"/>
+          <p:cNvCxnSpPr/>
+          <p:nvPr/>
+        </p:nvCxnSpPr>
+        <p:spPr>
+          <a:xfrm>
+            <a:off x="1190625" y="2147897"/>
+            <a:ext cx="851844" cy="0"/>
+          </a:xfrm>
+          <a:prstGeom prst="straightConnector1">
+            <a:avLst/>
+          </a:prstGeom>
+          <a:ln w="25400">
+            <a:solidFill>
+              <a:schemeClr val="tx1"/>
+            </a:solidFill>
+            <a:tailEnd type="triangle"/>
+          </a:ln>
+        </p:spPr>
+        <p:style>
+          <a:lnRef idx="1">
+            <a:schemeClr val="accent1"/>
+          </a:lnRef>
+          <a:fillRef idx="0">
+            <a:schemeClr val="accent1"/>
+          </a:fillRef>
+          <a:effectRef idx="0">
+            <a:schemeClr val="accent1"/>
+          </a:effectRef>
+          <a:fontRef idx="minor">
+            <a:schemeClr val="tx1"/>
+          </a:fontRef>
+        </p:style>
+      </p:cxnSp>
+      <p:sp>
+        <p:nvSpPr>
+          <p:cNvPr id="66" name="TextBox 65"/>
+          <p:cNvSpPr txBox="1"/>
+          <p:nvPr/>
+        </p:nvSpPr>
+        <p:spPr>
+          <a:xfrm>
+            <a:off x="1213042" y="1929958"/>
+            <a:ext cx="960485" cy="261610"/>
+          </a:xfrm>
+          <a:prstGeom prst="rect">
+            <a:avLst/>
+          </a:prstGeom>
+          <a:noFill/>
+        </p:spPr>
+        <p:txBody>
+          <a:bodyPr wrap="square" rtlCol="0">
+            <a:spAutoFit/>
+          </a:bodyPr>
+          <a:lstStyle/>
+          <a:p>
+            <a:r>
+              <a:rPr lang="en-US" sz="1100" b="1" dirty="0" smtClean="0"/>
+              <a:t>Interval</a:t>
+            </a:r>
+            <a:endParaRPr lang="en-US" sz="1100" b="1" dirty="0"/>
+          </a:p>
+        </p:txBody>
+      </p:sp>
+      <p:cxnSp>
+        <p:nvCxnSpPr>
+          <p:cNvPr id="67" name="Straight Arrow Connector 66"/>
+          <p:cNvCxnSpPr/>
+          <p:nvPr/>
+        </p:nvCxnSpPr>
+        <p:spPr>
+          <a:xfrm flipH="1">
+            <a:off x="1181101" y="2409507"/>
+            <a:ext cx="851842" cy="1"/>
+          </a:xfrm>
+          <a:prstGeom prst="straightConnector1">
+            <a:avLst/>
+          </a:prstGeom>
+          <a:ln w="25400">
+            <a:solidFill>
+              <a:schemeClr val="tx1"/>
+            </a:solidFill>
+            <a:tailEnd type="triangle"/>
+          </a:ln>
+        </p:spPr>
+        <p:style>
+          <a:lnRef idx="1">
+            <a:schemeClr val="accent1"/>
+          </a:lnRef>
+          <a:fillRef idx="0">
+            <a:schemeClr val="accent1"/>
+          </a:fillRef>
+          <a:effectRef idx="0">
+            <a:schemeClr val="accent1"/>
+          </a:effectRef>
+          <a:fontRef idx="minor">
+            <a:schemeClr val="tx1"/>
+          </a:fontRef>
+        </p:style>
+      </p:cxnSp>
+      <p:sp>
+        <p:nvSpPr>
+          <p:cNvPr id="68" name="TextBox 67"/>
+          <p:cNvSpPr txBox="1"/>
+          <p:nvPr/>
+        </p:nvSpPr>
+        <p:spPr>
+          <a:xfrm>
+            <a:off x="1184468" y="2185968"/>
+            <a:ext cx="960485" cy="261610"/>
+          </a:xfrm>
+          <a:prstGeom prst="rect">
+            <a:avLst/>
+          </a:prstGeom>
+          <a:noFill/>
+        </p:spPr>
+        <p:txBody>
+          <a:bodyPr wrap="square" rtlCol="0">
+            <a:spAutoFit/>
+          </a:bodyPr>
+          <a:lstStyle/>
+          <a:p>
+            <a:r>
+              <a:rPr lang="en-US" sz="1100" b="1" dirty="0" smtClean="0"/>
+              <a:t>Stop Traffic</a:t>
+            </a:r>
+            <a:endParaRPr lang="en-US" sz="1100" b="1" dirty="0"/>
+          </a:p>
+        </p:txBody>
+      </p:sp>
+      <p:cxnSp>
+        <p:nvCxnSpPr>
+          <p:cNvPr id="69" name="Straight Arrow Connector 68"/>
+          <p:cNvCxnSpPr/>
+          <p:nvPr/>
+        </p:nvCxnSpPr>
+        <p:spPr>
+          <a:xfrm>
+            <a:off x="3571445" y="2828926"/>
+            <a:ext cx="813871" cy="0"/>
+          </a:xfrm>
+          <a:prstGeom prst="straightConnector1">
+            <a:avLst/>
+          </a:prstGeom>
+          <a:ln w="25400">
+            <a:solidFill>
+              <a:schemeClr val="tx1"/>
+            </a:solidFill>
+            <a:tailEnd type="triangle"/>
+          </a:ln>
+        </p:spPr>
+        <p:style>
+          <a:lnRef idx="1">
+            <a:schemeClr val="accent1"/>
+          </a:lnRef>
+          <a:fillRef idx="0">
+            <a:schemeClr val="accent1"/>
+          </a:fillRef>
+          <a:effectRef idx="0">
+            <a:schemeClr val="accent1"/>
+          </a:effectRef>
+          <a:fontRef idx="minor">
+            <a:schemeClr val="tx1"/>
+          </a:fontRef>
+        </p:style>
+      </p:cxnSp>
+      <p:sp>
+        <p:nvSpPr>
+          <p:cNvPr id="70" name="TextBox 69"/>
+          <p:cNvSpPr txBox="1"/>
+          <p:nvPr/>
+        </p:nvSpPr>
+        <p:spPr>
+          <a:xfrm>
+            <a:off x="3761945" y="2652712"/>
+            <a:ext cx="562405" cy="215444"/>
+          </a:xfrm>
+          <a:prstGeom prst="rect">
+            <a:avLst/>
+          </a:prstGeom>
+          <a:noFill/>
+        </p:spPr>
+        <p:txBody>
+          <a:bodyPr wrap="square" rtlCol="0">
+            <a:spAutoFit/>
+          </a:bodyPr>
+          <a:lstStyle/>
+          <a:p>
+            <a:r>
+              <a:rPr lang="en-US" sz="800" b="1" dirty="0" smtClean="0"/>
+              <a:t>Hot Page</a:t>
+            </a:r>
+            <a:endParaRPr lang="en-US" sz="800" b="1" dirty="0"/>
+          </a:p>
+        </p:txBody>
+      </p:sp>
+      <p:cxnSp>
+        <p:nvCxnSpPr>
+          <p:cNvPr id="71" name="Straight Arrow Connector 70"/>
+          <p:cNvCxnSpPr/>
+          <p:nvPr/>
+        </p:nvCxnSpPr>
+        <p:spPr>
+          <a:xfrm>
+            <a:off x="3580970" y="3133726"/>
+            <a:ext cx="804346" cy="0"/>
+          </a:xfrm>
+          <a:prstGeom prst="straightConnector1">
+            <a:avLst/>
+          </a:prstGeom>
+          <a:ln w="25400">
+            <a:solidFill>
+              <a:schemeClr val="tx1"/>
+            </a:solidFill>
+            <a:tailEnd type="triangle"/>
+          </a:ln>
+        </p:spPr>
+        <p:style>
+          <a:lnRef idx="1">
+            <a:schemeClr val="accent1"/>
+          </a:lnRef>
+          <a:fillRef idx="0">
+            <a:schemeClr val="accent1"/>
+          </a:fillRef>
+          <a:effectRef idx="0">
+            <a:schemeClr val="accent1"/>
+          </a:effectRef>
+          <a:fontRef idx="minor">
+            <a:schemeClr val="tx1"/>
+          </a:fontRef>
+        </p:style>
+      </p:cxnSp>
+      <p:sp>
+        <p:nvSpPr>
+          <p:cNvPr id="72" name="TextBox 71"/>
+          <p:cNvSpPr txBox="1"/>
+          <p:nvPr/>
+        </p:nvSpPr>
+        <p:spPr>
+          <a:xfrm>
+            <a:off x="3752420" y="3109912"/>
+            <a:ext cx="641477" cy="215444"/>
+          </a:xfrm>
+          <a:prstGeom prst="rect">
+            <a:avLst/>
+          </a:prstGeom>
+          <a:noFill/>
+        </p:spPr>
+        <p:txBody>
+          <a:bodyPr wrap="square" rtlCol="0">
+            <a:spAutoFit/>
+          </a:bodyPr>
+          <a:lstStyle/>
+          <a:p>
+            <a:r>
+              <a:rPr lang="en-US" sz="800" b="1" dirty="0" smtClean="0"/>
+              <a:t>Cold Page</a:t>
+            </a:r>
+            <a:endParaRPr lang="en-US" sz="800" b="1" dirty="0"/>
+          </a:p>
+        </p:txBody>
+      </p:sp>
+      <p:cxnSp>
+        <p:nvCxnSpPr>
+          <p:cNvPr id="73" name="Straight Arrow Connector 72"/>
+          <p:cNvCxnSpPr/>
+          <p:nvPr/>
+        </p:nvCxnSpPr>
+        <p:spPr>
+          <a:xfrm>
+            <a:off x="5179528" y="2858925"/>
+            <a:ext cx="745022" cy="0"/>
+          </a:xfrm>
+          <a:prstGeom prst="straightConnector1">
+            <a:avLst/>
+          </a:prstGeom>
+          <a:ln w="25400">
+            <a:solidFill>
+              <a:schemeClr val="tx1"/>
+            </a:solidFill>
+            <a:tailEnd type="triangle"/>
+          </a:ln>
+        </p:spPr>
+        <p:style>
+          <a:lnRef idx="1">
+            <a:schemeClr val="accent1"/>
+          </a:lnRef>
+          <a:fillRef idx="0">
+            <a:schemeClr val="accent1"/>
+          </a:fillRef>
+          <a:effectRef idx="0">
+            <a:schemeClr val="accent1"/>
+          </a:effectRef>
+          <a:fontRef idx="minor">
+            <a:schemeClr val="tx1"/>
+          </a:fontRef>
+        </p:style>
+      </p:cxnSp>
+      <p:sp>
+        <p:nvSpPr>
+          <p:cNvPr id="97" name="TextBox 96"/>
+          <p:cNvSpPr txBox="1"/>
+          <p:nvPr/>
+        </p:nvSpPr>
+        <p:spPr>
+          <a:xfrm>
+            <a:off x="5190475" y="2678340"/>
+            <a:ext cx="673669" cy="215444"/>
+          </a:xfrm>
+          <a:prstGeom prst="rect">
+            <a:avLst/>
+          </a:prstGeom>
+          <a:noFill/>
+        </p:spPr>
+        <p:txBody>
+          <a:bodyPr wrap="square" rtlCol="0">
+            <a:spAutoFit/>
+          </a:bodyPr>
+          <a:lstStyle/>
+          <a:p>
+            <a:r>
+              <a:rPr lang="en-US" sz="800" b="1" dirty="0" smtClean="0"/>
+              <a:t>32 x Read</a:t>
+            </a:r>
+            <a:endParaRPr lang="en-US" sz="800" b="1" dirty="0"/>
+          </a:p>
+        </p:txBody>
+      </p:sp>
+      <p:cxnSp>
+        <p:nvCxnSpPr>
+          <p:cNvPr id="99" name="Straight Connector 98"/>
+          <p:cNvCxnSpPr/>
+          <p:nvPr/>
+        </p:nvCxnSpPr>
+        <p:spPr>
+          <a:xfrm flipV="1">
+            <a:off x="5050083" y="2455069"/>
+            <a:ext cx="0" cy="292006"/>
+          </a:xfrm>
+          <a:prstGeom prst="line">
+            <a:avLst/>
+          </a:prstGeom>
+          <a:ln w="25400">
+            <a:solidFill>
+              <a:schemeClr val="tx1"/>
+            </a:solidFill>
+          </a:ln>
+        </p:spPr>
+        <p:style>
+          <a:lnRef idx="1">
+            <a:schemeClr val="accent1"/>
+          </a:lnRef>
+          <a:fillRef idx="0">
+            <a:schemeClr val="accent1"/>
+          </a:fillRef>
+          <a:effectRef idx="0">
+            <a:schemeClr val="accent1"/>
+          </a:effectRef>
+          <a:fontRef idx="minor">
+            <a:schemeClr val="tx1"/>
+          </a:fontRef>
+        </p:style>
+      </p:cxnSp>
+      <p:cxnSp>
+        <p:nvCxnSpPr>
+          <p:cNvPr id="100" name="Straight Connector 99"/>
+          <p:cNvCxnSpPr/>
+          <p:nvPr/>
+        </p:nvCxnSpPr>
+        <p:spPr>
+          <a:xfrm>
+            <a:off x="5038178" y="2467890"/>
+            <a:ext cx="996926" cy="0"/>
+          </a:xfrm>
+          <a:prstGeom prst="line">
+            <a:avLst/>
+          </a:prstGeom>
+          <a:ln w="25400">
+            <a:solidFill>
+              <a:schemeClr val="tx1"/>
+            </a:solidFill>
+          </a:ln>
+        </p:spPr>
+        <p:style>
+          <a:lnRef idx="1">
+            <a:schemeClr val="accent1"/>
+          </a:lnRef>
+          <a:fillRef idx="0">
+            <a:schemeClr val="accent1"/>
+          </a:fillRef>
+          <a:effectRef idx="0">
+            <a:schemeClr val="accent1"/>
+          </a:effectRef>
+          <a:fontRef idx="minor">
+            <a:schemeClr val="tx1"/>
+          </a:fontRef>
+        </p:style>
+      </p:cxnSp>
+      <p:cxnSp>
+        <p:nvCxnSpPr>
+          <p:cNvPr id="104" name="Straight Arrow Connector 103"/>
+          <p:cNvCxnSpPr/>
+          <p:nvPr/>
+        </p:nvCxnSpPr>
+        <p:spPr>
+          <a:xfrm>
+            <a:off x="6035104" y="2457450"/>
+            <a:ext cx="0" cy="162666"/>
+          </a:xfrm>
+          <a:prstGeom prst="straightConnector1">
+            <a:avLst/>
+          </a:prstGeom>
+          <a:ln w="25400">
+            <a:solidFill>
+              <a:schemeClr val="tx1"/>
+            </a:solidFill>
+            <a:tailEnd type="triangle"/>
+          </a:ln>
+        </p:spPr>
+        <p:style>
+          <a:lnRef idx="1">
+            <a:schemeClr val="accent1"/>
+          </a:lnRef>
+          <a:fillRef idx="0">
+            <a:schemeClr val="accent1"/>
+          </a:fillRef>
+          <a:effectRef idx="0">
+            <a:schemeClr val="accent1"/>
+          </a:effectRef>
+          <a:fontRef idx="minor">
+            <a:schemeClr val="tx1"/>
+          </a:fontRef>
+        </p:style>
+      </p:cxnSp>
+      <p:sp>
+        <p:nvSpPr>
+          <p:cNvPr id="123" name="TextBox 122"/>
+          <p:cNvSpPr txBox="1"/>
+          <p:nvPr/>
+        </p:nvSpPr>
+        <p:spPr>
+          <a:xfrm>
+            <a:off x="5253939" y="2279747"/>
+            <a:ext cx="673669" cy="215444"/>
+          </a:xfrm>
+          <a:prstGeom prst="rect">
+            <a:avLst/>
+          </a:prstGeom>
+          <a:noFill/>
+        </p:spPr>
+        <p:txBody>
+          <a:bodyPr wrap="square" rtlCol="0">
+            <a:spAutoFit/>
+          </a:bodyPr>
+          <a:lstStyle/>
+          <a:p>
+            <a:r>
+              <a:rPr lang="en-US" sz="800" b="1" dirty="0" smtClean="0"/>
+              <a:t>MC ID</a:t>
+            </a:r>
+            <a:endParaRPr lang="en-US" sz="800" b="1" dirty="0"/>
+          </a:p>
+        </p:txBody>
+      </p:sp>
+      <p:cxnSp>
+        <p:nvCxnSpPr>
+          <p:cNvPr id="125" name="Elbow Connector 124"/>
+          <p:cNvCxnSpPr>
+            <a:stCxn id="31" idx="2"/>
+          </p:cNvCxnSpPr>
+          <p:nvPr/>
+        </p:nvCxnSpPr>
+        <p:spPr>
+          <a:xfrm rot="16200000" flipH="1">
+            <a:off x="5413215" y="2691446"/>
+            <a:ext cx="375843" cy="1623140"/>
+          </a:xfrm>
+          <a:prstGeom prst="bentConnector2">
+            <a:avLst/>
+          </a:prstGeom>
+          <a:ln w="25400">
+            <a:solidFill>
+              <a:schemeClr val="tx1"/>
+            </a:solidFill>
+            <a:tailEnd type="triangle"/>
+          </a:ln>
+        </p:spPr>
+        <p:style>
+          <a:lnRef idx="1">
+            <a:schemeClr val="accent1"/>
+          </a:lnRef>
+          <a:fillRef idx="0">
+            <a:schemeClr val="accent1"/>
+          </a:fillRef>
+          <a:effectRef idx="0">
+            <a:schemeClr val="accent1"/>
+          </a:effectRef>
+          <a:fontRef idx="minor">
+            <a:schemeClr val="tx1"/>
+          </a:fontRef>
+        </p:style>
+      </p:cxnSp>
+      <p:sp>
+        <p:nvSpPr>
+          <p:cNvPr id="129" name="TextBox 128"/>
+          <p:cNvSpPr txBox="1"/>
+          <p:nvPr/>
+        </p:nvSpPr>
+        <p:spPr>
+          <a:xfrm>
+            <a:off x="5190475" y="3530887"/>
+            <a:ext cx="673669" cy="215444"/>
+          </a:xfrm>
+          <a:prstGeom prst="rect">
+            <a:avLst/>
+          </a:prstGeom>
+          <a:noFill/>
+        </p:spPr>
+        <p:txBody>
+          <a:bodyPr wrap="square" rtlCol="0">
+            <a:spAutoFit/>
+          </a:bodyPr>
+          <a:lstStyle/>
+          <a:p>
+            <a:r>
+              <a:rPr lang="en-US" sz="800" b="1" dirty="0" smtClean="0"/>
+              <a:t>32 x Read</a:t>
+            </a:r>
+            <a:endParaRPr lang="en-US" sz="800" b="1" dirty="0"/>
+          </a:p>
+        </p:txBody>
+      </p:sp>
+      <p:cxnSp>
+        <p:nvCxnSpPr>
+          <p:cNvPr id="135" name="Elbow Connector 134"/>
+          <p:cNvCxnSpPr/>
+          <p:nvPr/>
+        </p:nvCxnSpPr>
+        <p:spPr>
+          <a:xfrm>
+            <a:off x="4950881" y="3315095"/>
+            <a:ext cx="1461349" cy="159625"/>
+          </a:xfrm>
+          <a:prstGeom prst="bentConnector3">
+            <a:avLst>
+              <a:gd name="adj1" fmla="val 464"/>
+            </a:avLst>
+          </a:prstGeom>
+          <a:ln w="25400">
+            <a:solidFill>
+              <a:schemeClr val="tx1"/>
+            </a:solidFill>
+            <a:tailEnd type="triangle"/>
+          </a:ln>
+        </p:spPr>
+        <p:style>
+          <a:lnRef idx="1">
+            <a:schemeClr val="accent1"/>
+          </a:lnRef>
+          <a:fillRef idx="0">
+            <a:schemeClr val="accent1"/>
+          </a:fillRef>
+          <a:effectRef idx="0">
+            <a:schemeClr val="accent1"/>
+          </a:effectRef>
+          <a:fontRef idx="minor">
+            <a:schemeClr val="tx1"/>
+          </a:fontRef>
+        </p:style>
+      </p:cxnSp>
+      <p:sp>
+        <p:nvSpPr>
+          <p:cNvPr id="140" name="TextBox 139"/>
+          <p:cNvSpPr txBox="1"/>
+          <p:nvPr/>
+        </p:nvSpPr>
+        <p:spPr>
+          <a:xfrm>
+            <a:off x="5182094" y="3303654"/>
+            <a:ext cx="673669" cy="215444"/>
+          </a:xfrm>
+          <a:prstGeom prst="rect">
+            <a:avLst/>
+          </a:prstGeom>
+          <a:noFill/>
+        </p:spPr>
+        <p:txBody>
+          <a:bodyPr wrap="square" rtlCol="0">
+            <a:spAutoFit/>
+          </a:bodyPr>
+          <a:lstStyle/>
+          <a:p>
+            <a:r>
+              <a:rPr lang="en-US" sz="800" b="1" dirty="0" smtClean="0"/>
+              <a:t>32 x Write</a:t>
+            </a:r>
+            <a:endParaRPr lang="en-US" sz="800" b="1" dirty="0"/>
+          </a:p>
+        </p:txBody>
+      </p:sp>
+      <p:cxnSp>
+        <p:nvCxnSpPr>
+          <p:cNvPr id="141" name="Straight Arrow Connector 140"/>
+          <p:cNvCxnSpPr/>
+          <p:nvPr/>
+        </p:nvCxnSpPr>
+        <p:spPr>
+          <a:xfrm>
+            <a:off x="5187148" y="3095290"/>
+            <a:ext cx="745022" cy="0"/>
+          </a:xfrm>
+          <a:prstGeom prst="straightConnector1">
+            <a:avLst/>
+          </a:prstGeom>
+          <a:ln w="25400">
+            <a:solidFill>
+              <a:schemeClr val="tx1"/>
+            </a:solidFill>
+            <a:tailEnd type="triangle"/>
+          </a:ln>
+        </p:spPr>
+        <p:style>
+          <a:lnRef idx="1">
+            <a:schemeClr val="accent1"/>
+          </a:lnRef>
+          <a:fillRef idx="0">
+            <a:schemeClr val="accent1"/>
+          </a:fillRef>
+          <a:effectRef idx="0">
+            <a:schemeClr val="accent1"/>
+          </a:effectRef>
+          <a:fontRef idx="minor">
+            <a:schemeClr val="tx1"/>
+          </a:fontRef>
+        </p:style>
+      </p:cxnSp>
+      <p:sp>
+        <p:nvSpPr>
+          <p:cNvPr id="142" name="TextBox 141"/>
+          <p:cNvSpPr txBox="1"/>
+          <p:nvPr/>
+        </p:nvSpPr>
+        <p:spPr>
+          <a:xfrm>
+            <a:off x="5198095" y="2914705"/>
+            <a:ext cx="673669" cy="215444"/>
+          </a:xfrm>
+          <a:prstGeom prst="rect">
+            <a:avLst/>
+          </a:prstGeom>
+          <a:noFill/>
+        </p:spPr>
+        <p:txBody>
+          <a:bodyPr wrap="square" rtlCol="0">
+            <a:spAutoFit/>
+          </a:bodyPr>
+          <a:lstStyle/>
+          <a:p>
+            <a:r>
+              <a:rPr lang="en-US" sz="800" b="1" dirty="0" smtClean="0"/>
+              <a:t>32 x Write</a:t>
+            </a:r>
+            <a:endParaRPr lang="en-US" sz="800" b="1" dirty="0"/>
+          </a:p>
+        </p:txBody>
+      </p:sp>
+      <p:sp>
+        <p:nvSpPr>
+          <p:cNvPr id="144" name="Oval 143"/>
+          <p:cNvSpPr/>
+          <p:nvPr/>
+        </p:nvSpPr>
+        <p:spPr>
+          <a:xfrm>
+            <a:off x="1080583" y="2199367"/>
+            <a:ext cx="142938" cy="142938"/>
+          </a:xfrm>
+          <a:prstGeom prst="ellipse">
+            <a:avLst/>
+          </a:prstGeom>
+          <a:solidFill>
+            <a:schemeClr val="tx1"/>
+          </a:solidFill>
+          <a:ln>
+            <a:solidFill>
+              <a:schemeClr val="tx1"/>
+            </a:solidFill>
+          </a:ln>
+        </p:spPr>
+        <p:style>
+          <a:lnRef idx="2">
+            <a:schemeClr val="accent1">
+              <a:shade val="50000"/>
+            </a:schemeClr>
+          </a:lnRef>
+          <a:fillRef idx="1">
+            <a:schemeClr val="accent1"/>
+          </a:fillRef>
+          <a:effectRef idx="0">
+            <a:schemeClr val="accent1"/>
+          </a:effectRef>
+          <a:fontRef idx="minor">
+            <a:schemeClr val="lt1"/>
+          </a:fontRef>
+        </p:style>
+        <p:txBody>
+          <a:bodyPr rtlCol="0" anchor="ctr"/>
+          <a:lstStyle/>
+          <a:p>
+            <a:pPr algn="ctr"/>
+            <a:r>
+              <a:rPr lang="en-US" sz="700" b="1" dirty="0" smtClean="0"/>
+              <a:t>1</a:t>
+            </a:r>
+            <a:endParaRPr lang="en-US" sz="700" b="1" dirty="0"/>
+          </a:p>
+        </p:txBody>
+      </p:sp>
+      <p:sp>
+        <p:nvSpPr>
+          <p:cNvPr id="145" name="Oval 144"/>
+          <p:cNvSpPr/>
+          <p:nvPr/>
+        </p:nvSpPr>
+        <p:spPr>
+          <a:xfrm>
+            <a:off x="4092097" y="2903324"/>
+            <a:ext cx="142938" cy="142938"/>
+          </a:xfrm>
+          <a:prstGeom prst="ellipse">
+            <a:avLst/>
+          </a:prstGeom>
+          <a:solidFill>
+            <a:schemeClr val="tx1"/>
+          </a:solidFill>
+          <a:ln>
+            <a:solidFill>
+              <a:schemeClr val="tx1"/>
+            </a:solidFill>
+          </a:ln>
+        </p:spPr>
+        <p:style>
+          <a:lnRef idx="2">
+            <a:schemeClr val="accent1">
+              <a:shade val="50000"/>
+            </a:schemeClr>
+          </a:lnRef>
+          <a:fillRef idx="1">
+            <a:schemeClr val="accent1"/>
+          </a:fillRef>
+          <a:effectRef idx="0">
+            <a:schemeClr val="accent1"/>
+          </a:effectRef>
+          <a:fontRef idx="minor">
+            <a:schemeClr val="lt1"/>
+          </a:fontRef>
+        </p:style>
+        <p:txBody>
+          <a:bodyPr rtlCol="0" anchor="ctr"/>
+          <a:lstStyle/>
+          <a:p>
+            <a:pPr algn="ctr"/>
+            <a:r>
+              <a:rPr lang="en-US" sz="700" b="1" dirty="0" smtClean="0"/>
+              <a:t>2</a:t>
+            </a:r>
+            <a:endParaRPr lang="en-US" sz="700" b="1" dirty="0"/>
+          </a:p>
+        </p:txBody>
+      </p:sp>
+      <p:sp>
+        <p:nvSpPr>
+          <p:cNvPr id="146" name="Oval 145"/>
+          <p:cNvSpPr/>
+          <p:nvPr/>
+        </p:nvSpPr>
+        <p:spPr>
+          <a:xfrm>
+            <a:off x="5726543" y="2682618"/>
+            <a:ext cx="142938" cy="142938"/>
+          </a:xfrm>
+          <a:prstGeom prst="ellipse">
+            <a:avLst/>
+          </a:prstGeom>
+          <a:solidFill>
+            <a:schemeClr val="tx1"/>
+          </a:solidFill>
+          <a:ln>
+            <a:solidFill>
+              <a:schemeClr val="tx1"/>
+            </a:solidFill>
+          </a:ln>
+        </p:spPr>
+        <p:style>
+          <a:lnRef idx="2">
+            <a:schemeClr val="accent1">
+              <a:shade val="50000"/>
+            </a:schemeClr>
+          </a:lnRef>
+          <a:fillRef idx="1">
+            <a:schemeClr val="accent1"/>
+          </a:fillRef>
+          <a:effectRef idx="0">
+            <a:schemeClr val="accent1"/>
+          </a:effectRef>
+          <a:fontRef idx="minor">
+            <a:schemeClr val="lt1"/>
+          </a:fontRef>
+        </p:style>
+        <p:txBody>
+          <a:bodyPr rtlCol="0" anchor="ctr"/>
+          <a:lstStyle/>
+          <a:p>
+            <a:pPr algn="ctr"/>
+            <a:r>
+              <a:rPr lang="en-US" sz="700" b="1" dirty="0" smtClean="0"/>
+              <a:t>3</a:t>
+            </a:r>
+            <a:endParaRPr lang="en-US" sz="700" b="1" dirty="0"/>
+          </a:p>
+        </p:txBody>
+      </p:sp>
+      <p:sp>
+        <p:nvSpPr>
+          <p:cNvPr id="147" name="Oval 146"/>
+          <p:cNvSpPr/>
+          <p:nvPr/>
+        </p:nvSpPr>
+        <p:spPr>
+          <a:xfrm>
+            <a:off x="5740918" y="3521745"/>
+            <a:ext cx="142938" cy="142938"/>
+          </a:xfrm>
+          <a:prstGeom prst="ellipse">
+            <a:avLst/>
+          </a:prstGeom>
+          <a:solidFill>
+            <a:schemeClr val="tx1"/>
+          </a:solidFill>
+          <a:ln>
+            <a:solidFill>
+              <a:schemeClr val="tx1"/>
+            </a:solidFill>
+          </a:ln>
+        </p:spPr>
+        <p:style>
+          <a:lnRef idx="2">
+            <a:schemeClr val="accent1">
+              <a:shade val="50000"/>
+            </a:schemeClr>
+          </a:lnRef>
+          <a:fillRef idx="1">
+            <a:schemeClr val="accent1"/>
+          </a:fillRef>
+          <a:effectRef idx="0">
+            <a:schemeClr val="accent1"/>
+          </a:effectRef>
+          <a:fontRef idx="minor">
+            <a:schemeClr val="lt1"/>
+          </a:fontRef>
+        </p:style>
+        <p:txBody>
+          <a:bodyPr rtlCol="0" anchor="ctr"/>
+          <a:lstStyle/>
+          <a:p>
+            <a:pPr algn="ctr"/>
+            <a:r>
+              <a:rPr lang="en-US" sz="700" b="1" dirty="0" smtClean="0"/>
+              <a:t>3</a:t>
+            </a:r>
+            <a:endParaRPr lang="en-US" sz="700" b="1" dirty="0"/>
+          </a:p>
+        </p:txBody>
+      </p:sp>
+      <p:sp>
+        <p:nvSpPr>
+          <p:cNvPr id="150" name="Oval 149"/>
+          <p:cNvSpPr/>
+          <p:nvPr/>
+        </p:nvSpPr>
+        <p:spPr>
+          <a:xfrm>
+            <a:off x="5734354" y="3306537"/>
+            <a:ext cx="142938" cy="142938"/>
+          </a:xfrm>
+          <a:prstGeom prst="ellipse">
+            <a:avLst/>
+          </a:prstGeom>
+          <a:solidFill>
+            <a:schemeClr val="tx1"/>
+          </a:solidFill>
+          <a:ln>
+            <a:solidFill>
+              <a:schemeClr val="tx1"/>
+            </a:solidFill>
+          </a:ln>
+        </p:spPr>
+        <p:style>
+          <a:lnRef idx="2">
+            <a:schemeClr val="accent1">
+              <a:shade val="50000"/>
+            </a:schemeClr>
+          </a:lnRef>
+          <a:fillRef idx="1">
+            <a:schemeClr val="accent1"/>
+          </a:fillRef>
+          <a:effectRef idx="0">
+            <a:schemeClr val="accent1"/>
+          </a:effectRef>
+          <a:fontRef idx="minor">
+            <a:schemeClr val="lt1"/>
+          </a:fontRef>
+        </p:style>
+        <p:txBody>
+          <a:bodyPr rtlCol="0" anchor="ctr"/>
+          <a:lstStyle/>
+          <a:p>
+            <a:pPr algn="ctr"/>
+            <a:r>
+              <a:rPr lang="en-US" sz="700" b="1" dirty="0" smtClean="0"/>
+              <a:t>5</a:t>
+            </a:r>
+            <a:endParaRPr lang="en-US" sz="700" b="1" dirty="0"/>
+          </a:p>
+        </p:txBody>
+      </p:sp>
+      <p:sp>
+        <p:nvSpPr>
+          <p:cNvPr id="151" name="Oval 150"/>
+          <p:cNvSpPr/>
+          <p:nvPr/>
+        </p:nvSpPr>
+        <p:spPr>
+          <a:xfrm>
+            <a:off x="5735264" y="2927546"/>
+            <a:ext cx="142938" cy="142938"/>
+          </a:xfrm>
+          <a:prstGeom prst="ellipse">
+            <a:avLst/>
+          </a:prstGeom>
+          <a:solidFill>
+            <a:schemeClr val="tx1"/>
+          </a:solidFill>
+          <a:ln>
+            <a:solidFill>
+              <a:schemeClr val="tx1"/>
+            </a:solidFill>
+          </a:ln>
+        </p:spPr>
+        <p:style>
+          <a:lnRef idx="2">
+            <a:schemeClr val="accent1">
+              <a:shade val="50000"/>
+            </a:schemeClr>
+          </a:lnRef>
+          <a:fillRef idx="1">
+            <a:schemeClr val="accent1"/>
+          </a:fillRef>
+          <a:effectRef idx="0">
+            <a:schemeClr val="accent1"/>
+          </a:effectRef>
+          <a:fontRef idx="minor">
+            <a:schemeClr val="lt1"/>
+          </a:fontRef>
+        </p:style>
+        <p:txBody>
+          <a:bodyPr rtlCol="0" anchor="ctr"/>
+          <a:lstStyle/>
+          <a:p>
+            <a:pPr algn="ctr"/>
+            <a:r>
+              <a:rPr lang="en-US" sz="700" b="1" dirty="0" smtClean="0"/>
+              <a:t>5</a:t>
+            </a:r>
+            <a:endParaRPr lang="en-US" sz="700" b="1" dirty="0"/>
+          </a:p>
+        </p:txBody>
+      </p:sp>
+      <p:sp>
+        <p:nvSpPr>
+          <p:cNvPr id="152" name="Oval 151"/>
+          <p:cNvSpPr/>
+          <p:nvPr/>
+        </p:nvSpPr>
+        <p:spPr>
+          <a:xfrm>
+            <a:off x="5642582" y="2289274"/>
+            <a:ext cx="142938" cy="142938"/>
+          </a:xfrm>
+          <a:prstGeom prst="ellipse">
+            <a:avLst/>
+          </a:prstGeom>
+          <a:solidFill>
+            <a:schemeClr val="tx1"/>
+          </a:solidFill>
+          <a:ln>
+            <a:solidFill>
+              <a:schemeClr val="tx1"/>
+            </a:solidFill>
+          </a:ln>
+        </p:spPr>
+        <p:style>
+          <a:lnRef idx="2">
+            <a:schemeClr val="accent1">
+              <a:shade val="50000"/>
+            </a:schemeClr>
+          </a:lnRef>
+          <a:fillRef idx="1">
+            <a:schemeClr val="accent1"/>
+          </a:fillRef>
+          <a:effectRef idx="0">
+            <a:schemeClr val="accent1"/>
+          </a:effectRef>
+          <a:fontRef idx="minor">
+            <a:schemeClr val="lt1"/>
+          </a:fontRef>
+        </p:style>
+        <p:txBody>
+          <a:bodyPr rtlCol="0" anchor="ctr"/>
+          <a:lstStyle/>
+          <a:p>
+            <a:pPr algn="ctr"/>
+            <a:r>
+              <a:rPr lang="en-US" sz="700" b="1" dirty="0" smtClean="0"/>
+              <a:t>3</a:t>
+            </a:r>
+            <a:endParaRPr lang="en-US" sz="700" b="1" dirty="0"/>
+          </a:p>
+        </p:txBody>
+      </p:sp>
+      <p:sp>
+        <p:nvSpPr>
+          <p:cNvPr id="153" name="Oval 152"/>
+          <p:cNvSpPr/>
+          <p:nvPr/>
+        </p:nvSpPr>
+        <p:spPr>
+          <a:xfrm>
+            <a:off x="5816902" y="2288793"/>
+            <a:ext cx="142938" cy="142938"/>
+          </a:xfrm>
+          <a:prstGeom prst="ellipse">
+            <a:avLst/>
+          </a:prstGeom>
+          <a:solidFill>
+            <a:schemeClr val="tx1"/>
+          </a:solidFill>
+          <a:ln>
+            <a:solidFill>
+              <a:schemeClr val="tx1"/>
+            </a:solidFill>
+          </a:ln>
+        </p:spPr>
+        <p:style>
+          <a:lnRef idx="2">
+            <a:schemeClr val="accent1">
+              <a:shade val="50000"/>
+            </a:schemeClr>
+          </a:lnRef>
+          <a:fillRef idx="1">
+            <a:schemeClr val="accent1"/>
+          </a:fillRef>
+          <a:effectRef idx="0">
+            <a:schemeClr val="accent1"/>
+          </a:effectRef>
+          <a:fontRef idx="minor">
+            <a:schemeClr val="lt1"/>
+          </a:fontRef>
+        </p:style>
+        <p:txBody>
+          <a:bodyPr rtlCol="0" anchor="ctr"/>
+          <a:lstStyle/>
+          <a:p>
+            <a:pPr algn="ctr"/>
+            <a:r>
+              <a:rPr lang="en-US" sz="700" b="1" dirty="0" smtClean="0"/>
+              <a:t>5</a:t>
+            </a:r>
+            <a:endParaRPr lang="en-US" sz="700" b="1" dirty="0"/>
+          </a:p>
+        </p:txBody>
+      </p:sp>
+      <p:cxnSp>
+        <p:nvCxnSpPr>
+          <p:cNvPr id="154" name="Straight Arrow Connector 153"/>
+          <p:cNvCxnSpPr/>
+          <p:nvPr/>
+        </p:nvCxnSpPr>
+        <p:spPr>
+          <a:xfrm>
+            <a:off x="4484326" y="2424455"/>
+            <a:ext cx="0" cy="311610"/>
+          </a:xfrm>
+          <a:prstGeom prst="straightConnector1">
+            <a:avLst/>
+          </a:prstGeom>
+          <a:ln w="25400">
+            <a:solidFill>
+              <a:schemeClr val="tx1"/>
+            </a:solidFill>
+            <a:tailEnd type="triangle"/>
+          </a:ln>
+        </p:spPr>
+        <p:style>
+          <a:lnRef idx="1">
+            <a:schemeClr val="accent1"/>
+          </a:lnRef>
+          <a:fillRef idx="0">
+            <a:schemeClr val="accent1"/>
+          </a:fillRef>
+          <a:effectRef idx="0">
+            <a:schemeClr val="accent1"/>
+          </a:effectRef>
+          <a:fontRef idx="minor">
+            <a:schemeClr val="tx1"/>
+          </a:fontRef>
+        </p:style>
+      </p:cxnSp>
+      <p:cxnSp>
+        <p:nvCxnSpPr>
+          <p:cNvPr id="157" name="Straight Arrow Connector 156"/>
+          <p:cNvCxnSpPr/>
+          <p:nvPr/>
+        </p:nvCxnSpPr>
+        <p:spPr>
+          <a:xfrm>
+            <a:off x="4613866" y="2422178"/>
+            <a:ext cx="0" cy="311610"/>
+          </a:xfrm>
+          <a:prstGeom prst="straightConnector1">
+            <a:avLst/>
+          </a:prstGeom>
+          <a:ln w="25400">
+            <a:solidFill>
+              <a:schemeClr val="tx1"/>
+            </a:solidFill>
+            <a:tailEnd type="triangle"/>
+          </a:ln>
+        </p:spPr>
+        <p:style>
+          <a:lnRef idx="1">
+            <a:schemeClr val="accent1"/>
+          </a:lnRef>
+          <a:fillRef idx="0">
+            <a:schemeClr val="accent1"/>
+          </a:fillRef>
+          <a:effectRef idx="0">
+            <a:schemeClr val="accent1"/>
+          </a:effectRef>
+          <a:fontRef idx="minor">
+            <a:schemeClr val="tx1"/>
+          </a:fontRef>
+        </p:style>
+      </p:cxnSp>
+      <p:cxnSp>
+        <p:nvCxnSpPr>
+          <p:cNvPr id="158" name="Straight Arrow Connector 157"/>
+          <p:cNvCxnSpPr/>
+          <p:nvPr/>
+        </p:nvCxnSpPr>
+        <p:spPr>
+          <a:xfrm>
+            <a:off x="4735786" y="2422178"/>
+            <a:ext cx="0" cy="311610"/>
+          </a:xfrm>
+          <a:prstGeom prst="straightConnector1">
+            <a:avLst/>
+          </a:prstGeom>
+          <a:ln w="25400">
+            <a:solidFill>
+              <a:schemeClr val="tx1"/>
+            </a:solidFill>
+            <a:tailEnd type="triangle"/>
+          </a:ln>
+        </p:spPr>
+        <p:style>
+          <a:lnRef idx="1">
+            <a:schemeClr val="accent1"/>
+          </a:lnRef>
+          <a:fillRef idx="0">
+            <a:schemeClr val="accent1"/>
+          </a:fillRef>
+          <a:effectRef idx="0">
+            <a:schemeClr val="accent1"/>
+          </a:effectRef>
+          <a:fontRef idx="minor">
+            <a:schemeClr val="tx1"/>
+          </a:fontRef>
+        </p:style>
+      </p:cxnSp>
+      <p:sp>
+        <p:nvSpPr>
+          <p:cNvPr id="159" name="TextBox 158"/>
+          <p:cNvSpPr txBox="1"/>
+          <p:nvPr/>
+        </p:nvSpPr>
+        <p:spPr>
+          <a:xfrm>
+            <a:off x="4277085" y="2126336"/>
+            <a:ext cx="673669" cy="338554"/>
+          </a:xfrm>
+          <a:prstGeom prst="rect">
+            <a:avLst/>
+          </a:prstGeom>
+          <a:noFill/>
+        </p:spPr>
+        <p:txBody>
+          <a:bodyPr wrap="square" rtlCol="0">
+            <a:spAutoFit/>
+          </a:bodyPr>
+          <a:lstStyle/>
+          <a:p>
+            <a:pPr algn="ctr"/>
+            <a:r>
+              <a:rPr lang="en-US" sz="800" b="1" dirty="0" smtClean="0"/>
+              <a:t>Responses from MCs</a:t>
+            </a:r>
+            <a:endParaRPr lang="en-US" sz="800" b="1" dirty="0"/>
+          </a:p>
+        </p:txBody>
+      </p:sp>
+      <p:sp>
+        <p:nvSpPr>
+          <p:cNvPr id="160" name="Oval 159"/>
+          <p:cNvSpPr/>
+          <p:nvPr/>
+        </p:nvSpPr>
+        <p:spPr>
+          <a:xfrm>
+            <a:off x="4542397" y="2026496"/>
+            <a:ext cx="142938" cy="142938"/>
+          </a:xfrm>
+          <a:prstGeom prst="ellipse">
+            <a:avLst/>
+          </a:prstGeom>
+          <a:solidFill>
+            <a:schemeClr val="tx1"/>
+          </a:solidFill>
+          <a:ln>
+            <a:solidFill>
+              <a:schemeClr val="tx1"/>
+            </a:solidFill>
+          </a:ln>
+        </p:spPr>
+        <p:style>
+          <a:lnRef idx="2">
+            <a:schemeClr val="accent1">
+              <a:shade val="50000"/>
+            </a:schemeClr>
+          </a:lnRef>
+          <a:fillRef idx="1">
+            <a:schemeClr val="accent1"/>
+          </a:fillRef>
+          <a:effectRef idx="0">
+            <a:schemeClr val="accent1"/>
+          </a:effectRef>
+          <a:fontRef idx="minor">
+            <a:schemeClr val="lt1"/>
+          </a:fontRef>
+        </p:style>
+        <p:txBody>
+          <a:bodyPr rtlCol="0" anchor="ctr"/>
+          <a:lstStyle/>
+          <a:p>
+            <a:pPr algn="ctr"/>
+            <a:r>
+              <a:rPr lang="en-US" sz="700" b="1" dirty="0" smtClean="0"/>
+              <a:t>4</a:t>
+            </a:r>
+            <a:endParaRPr lang="en-US" sz="700" b="1" dirty="0"/>
+          </a:p>
+        </p:txBody>
+      </p:sp>
+      <p:sp>
+        <p:nvSpPr>
+          <p:cNvPr id="161" name="Rectangle 160"/>
+          <p:cNvSpPr/>
+          <p:nvPr/>
+        </p:nvSpPr>
+        <p:spPr>
+          <a:xfrm>
+            <a:off x="2610123" y="2027199"/>
+            <a:ext cx="723629" cy="546427"/>
+          </a:xfrm>
+          <a:prstGeom prst="rect">
+            <a:avLst/>
+          </a:prstGeom>
+          <a:noFill/>
+          <a:ln>
+            <a:solidFill>
+              <a:schemeClr val="tx1"/>
+            </a:solidFill>
+          </a:ln>
+        </p:spPr>
+        <p:style>
+          <a:lnRef idx="2">
+            <a:schemeClr val="accent1">
+              <a:shade val="50000"/>
+            </a:schemeClr>
+          </a:lnRef>
+          <a:fillRef idx="1">
+            <a:schemeClr val="accent1"/>
+          </a:fillRef>
+          <a:effectRef idx="0">
+            <a:schemeClr val="accent1"/>
+          </a:effectRef>
+          <a:fontRef idx="minor">
+            <a:schemeClr val="lt1"/>
+          </a:fontRef>
+        </p:style>
+        <p:txBody>
+          <a:bodyPr rtlCol="0" anchor="ctr"/>
+          <a:lstStyle/>
+          <a:p>
+            <a:pPr algn="ctr"/>
+            <a:r>
+              <a:rPr lang="en-US" sz="1100" b="1" dirty="0" smtClean="0">
+                <a:solidFill>
+                  <a:schemeClr val="tx1"/>
+                </a:solidFill>
+              </a:rPr>
+              <a:t>Remap</a:t>
+            </a:r>
+          </a:p>
+          <a:p>
+            <a:pPr algn="ctr"/>
+            <a:r>
+              <a:rPr lang="en-US" sz="1100" b="1" dirty="0" smtClean="0">
+                <a:solidFill>
+                  <a:schemeClr val="tx1"/>
+                </a:solidFill>
+              </a:rPr>
+              <a:t>Table</a:t>
+            </a:r>
+            <a:endParaRPr lang="en-US" sz="1100" b="1" dirty="0">
+              <a:solidFill>
+                <a:schemeClr val="tx1"/>
+              </a:solidFill>
+            </a:endParaRPr>
+          </a:p>
+        </p:txBody>
+      </p:sp>
+      <p:cxnSp>
+        <p:nvCxnSpPr>
+          <p:cNvPr id="165" name="Elbow Connector 164"/>
+          <p:cNvCxnSpPr/>
+          <p:nvPr/>
+        </p:nvCxnSpPr>
+        <p:spPr>
+          <a:xfrm rot="16200000" flipV="1">
+            <a:off x="3181351" y="2228849"/>
+            <a:ext cx="733426" cy="447677"/>
+          </a:xfrm>
+          <a:prstGeom prst="bentConnector3">
+            <a:avLst>
+              <a:gd name="adj1" fmla="val 99674"/>
+            </a:avLst>
+          </a:prstGeom>
+          <a:ln w="25400">
+            <a:solidFill>
+              <a:schemeClr val="tx1"/>
+            </a:solidFill>
+            <a:tailEnd type="triangle"/>
+          </a:ln>
+        </p:spPr>
+        <p:style>
+          <a:lnRef idx="1">
+            <a:schemeClr val="accent1"/>
+          </a:lnRef>
+          <a:fillRef idx="0">
+            <a:schemeClr val="accent1"/>
+          </a:fillRef>
+          <a:effectRef idx="0">
+            <a:schemeClr val="accent1"/>
+          </a:effectRef>
+          <a:fontRef idx="minor">
+            <a:schemeClr val="tx1"/>
+          </a:fontRef>
+        </p:style>
+      </p:cxnSp>
+      <p:cxnSp>
+        <p:nvCxnSpPr>
+          <p:cNvPr id="171" name="Elbow Connector 170"/>
+          <p:cNvCxnSpPr>
+            <a:endCxn id="161" idx="3"/>
+          </p:cNvCxnSpPr>
+          <p:nvPr/>
+        </p:nvCxnSpPr>
+        <p:spPr>
+          <a:xfrm rot="16200000" flipV="1">
+            <a:off x="3098071" y="2536094"/>
+            <a:ext cx="823788" cy="352425"/>
+          </a:xfrm>
+          <a:prstGeom prst="bentConnector2">
+            <a:avLst/>
+          </a:prstGeom>
+          <a:ln w="25400">
+            <a:solidFill>
+              <a:schemeClr val="tx1"/>
+            </a:solidFill>
+            <a:tailEnd type="triangle"/>
+          </a:ln>
+        </p:spPr>
+        <p:style>
+          <a:lnRef idx="1">
+            <a:schemeClr val="accent1"/>
+          </a:lnRef>
+          <a:fillRef idx="0">
+            <a:schemeClr val="accent1"/>
+          </a:fillRef>
+          <a:effectRef idx="0">
+            <a:schemeClr val="accent1"/>
+          </a:effectRef>
+          <a:fontRef idx="minor">
+            <a:schemeClr val="tx1"/>
+          </a:fontRef>
+        </p:style>
+      </p:cxnSp>
+      <p:sp>
+        <p:nvSpPr>
+          <p:cNvPr id="176" name="Oval 175"/>
+          <p:cNvSpPr/>
+          <p:nvPr/>
+        </p:nvSpPr>
+        <p:spPr>
+          <a:xfrm>
+            <a:off x="3394488" y="2125088"/>
+            <a:ext cx="142938" cy="142938"/>
+          </a:xfrm>
+          <a:prstGeom prst="ellipse">
+            <a:avLst/>
+          </a:prstGeom>
+          <a:solidFill>
+            <a:schemeClr val="tx1"/>
+          </a:solidFill>
+          <a:ln>
+            <a:solidFill>
+              <a:schemeClr val="tx1"/>
+            </a:solidFill>
+          </a:ln>
+        </p:spPr>
+        <p:style>
+          <a:lnRef idx="2">
+            <a:schemeClr val="accent1">
+              <a:shade val="50000"/>
+            </a:schemeClr>
+          </a:lnRef>
+          <a:fillRef idx="1">
+            <a:schemeClr val="accent1"/>
+          </a:fillRef>
+          <a:effectRef idx="0">
+            <a:schemeClr val="accent1"/>
+          </a:effectRef>
+          <a:fontRef idx="minor">
+            <a:schemeClr val="lt1"/>
+          </a:fontRef>
+        </p:style>
+        <p:txBody>
+          <a:bodyPr rtlCol="0" anchor="ctr"/>
+          <a:lstStyle/>
+          <a:p>
+            <a:pPr algn="ctr"/>
+            <a:r>
+              <a:rPr lang="en-US" sz="700" b="1" dirty="0" smtClean="0"/>
+              <a:t>2</a:t>
+            </a:r>
+            <a:endParaRPr lang="en-US" sz="700" b="1" dirty="0"/>
+          </a:p>
+        </p:txBody>
+      </p:sp>
+    </p:spTree>
+    <p:extLst>
+      <p:ext uri="{BB962C8B-B14F-4D97-AF65-F5344CB8AC3E}">
+        <p14:creationId xmlns:p14="http://schemas.microsoft.com/office/powerpoint/2010/main" val="584031511"/>
+      </p:ext>
+    </p:extLst>
+  </p:cSld>
+  <p:clrMapOvr>
+    <a:masterClrMapping/>
+  </p:clrMapOvr>
+</p:sld>
+</file>
+
+<file path=ppt/slides/slide5.xml><?xml version="1.0" encoding="utf-8"?>
 <p:sld xmlns:a="http://schemas.openxmlformats.org/drawingml/2006/main" xmlns:r="http://schemas.openxmlformats.org/officeDocument/2006/relationships" xmlns:p="http://schemas.openxmlformats.org/presentationml/2006/main">
   <p:cSld>
     <p:spTree>
@@ -11689,11 +17144,7 @@
             <a:pPr algn="ctr"/>
             <a:r>
               <a:rPr lang="en-US" sz="1100" dirty="0" smtClean="0"/>
-              <a:t>10</a:t>
-            </a:r>
-            <a:r>
-              <a:rPr lang="en-US" sz="1100" dirty="0" smtClean="0"/>
-              <a:t>↔200</a:t>
+              <a:t>10↔200</a:t>
             </a:r>
             <a:endParaRPr lang="en-US" sz="1100" dirty="0"/>
           </a:p>
@@ -11775,11 +17226,7 @@
             <a:pPr algn="ctr"/>
             <a:r>
               <a:rPr lang="en-US" sz="1100" dirty="0" smtClean="0"/>
-              <a:t>10</a:t>
-            </a:r>
-            <a:r>
-              <a:rPr lang="en-US" sz="1100" dirty="0" smtClean="0"/>
-              <a:t>↔200</a:t>
+              <a:t>10↔200</a:t>
             </a:r>
             <a:endParaRPr lang="en-US" sz="1100" dirty="0"/>
           </a:p>
@@ -11866,7 +17313,7 @@
 </p:sld>
 </file>
 
-<file path=ppt/slides/slide4.xml><?xml version="1.0" encoding="utf-8"?>
+<file path=ppt/slides/slide6.xml><?xml version="1.0" encoding="utf-8"?>
 <p:sld xmlns:a="http://schemas.openxmlformats.org/drawingml/2006/main" xmlns:r="http://schemas.openxmlformats.org/officeDocument/2006/relationships" xmlns:p="http://schemas.openxmlformats.org/presentationml/2006/main">
   <p:cSld>
     <p:spTree>
@@ -15741,7 +21188,7 @@
 </p:sld>
 </file>
 
-<file path=ppt/slides/slide5.xml><?xml version="1.0" encoding="utf-8"?>
+<file path=ppt/slides/slide7.xml><?xml version="1.0" encoding="utf-8"?>
 <p:sld xmlns:a="http://schemas.openxmlformats.org/drawingml/2006/main" xmlns:r="http://schemas.openxmlformats.org/officeDocument/2006/relationships" xmlns:p="http://schemas.openxmlformats.org/presentationml/2006/main">
   <p:cSld>
     <p:spTree>
@@ -22549,11 +27996,7 @@
             <a:pPr algn="ctr"/>
             <a:r>
               <a:rPr lang="en-US" sz="1200" b="1" dirty="0" smtClean="0"/>
-              <a:t>10 ↔</a:t>
-            </a:r>
-            <a:r>
-              <a:rPr lang="en-US" sz="1200" b="1" dirty="0" smtClean="0"/>
-              <a:t> 100</a:t>
+              <a:t>10 ↔ 100</a:t>
             </a:r>
             <a:endParaRPr lang="en-US" sz="1200" b="1" dirty="0"/>
           </a:p>
@@ -22591,11 +28034,7 @@
             <a:pPr algn="ctr"/>
             <a:r>
               <a:rPr lang="en-US" sz="1200" b="1" dirty="0" smtClean="0"/>
-              <a:t>10 ↔</a:t>
-            </a:r>
-            <a:r>
-              <a:rPr lang="en-US" sz="1200" b="1" dirty="0" smtClean="0"/>
-              <a:t> 200</a:t>
+              <a:t>10 ↔ 200</a:t>
             </a:r>
             <a:endParaRPr lang="en-US" sz="1200" b="1" dirty="0"/>
           </a:p>

--- a/paper/raw_data/mempod_figures.pptx
+++ b/paper/raw_data/mempod_figures.pptx
@@ -266,7 +266,7 @@
           <a:p>
             <a:fld id="{9AABD8A3-0D1A-42E1-BC2B-F49C43CA28F4}" type="datetimeFigureOut">
               <a:rPr lang="en-US" smtClean="0"/>
-              <a:t>4/9/2016</a:t>
+              <a:t>4/10/2016</a:t>
             </a:fld>
             <a:endParaRPr lang="en-US"/>
           </a:p>
@@ -436,7 +436,7 @@
           <a:p>
             <a:fld id="{9AABD8A3-0D1A-42E1-BC2B-F49C43CA28F4}" type="datetimeFigureOut">
               <a:rPr lang="en-US" smtClean="0"/>
-              <a:t>4/9/2016</a:t>
+              <a:t>4/10/2016</a:t>
             </a:fld>
             <a:endParaRPr lang="en-US"/>
           </a:p>
@@ -616,7 +616,7 @@
           <a:p>
             <a:fld id="{9AABD8A3-0D1A-42E1-BC2B-F49C43CA28F4}" type="datetimeFigureOut">
               <a:rPr lang="en-US" smtClean="0"/>
-              <a:t>4/9/2016</a:t>
+              <a:t>4/10/2016</a:t>
             </a:fld>
             <a:endParaRPr lang="en-US"/>
           </a:p>
@@ -786,7 +786,7 @@
           <a:p>
             <a:fld id="{9AABD8A3-0D1A-42E1-BC2B-F49C43CA28F4}" type="datetimeFigureOut">
               <a:rPr lang="en-US" smtClean="0"/>
-              <a:t>4/9/2016</a:t>
+              <a:t>4/10/2016</a:t>
             </a:fld>
             <a:endParaRPr lang="en-US"/>
           </a:p>
@@ -1032,7 +1032,7 @@
           <a:p>
             <a:fld id="{9AABD8A3-0D1A-42E1-BC2B-F49C43CA28F4}" type="datetimeFigureOut">
               <a:rPr lang="en-US" smtClean="0"/>
-              <a:t>4/9/2016</a:t>
+              <a:t>4/10/2016</a:t>
             </a:fld>
             <a:endParaRPr lang="en-US"/>
           </a:p>
@@ -1264,7 +1264,7 @@
           <a:p>
             <a:fld id="{9AABD8A3-0D1A-42E1-BC2B-F49C43CA28F4}" type="datetimeFigureOut">
               <a:rPr lang="en-US" smtClean="0"/>
-              <a:t>4/9/2016</a:t>
+              <a:t>4/10/2016</a:t>
             </a:fld>
             <a:endParaRPr lang="en-US"/>
           </a:p>
@@ -1631,7 +1631,7 @@
           <a:p>
             <a:fld id="{9AABD8A3-0D1A-42E1-BC2B-F49C43CA28F4}" type="datetimeFigureOut">
               <a:rPr lang="en-US" smtClean="0"/>
-              <a:t>4/9/2016</a:t>
+              <a:t>4/10/2016</a:t>
             </a:fld>
             <a:endParaRPr lang="en-US"/>
           </a:p>
@@ -1749,7 +1749,7 @@
           <a:p>
             <a:fld id="{9AABD8A3-0D1A-42E1-BC2B-F49C43CA28F4}" type="datetimeFigureOut">
               <a:rPr lang="en-US" smtClean="0"/>
-              <a:t>4/9/2016</a:t>
+              <a:t>4/10/2016</a:t>
             </a:fld>
             <a:endParaRPr lang="en-US"/>
           </a:p>
@@ -1844,7 +1844,7 @@
           <a:p>
             <a:fld id="{9AABD8A3-0D1A-42E1-BC2B-F49C43CA28F4}" type="datetimeFigureOut">
               <a:rPr lang="en-US" smtClean="0"/>
-              <a:t>4/9/2016</a:t>
+              <a:t>4/10/2016</a:t>
             </a:fld>
             <a:endParaRPr lang="en-US"/>
           </a:p>
@@ -2121,7 +2121,7 @@
           <a:p>
             <a:fld id="{9AABD8A3-0D1A-42E1-BC2B-F49C43CA28F4}" type="datetimeFigureOut">
               <a:rPr lang="en-US" smtClean="0"/>
-              <a:t>4/9/2016</a:t>
+              <a:t>4/10/2016</a:t>
             </a:fld>
             <a:endParaRPr lang="en-US"/>
           </a:p>
@@ -2374,7 +2374,7 @@
           <a:p>
             <a:fld id="{9AABD8A3-0D1A-42E1-BC2B-F49C43CA28F4}" type="datetimeFigureOut">
               <a:rPr lang="en-US" smtClean="0"/>
-              <a:t>4/9/2016</a:t>
+              <a:t>4/10/2016</a:t>
             </a:fld>
             <a:endParaRPr lang="en-US"/>
           </a:p>
@@ -2587,7 +2587,7 @@
           <a:p>
             <a:fld id="{9AABD8A3-0D1A-42E1-BC2B-F49C43CA28F4}" type="datetimeFigureOut">
               <a:rPr lang="en-US" smtClean="0"/>
-              <a:t>4/9/2016</a:t>
+              <a:t>4/10/2016</a:t>
             </a:fld>
             <a:endParaRPr lang="en-US"/>
           </a:p>
@@ -11183,8 +11183,8 @@
         </p:nvCxnSpPr>
         <p:spPr>
           <a:xfrm>
-            <a:off x="1282009" y="2484720"/>
-            <a:ext cx="1193380" cy="0"/>
+            <a:off x="1614616" y="2484720"/>
+            <a:ext cx="860773" cy="0"/>
           </a:xfrm>
           <a:prstGeom prst="straightConnector1">
             <a:avLst/>
@@ -11491,7 +11491,7 @@
         </p:nvSpPr>
         <p:spPr>
           <a:xfrm>
-            <a:off x="1282009" y="2236910"/>
+            <a:off x="1458493" y="2253669"/>
             <a:ext cx="960485" cy="261610"/>
           </a:xfrm>
           <a:prstGeom prst="rect">
@@ -11776,6 +11776,237 @@
           </a:p>
         </p:txBody>
       </p:sp>
+      <p:cxnSp>
+        <p:nvCxnSpPr>
+          <p:cNvPr id="28" name="Straight Arrow Connector 27"/>
+          <p:cNvCxnSpPr/>
+          <p:nvPr/>
+        </p:nvCxnSpPr>
+        <p:spPr>
+          <a:xfrm flipV="1">
+            <a:off x="7338628" y="2692364"/>
+            <a:ext cx="262113" cy="1"/>
+          </a:xfrm>
+          <a:prstGeom prst="straightConnector1">
+            <a:avLst/>
+          </a:prstGeom>
+          <a:ln w="25400">
+            <a:solidFill>
+              <a:schemeClr val="tx1"/>
+            </a:solidFill>
+            <a:tailEnd type="triangle"/>
+          </a:ln>
+        </p:spPr>
+        <p:style>
+          <a:lnRef idx="1">
+            <a:schemeClr val="accent1"/>
+          </a:lnRef>
+          <a:fillRef idx="0">
+            <a:schemeClr val="accent1"/>
+          </a:fillRef>
+          <a:effectRef idx="0">
+            <a:schemeClr val="accent1"/>
+          </a:effectRef>
+          <a:fontRef idx="minor">
+            <a:schemeClr val="tx1"/>
+          </a:fontRef>
+        </p:style>
+      </p:cxnSp>
+      <p:cxnSp>
+        <p:nvCxnSpPr>
+          <p:cNvPr id="29" name="Straight Arrow Connector 28"/>
+          <p:cNvCxnSpPr/>
+          <p:nvPr/>
+        </p:nvCxnSpPr>
+        <p:spPr>
+          <a:xfrm>
+            <a:off x="7338628" y="2235165"/>
+            <a:ext cx="262114" cy="0"/>
+          </a:xfrm>
+          <a:prstGeom prst="straightConnector1">
+            <a:avLst/>
+          </a:prstGeom>
+          <a:ln w="25400">
+            <a:solidFill>
+              <a:schemeClr val="tx1"/>
+            </a:solidFill>
+            <a:tailEnd type="triangle"/>
+          </a:ln>
+        </p:spPr>
+        <p:style>
+          <a:lnRef idx="1">
+            <a:schemeClr val="accent1"/>
+          </a:lnRef>
+          <a:fillRef idx="0">
+            <a:schemeClr val="accent1"/>
+          </a:fillRef>
+          <a:effectRef idx="0">
+            <a:schemeClr val="accent1"/>
+          </a:effectRef>
+          <a:fontRef idx="minor">
+            <a:schemeClr val="tx1"/>
+          </a:fontRef>
+        </p:style>
+      </p:cxnSp>
+      <p:cxnSp>
+        <p:nvCxnSpPr>
+          <p:cNvPr id="30" name="Straight Arrow Connector 29"/>
+          <p:cNvCxnSpPr/>
+          <p:nvPr/>
+        </p:nvCxnSpPr>
+        <p:spPr>
+          <a:xfrm>
+            <a:off x="7338628" y="3149565"/>
+            <a:ext cx="262113" cy="0"/>
+          </a:xfrm>
+          <a:prstGeom prst="straightConnector1">
+            <a:avLst/>
+          </a:prstGeom>
+          <a:ln w="25400">
+            <a:solidFill>
+              <a:schemeClr val="tx1"/>
+            </a:solidFill>
+            <a:tailEnd type="triangle"/>
+          </a:ln>
+        </p:spPr>
+        <p:style>
+          <a:lnRef idx="1">
+            <a:schemeClr val="accent1"/>
+          </a:lnRef>
+          <a:fillRef idx="0">
+            <a:schemeClr val="accent1"/>
+          </a:fillRef>
+          <a:effectRef idx="0">
+            <a:schemeClr val="accent1"/>
+          </a:effectRef>
+          <a:fontRef idx="minor">
+            <a:schemeClr val="tx1"/>
+          </a:fontRef>
+        </p:style>
+      </p:cxnSp>
+      <p:sp>
+        <p:nvSpPr>
+          <p:cNvPr id="31" name="TextBox 30"/>
+          <p:cNvSpPr txBox="1"/>
+          <p:nvPr/>
+        </p:nvSpPr>
+        <p:spPr>
+          <a:xfrm>
+            <a:off x="7082398" y="3678973"/>
+            <a:ext cx="960485" cy="430887"/>
+          </a:xfrm>
+          <a:prstGeom prst="rect">
+            <a:avLst/>
+          </a:prstGeom>
+          <a:noFill/>
+        </p:spPr>
+        <p:txBody>
+          <a:bodyPr wrap="square" rtlCol="0">
+            <a:spAutoFit/>
+          </a:bodyPr>
+          <a:lstStyle/>
+          <a:p>
+            <a:pPr algn="ctr"/>
+            <a:r>
+              <a:rPr lang="en-US" sz="1100" b="1" dirty="0" smtClean="0"/>
+              <a:t>Response </a:t>
+            </a:r>
+          </a:p>
+          <a:p>
+            <a:pPr algn="ctr"/>
+            <a:r>
+              <a:rPr lang="en-US" sz="1100" b="1" dirty="0" smtClean="0"/>
+              <a:t>to LLC</a:t>
+            </a:r>
+            <a:endParaRPr lang="en-US" sz="1100" b="1" dirty="0"/>
+          </a:p>
+        </p:txBody>
+      </p:sp>
+      <p:sp>
+        <p:nvSpPr>
+          <p:cNvPr id="6" name="Oval 5"/>
+          <p:cNvSpPr/>
+          <p:nvPr/>
+        </p:nvSpPr>
+        <p:spPr>
+          <a:xfrm>
+            <a:off x="7412534" y="2062172"/>
+            <a:ext cx="293191" cy="1267172"/>
+          </a:xfrm>
+          <a:prstGeom prst="ellipse">
+            <a:avLst/>
+          </a:prstGeom>
+          <a:noFill/>
+          <a:ln w="25400">
+            <a:solidFill>
+              <a:schemeClr val="tx1"/>
+            </a:solidFill>
+            <a:prstDash val="sysDash"/>
+          </a:ln>
+        </p:spPr>
+        <p:style>
+          <a:lnRef idx="2">
+            <a:schemeClr val="accent1">
+              <a:shade val="50000"/>
+            </a:schemeClr>
+          </a:lnRef>
+          <a:fillRef idx="1">
+            <a:schemeClr val="accent1"/>
+          </a:fillRef>
+          <a:effectRef idx="0">
+            <a:schemeClr val="accent1"/>
+          </a:effectRef>
+          <a:fontRef idx="minor">
+            <a:schemeClr val="lt1"/>
+          </a:fontRef>
+        </p:style>
+        <p:txBody>
+          <a:bodyPr rtlCol="0" anchor="ctr"/>
+          <a:lstStyle/>
+          <a:p>
+            <a:pPr algn="ctr"/>
+            <a:endParaRPr lang="en-US"/>
+          </a:p>
+        </p:txBody>
+      </p:sp>
+      <p:cxnSp>
+        <p:nvCxnSpPr>
+          <p:cNvPr id="34" name="Straight Arrow Connector 33"/>
+          <p:cNvCxnSpPr>
+            <a:stCxn id="31" idx="0"/>
+          </p:cNvCxnSpPr>
+          <p:nvPr/>
+        </p:nvCxnSpPr>
+        <p:spPr>
+          <a:xfrm flipV="1">
+            <a:off x="7562641" y="3362325"/>
+            <a:ext cx="0" cy="316648"/>
+          </a:xfrm>
+          <a:prstGeom prst="straightConnector1">
+            <a:avLst/>
+          </a:prstGeom>
+          <a:ln w="25400">
+            <a:solidFill>
+              <a:schemeClr val="tx1"/>
+            </a:solidFill>
+            <a:tailEnd type="triangle"/>
+          </a:ln>
+        </p:spPr>
+        <p:style>
+          <a:lnRef idx="1">
+            <a:schemeClr val="accent1"/>
+          </a:lnRef>
+          <a:fillRef idx="0">
+            <a:schemeClr val="accent1"/>
+          </a:fillRef>
+          <a:effectRef idx="0">
+            <a:schemeClr val="accent1"/>
+          </a:effectRef>
+          <a:fontRef idx="minor">
+            <a:schemeClr val="tx1"/>
+          </a:fontRef>
+        </p:style>
+      </p:cxnSp>
     </p:spTree>
     <p:extLst>
       <p:ext uri="{BB962C8B-B14F-4D97-AF65-F5344CB8AC3E}">
@@ -13871,11 +14102,7 @@
           <a:p>
             <a:r>
               <a:rPr lang="en-US" dirty="0" smtClean="0"/>
-              <a:t>Pod Design </a:t>
-            </a:r>
-            <a:r>
-              <a:rPr lang="en-US" dirty="0" smtClean="0"/>
-              <a:t>– Migration v2</a:t>
+              <a:t>Pod Design – Migration v2</a:t>
             </a:r>
             <a:endParaRPr lang="en-US" dirty="0"/>
           </a:p>
